--- a/team5.pptx
+++ b/team5.pptx
@@ -12,12 +12,14 @@
     <p:sldId id="261" r:id="rId6"/>
     <p:sldId id="262" r:id="rId7"/>
     <p:sldId id="263" r:id="rId8"/>
-    <p:sldId id="269" r:id="rId9"/>
-    <p:sldId id="264" r:id="rId10"/>
-    <p:sldId id="266" r:id="rId11"/>
-    <p:sldId id="265" r:id="rId12"/>
-    <p:sldId id="267" r:id="rId13"/>
-    <p:sldId id="268" r:id="rId14"/>
+    <p:sldId id="271" r:id="rId9"/>
+    <p:sldId id="269" r:id="rId10"/>
+    <p:sldId id="264" r:id="rId11"/>
+    <p:sldId id="266" r:id="rId12"/>
+    <p:sldId id="265" r:id="rId13"/>
+    <p:sldId id="267" r:id="rId14"/>
+    <p:sldId id="268" r:id="rId15"/>
+    <p:sldId id="270" r:id="rId16"/>
   </p:sldIdLst>
   <p:sldSz cx="12192000" cy="6858000"/>
   <p:notesSz cx="6858000" cy="9144000"/>
@@ -116,6 +118,11 @@
       </a:defRPr>
     </a:lvl9pPr>
   </p:defaultTextStyle>
+  <p:extLst>
+    <p:ext uri="{EFAFB233-063F-42B5-8137-9DF3F51BA10A}">
+      <p15:sldGuideLst xmlns:p15="http://schemas.microsoft.com/office/powerpoint/2012/main"/>
+    </p:ext>
+  </p:extLst>
 </p:presentation>
 </file>
 
@@ -621,7 +628,7 @@
           <a:p>
             <a:fld id="{1B01BCEC-C596-43B5-A901-1824ECC642AD}" type="datetimeFigureOut">
               <a:rPr lang="en-US" smtClean="0"/>
-              <a:t>4/17/2019</a:t>
+              <a:t>4/18/2019</a:t>
             </a:fld>
             <a:endParaRPr lang="en-US"/>
           </a:p>
@@ -917,7 +924,7 @@
           <a:p>
             <a:fld id="{1B01BCEC-C596-43B5-A901-1824ECC642AD}" type="datetimeFigureOut">
               <a:rPr lang="en-US" smtClean="0"/>
-              <a:t>4/17/2019</a:t>
+              <a:t>4/18/2019</a:t>
             </a:fld>
             <a:endParaRPr lang="en-US"/>
           </a:p>
@@ -1165,7 +1172,7 @@
           <a:p>
             <a:fld id="{1B01BCEC-C596-43B5-A901-1824ECC642AD}" type="datetimeFigureOut">
               <a:rPr lang="en-US" smtClean="0"/>
-              <a:t>4/17/2019</a:t>
+              <a:t>4/18/2019</a:t>
             </a:fld>
             <a:endParaRPr lang="en-US"/>
           </a:p>
@@ -1705,7 +1712,7 @@
           <a:p>
             <a:fld id="{1B01BCEC-C596-43B5-A901-1824ECC642AD}" type="datetimeFigureOut">
               <a:rPr lang="en-US" smtClean="0"/>
-              <a:t>4/17/2019</a:t>
+              <a:t>4/18/2019</a:t>
             </a:fld>
             <a:endParaRPr lang="en-US"/>
           </a:p>
@@ -1953,7 +1960,7 @@
           <a:p>
             <a:fld id="{1B01BCEC-C596-43B5-A901-1824ECC642AD}" type="datetimeFigureOut">
               <a:rPr lang="en-US" smtClean="0"/>
-              <a:t>4/17/2019</a:t>
+              <a:t>4/18/2019</a:t>
             </a:fld>
             <a:endParaRPr lang="en-US"/>
           </a:p>
@@ -2485,7 +2492,7 @@
           <a:p>
             <a:fld id="{1B01BCEC-C596-43B5-A901-1824ECC642AD}" type="datetimeFigureOut">
               <a:rPr lang="en-US" smtClean="0"/>
-              <a:t>4/17/2019</a:t>
+              <a:t>4/18/2019</a:t>
             </a:fld>
             <a:endParaRPr lang="en-US"/>
           </a:p>
@@ -2782,7 +2789,7 @@
           <a:p>
             <a:fld id="{1B01BCEC-C596-43B5-A901-1824ECC642AD}" type="datetimeFigureOut">
               <a:rPr lang="en-US" smtClean="0"/>
-              <a:t>4/17/2019</a:t>
+              <a:t>4/18/2019</a:t>
             </a:fld>
             <a:endParaRPr lang="en-US"/>
           </a:p>
@@ -2956,7 +2963,7 @@
           <a:p>
             <a:fld id="{1B01BCEC-C596-43B5-A901-1824ECC642AD}" type="datetimeFigureOut">
               <a:rPr lang="en-US" smtClean="0"/>
-              <a:t>4/17/2019</a:t>
+              <a:t>4/18/2019</a:t>
             </a:fld>
             <a:endParaRPr lang="en-US"/>
           </a:p>
@@ -3136,7 +3143,7 @@
           <a:p>
             <a:fld id="{1B01BCEC-C596-43B5-A901-1824ECC642AD}" type="datetimeFigureOut">
               <a:rPr lang="en-US" smtClean="0"/>
-              <a:t>4/17/2019</a:t>
+              <a:t>4/18/2019</a:t>
             </a:fld>
             <a:endParaRPr lang="en-US"/>
           </a:p>
@@ -3306,7 +3313,7 @@
           <a:p>
             <a:fld id="{1B01BCEC-C596-43B5-A901-1824ECC642AD}" type="datetimeFigureOut">
               <a:rPr lang="en-US" smtClean="0"/>
-              <a:t>4/17/2019</a:t>
+              <a:t>4/18/2019</a:t>
             </a:fld>
             <a:endParaRPr lang="en-US"/>
           </a:p>
@@ -3557,7 +3564,7 @@
           <a:p>
             <a:fld id="{1B01BCEC-C596-43B5-A901-1824ECC642AD}" type="datetimeFigureOut">
               <a:rPr lang="en-US" smtClean="0"/>
-              <a:t>4/17/2019</a:t>
+              <a:t>4/18/2019</a:t>
             </a:fld>
             <a:endParaRPr lang="en-US"/>
           </a:p>
@@ -3854,7 +3861,7 @@
           <a:p>
             <a:fld id="{1B01BCEC-C596-43B5-A901-1824ECC642AD}" type="datetimeFigureOut">
               <a:rPr lang="en-US" smtClean="0"/>
-              <a:t>4/17/2019</a:t>
+              <a:t>4/18/2019</a:t>
             </a:fld>
             <a:endParaRPr lang="en-US"/>
           </a:p>
@@ -4296,7 +4303,7 @@
           <a:p>
             <a:fld id="{1B01BCEC-C596-43B5-A901-1824ECC642AD}" type="datetimeFigureOut">
               <a:rPr lang="en-US" smtClean="0"/>
-              <a:t>4/17/2019</a:t>
+              <a:t>4/18/2019</a:t>
             </a:fld>
             <a:endParaRPr lang="en-US"/>
           </a:p>
@@ -4414,7 +4421,7 @@
           <a:p>
             <a:fld id="{1B01BCEC-C596-43B5-A901-1824ECC642AD}" type="datetimeFigureOut">
               <a:rPr lang="en-US" smtClean="0"/>
-              <a:t>4/17/2019</a:t>
+              <a:t>4/18/2019</a:t>
             </a:fld>
             <a:endParaRPr lang="en-US"/>
           </a:p>
@@ -4509,7 +4516,7 @@
           <a:p>
             <a:fld id="{1B01BCEC-C596-43B5-A901-1824ECC642AD}" type="datetimeFigureOut">
               <a:rPr lang="en-US" smtClean="0"/>
-              <a:t>4/17/2019</a:t>
+              <a:t>4/18/2019</a:t>
             </a:fld>
             <a:endParaRPr lang="en-US"/>
           </a:p>
@@ -4792,7 +4799,7 @@
           <a:p>
             <a:fld id="{1B01BCEC-C596-43B5-A901-1824ECC642AD}" type="datetimeFigureOut">
               <a:rPr lang="en-US" smtClean="0"/>
-              <a:t>4/17/2019</a:t>
+              <a:t>4/18/2019</a:t>
             </a:fld>
             <a:endParaRPr lang="en-US"/>
           </a:p>
@@ -5083,7 +5090,7 @@
           <a:p>
             <a:fld id="{1B01BCEC-C596-43B5-A901-1824ECC642AD}" type="datetimeFigureOut">
               <a:rPr lang="en-US" smtClean="0"/>
-              <a:t>4/17/2019</a:t>
+              <a:t>4/18/2019</a:t>
             </a:fld>
             <a:endParaRPr lang="en-US"/>
           </a:p>
@@ -5613,7 +5620,7 @@
           <a:p>
             <a:fld id="{1B01BCEC-C596-43B5-A901-1824ECC642AD}" type="datetimeFigureOut">
               <a:rPr lang="en-US" smtClean="0"/>
-              <a:t>4/17/2019</a:t>
+              <a:t>4/18/2019</a:t>
             </a:fld>
             <a:endParaRPr lang="en-US"/>
           </a:p>
@@ -6286,6 +6293,318 @@
           <a:chExt cx="0" cy="0"/>
         </a:xfrm>
       </p:grpSpPr>
+      <mc:AlternateContent xmlns:mc="http://schemas.openxmlformats.org/markup-compatibility/2006" xmlns:a14="http://schemas.microsoft.com/office/drawing/2010/main">
+        <mc:Choice Requires="a14">
+          <p:sp>
+            <p:nvSpPr>
+              <p:cNvPr id="3" name="Content Placeholder 2">
+                <a:extLst>
+                  <a:ext uri="{FF2B5EF4-FFF2-40B4-BE49-F238E27FC236}">
+                    <a16:creationId xmlns:a16="http://schemas.microsoft.com/office/drawing/2014/main" id="{F4185466-070D-4634-A8CB-F57FE4D1A462}"/>
+                  </a:ext>
+                </a:extLst>
+              </p:cNvPr>
+              <p:cNvSpPr>
+                <a:spLocks noGrp="1"/>
+              </p:cNvSpPr>
+              <p:nvPr>
+                <p:ph idx="1"/>
+              </p:nvPr>
+            </p:nvSpPr>
+            <p:spPr>
+              <a:xfrm>
+                <a:off x="1484310" y="1446247"/>
+                <a:ext cx="10018713" cy="4506684"/>
+              </a:xfrm>
+            </p:spPr>
+            <p:txBody>
+              <a:bodyPr>
+                <a:normAutofit/>
+              </a:bodyPr>
+              <a:lstStyle/>
+              <a:p>
+                <a:r>
+                  <a:rPr lang="en-US" dirty="0"/>
+                  <a:t>Running time:  includes the time used to construct the coresets and the time used to solve clustering problem on subsamples or full dataset using k-means or k-medoids algorithms.</a:t>
+                </a:r>
+              </a:p>
+              <a:p>
+                <a:endParaRPr lang="en-US" dirty="0"/>
+              </a:p>
+              <a:p>
+                <a:r>
+                  <a:rPr lang="en-US" dirty="0"/>
+                  <a:t>Relative error: </a:t>
+                </a:r>
+              </a:p>
+              <a:p>
+                <a:pPr marL="0" indent="0">
+                  <a:buNone/>
+                </a:pPr>
+                <a:r>
+                  <a:rPr lang="en-US" dirty="0"/>
+                  <a:t>      We solve clustering problem on subsample, compute the quantization error </a:t>
+                </a:r>
+                <a14:m>
+                  <m:oMath xmlns:m="http://schemas.openxmlformats.org/officeDocument/2006/math">
+                    <m:sSub>
+                      <m:sSubPr>
+                        <m:ctrlPr>
+                          <a:rPr lang="en-US" i="1">
+                            <a:latin typeface="Cambria Math" panose="02040503050406030204" pitchFamily="18" charset="0"/>
+                          </a:rPr>
+                        </m:ctrlPr>
+                      </m:sSubPr>
+                      <m:e>
+                        <m:r>
+                          <a:rPr lang="en-US" i="1">
+                            <a:latin typeface="Cambria Math" charset="0"/>
+                          </a:rPr>
+                          <m:t>𝜙</m:t>
+                        </m:r>
+                      </m:e>
+                      <m:sub>
+                        <m:r>
+                          <a:rPr lang="en-US" i="1">
+                            <a:latin typeface="Cambria Math" charset="0"/>
+                          </a:rPr>
+                          <m:t>𝜒</m:t>
+                        </m:r>
+                      </m:sub>
+                    </m:sSub>
+                    <m:d>
+                      <m:dPr>
+                        <m:ctrlPr>
+                          <a:rPr lang="en-US" i="1">
+                            <a:latin typeface="Cambria Math" panose="02040503050406030204" pitchFamily="18" charset="0"/>
+                          </a:rPr>
+                        </m:ctrlPr>
+                      </m:dPr>
+                      <m:e>
+                        <m:r>
+                          <a:rPr lang="en-US" i="1">
+                            <a:latin typeface="Cambria Math" charset="0"/>
+                          </a:rPr>
+                          <m:t>𝑄</m:t>
+                        </m:r>
+                      </m:e>
+                    </m:d>
+                    <m:r>
+                      <a:rPr lang="en-US" i="1">
+                        <a:latin typeface="Cambria Math" charset="0"/>
+                      </a:rPr>
+                      <m:t>=</m:t>
+                    </m:r>
+                    <m:nary>
+                      <m:naryPr>
+                        <m:chr m:val="∑"/>
+                        <m:limLoc m:val="undOvr"/>
+                        <m:supHide m:val="on"/>
+                        <m:ctrlPr>
+                          <a:rPr lang="en-US" i="1">
+                            <a:latin typeface="Cambria Math" panose="02040503050406030204" pitchFamily="18" charset="0"/>
+                          </a:rPr>
+                        </m:ctrlPr>
+                      </m:naryPr>
+                      <m:sub>
+                        <m:r>
+                          <a:rPr lang="en-US" i="1">
+                            <a:latin typeface="Cambria Math" charset="0"/>
+                          </a:rPr>
+                          <m:t>𝑥</m:t>
+                        </m:r>
+                        <m:r>
+                          <a:rPr lang="en-US" i="1">
+                            <a:latin typeface="Cambria Math" charset="0"/>
+                          </a:rPr>
+                          <m:t>∈</m:t>
+                        </m:r>
+                        <m:r>
+                          <a:rPr lang="en-US" i="1">
+                            <a:latin typeface="Cambria Math" charset="0"/>
+                          </a:rPr>
+                          <m:t>𝜒</m:t>
+                        </m:r>
+                      </m:sub>
+                      <m:sup/>
+                      <m:e>
+                        <m:sSup>
+                          <m:sSupPr>
+                            <m:ctrlPr>
+                              <a:rPr lang="en-US" i="1">
+                                <a:latin typeface="Cambria Math" panose="02040503050406030204" pitchFamily="18" charset="0"/>
+                              </a:rPr>
+                            </m:ctrlPr>
+                          </m:sSupPr>
+                          <m:e>
+                            <m:r>
+                              <a:rPr lang="en-US" i="1">
+                                <a:latin typeface="Cambria Math" charset="0"/>
+                              </a:rPr>
+                              <m:t>𝑑</m:t>
+                            </m:r>
+                            <m:r>
+                              <a:rPr lang="en-US" i="1">
+                                <a:latin typeface="Cambria Math" charset="0"/>
+                              </a:rPr>
+                              <m:t>(</m:t>
+                            </m:r>
+                            <m:r>
+                              <a:rPr lang="en-US" i="1">
+                                <a:latin typeface="Cambria Math" charset="0"/>
+                              </a:rPr>
+                              <m:t>𝑥</m:t>
+                            </m:r>
+                            <m:r>
+                              <a:rPr lang="en-US" i="1">
+                                <a:latin typeface="Cambria Math" charset="0"/>
+                              </a:rPr>
+                              <m:t>, </m:t>
+                            </m:r>
+                            <m:r>
+                              <a:rPr lang="en-US" i="1">
+                                <a:latin typeface="Cambria Math" charset="0"/>
+                              </a:rPr>
+                              <m:t>𝑄</m:t>
+                            </m:r>
+                            <m:r>
+                              <a:rPr lang="en-US" i="1">
+                                <a:latin typeface="Cambria Math" charset="0"/>
+                              </a:rPr>
+                              <m:t>)</m:t>
+                            </m:r>
+                          </m:e>
+                          <m:sup>
+                            <m:r>
+                              <a:rPr lang="en-US" i="1">
+                                <a:latin typeface="Cambria Math" charset="0"/>
+                              </a:rPr>
+                              <m:t>2</m:t>
+                            </m:r>
+                          </m:sup>
+                        </m:sSup>
+                      </m:e>
+                    </m:nary>
+                  </m:oMath>
+                </a14:m>
+                <a:r>
+                  <a:rPr lang="en-US" dirty="0"/>
+                  <a:t> on full dataset. We run algorithm on full dataset and measure the quantization error.</a:t>
+                </a:r>
+              </a:p>
+            </p:txBody>
+          </p:sp>
+        </mc:Choice>
+        <mc:Fallback xmlns="">
+          <p:sp>
+            <p:nvSpPr>
+              <p:cNvPr id="3" name="Content Placeholder 2">
+                <a:extLst>
+                  <a:ext uri="{FF2B5EF4-FFF2-40B4-BE49-F238E27FC236}">
+                    <a16:creationId xmlns:a16="http://schemas.microsoft.com/office/drawing/2014/main" id="{F4185466-070D-4634-A8CB-F57FE4D1A462}"/>
+                  </a:ext>
+                </a:extLst>
+              </p:cNvPr>
+              <p:cNvSpPr>
+                <a:spLocks noGrp="1" noRot="1" noChangeAspect="1" noMove="1" noResize="1" noEditPoints="1" noAdjustHandles="1" noChangeArrowheads="1" noChangeShapeType="1" noTextEdit="1"/>
+              </p:cNvSpPr>
+              <p:nvPr>
+                <p:ph idx="1"/>
+              </p:nvPr>
+            </p:nvSpPr>
+            <p:spPr>
+              <a:xfrm>
+                <a:off x="1484310" y="1446247"/>
+                <a:ext cx="10018713" cy="4506684"/>
+              </a:xfrm>
+              <a:blipFill>
+                <a:blip r:embed="rId2"/>
+                <a:stretch>
+                  <a:fillRect l="-1521" r="-1399"/>
+                </a:stretch>
+              </a:blipFill>
+            </p:spPr>
+            <p:txBody>
+              <a:bodyPr/>
+              <a:lstStyle/>
+              <a:p>
+                <a:r>
+                  <a:rPr lang="en-US">
+                    <a:noFill/>
+                  </a:rPr>
+                  <a:t> </a:t>
+                </a:r>
+              </a:p>
+            </p:txBody>
+          </p:sp>
+        </mc:Fallback>
+      </mc:AlternateContent>
+      <p:sp>
+        <p:nvSpPr>
+          <p:cNvPr id="4" name="Title 1">
+            <a:extLst>
+              <a:ext uri="{FF2B5EF4-FFF2-40B4-BE49-F238E27FC236}">
+                <a16:creationId xmlns:a16="http://schemas.microsoft.com/office/drawing/2014/main" id="{EBC745D0-2DB8-45BF-B437-2C87FB9B9492}"/>
+              </a:ext>
+            </a:extLst>
+          </p:cNvPr>
+          <p:cNvSpPr>
+            <a:spLocks noGrp="1"/>
+          </p:cNvSpPr>
+          <p:nvPr>
+            <p:ph type="title"/>
+          </p:nvPr>
+        </p:nvSpPr>
+        <p:spPr>
+          <a:xfrm>
+            <a:off x="1484310" y="396552"/>
+            <a:ext cx="10018713" cy="1049694"/>
+          </a:xfrm>
+        </p:spPr>
+        <p:txBody>
+          <a:bodyPr>
+            <a:normAutofit/>
+          </a:bodyPr>
+          <a:lstStyle/>
+          <a:p>
+            <a:pPr algn="l"/>
+            <a:r>
+              <a:rPr lang="en-US" sz="3200" dirty="0"/>
+              <a:t>Performance analysis</a:t>
+            </a:r>
+          </a:p>
+        </p:txBody>
+      </p:sp>
+    </p:spTree>
+    <p:extLst>
+      <p:ext uri="{BB962C8B-B14F-4D97-AF65-F5344CB8AC3E}">
+        <p14:creationId xmlns:p14="http://schemas.microsoft.com/office/powerpoint/2010/main" val="3981443730"/>
+      </p:ext>
+    </p:extLst>
+  </p:cSld>
+  <p:clrMapOvr>
+    <a:masterClrMapping/>
+  </p:clrMapOvr>
+</p:sld>
+</file>
+
+<file path=ppt/slides/slide11.xml><?xml version="1.0" encoding="utf-8"?>
+<p:sld xmlns:a="http://schemas.openxmlformats.org/drawingml/2006/main" xmlns:r="http://schemas.openxmlformats.org/officeDocument/2006/relationships" xmlns:p="http://schemas.openxmlformats.org/presentationml/2006/main">
+  <p:cSld>
+    <p:spTree>
+      <p:nvGrpSpPr>
+        <p:cNvPr id="1" name=""/>
+        <p:cNvGrpSpPr/>
+        <p:nvPr/>
+      </p:nvGrpSpPr>
+      <p:grpSpPr>
+        <a:xfrm>
+          <a:off x="0" y="0"/>
+          <a:ext cx="0" cy="0"/>
+          <a:chOff x="0" y="0"/>
+          <a:chExt cx="0" cy="0"/>
+        </a:xfrm>
+      </p:grpSpPr>
       <mc:AlternateContent xmlns:mc="http://schemas.openxmlformats.org/markup-compatibility/2006">
         <mc:Choice xmlns:a14="http://schemas.microsoft.com/office/drawing/2010/main" Requires="a14">
           <p:sp>
@@ -6336,19 +6655,31 @@
                 <a14:m>
                   <m:oMath xmlns:m="http://schemas.openxmlformats.org/officeDocument/2006/math">
                     <m:r>
-                      <a:rPr lang="en-US" i="1"/>
+                      <a:rPr lang="en-US" i="1">
+                        <a:latin typeface="Cambria Math" charset="0"/>
+                      </a:rPr>
                       <m:t>∈</m:t>
                     </m:r>
                   </m:oMath>
                 </a14:m>
                 <a:r>
                   <a:rPr lang="en-US" dirty="0"/>
-                  <a:t> {1000, 2000, 5000, 10000, 20000} and clusters k </a:t>
+                  <a:t> {1000, 2000</a:t>
+                </a:r>
+                <a:r>
+                  <a:rPr lang="en-US"/>
+                  <a:t>, 5000} </a:t>
+                </a:r>
+                <a:r>
+                  <a:rPr lang="en-US" dirty="0"/>
+                  <a:t>and clusters k </a:t>
                 </a:r>
                 <a14:m>
                   <m:oMath xmlns:m="http://schemas.openxmlformats.org/officeDocument/2006/math">
                     <m:r>
-                      <a:rPr lang="en-US" i="1"/>
+                      <a:rPr lang="en-US" i="1">
+                        <a:latin typeface="Cambria Math" charset="0"/>
+                      </a:rPr>
                       <m:t>∈</m:t>
                     </m:r>
                   </m:oMath>
@@ -6463,7 +6794,7 @@
 </p:sld>
 </file>
 
-<file path=ppt/slides/slide11.xml><?xml version="1.0" encoding="utf-8"?>
+<file path=ppt/slides/slide12.xml><?xml version="1.0" encoding="utf-8"?>
 <p:sld xmlns:a="http://schemas.openxmlformats.org/drawingml/2006/main" xmlns:r="http://schemas.openxmlformats.org/officeDocument/2006/relationships" xmlns:p="http://schemas.openxmlformats.org/presentationml/2006/main">
   <p:cSld>
     <p:spTree>
@@ -6480,31 +6811,6 @@
           <a:chExt cx="0" cy="0"/>
         </a:xfrm>
       </p:grpSpPr>
-      <p:sp>
-        <p:nvSpPr>
-          <p:cNvPr id="3" name="Content Placeholder 2">
-            <a:extLst>
-              <a:ext uri="{FF2B5EF4-FFF2-40B4-BE49-F238E27FC236}">
-                <a16:creationId xmlns:a16="http://schemas.microsoft.com/office/drawing/2014/main" id="{7ED7A049-8A8E-45EE-A860-3E2328D7A42E}"/>
-              </a:ext>
-            </a:extLst>
-          </p:cNvPr>
-          <p:cNvSpPr>
-            <a:spLocks noGrp="1"/>
-          </p:cNvSpPr>
-          <p:nvPr>
-            <p:ph idx="1"/>
-          </p:nvPr>
-        </p:nvSpPr>
-        <p:spPr/>
-        <p:txBody>
-          <a:bodyPr/>
-          <a:lstStyle/>
-          <a:p>
-            <a:endParaRPr lang="en-US"/>
-          </a:p>
-        </p:txBody>
-      </p:sp>
       <p:sp>
         <p:nvSpPr>
           <p:cNvPr id="4" name="Title 1">
@@ -6534,102 +6840,2870 @@
           <a:lstStyle/>
           <a:p>
             <a:pPr algn="l"/>
-            <a:endParaRPr lang="en-US" sz="3200" dirty="0"/>
+            <a:r>
+              <a:rPr lang="en-US" sz="3200" dirty="0"/>
+              <a:t>Results</a:t>
+            </a:r>
           </a:p>
         </p:txBody>
       </p:sp>
+      <p:graphicFrame>
+        <p:nvGraphicFramePr>
+          <p:cNvPr id="2" name="Table 1"/>
+          <p:cNvGraphicFramePr>
+            <a:graphicFrameLocks noGrp="1"/>
+          </p:cNvGraphicFramePr>
+          <p:nvPr>
+            <p:extLst>
+              <p:ext uri="{D42A27DB-BD31-4B8C-83A1-F6EECF244321}">
+                <p14:modId xmlns:p14="http://schemas.microsoft.com/office/powerpoint/2010/main" val="1573266304"/>
+              </p:ext>
+            </p:extLst>
+          </p:nvPr>
+        </p:nvGraphicFramePr>
+        <p:xfrm>
+          <a:off x="1976285" y="1328258"/>
+          <a:ext cx="9704436" cy="4905853"/>
+        </p:xfrm>
+        <a:graphic>
+          <a:graphicData uri="http://schemas.openxmlformats.org/drawingml/2006/table">
+            <a:tbl>
+              <a:tblPr firstRow="1" firstCol="1" bandRow="1">
+                <a:tableStyleId>{5C22544A-7EE6-4342-B048-85BDC9FD1C3A}</a:tableStyleId>
+              </a:tblPr>
+              <a:tblGrid>
+                <a:gridCol w="1027125">
+                  <a:extLst>
+                    <a:ext uri="{9D8B030D-6E8A-4147-A177-3AD203B41FA5}">
+                      <a16:colId xmlns:a16="http://schemas.microsoft.com/office/drawing/2014/main" val="20000"/>
+                    </a:ext>
+                  </a:extLst>
+                </a:gridCol>
+                <a:gridCol w="1027125">
+                  <a:extLst>
+                    <a:ext uri="{9D8B030D-6E8A-4147-A177-3AD203B41FA5}">
+                      <a16:colId xmlns:a16="http://schemas.microsoft.com/office/drawing/2014/main" val="20001"/>
+                    </a:ext>
+                  </a:extLst>
+                </a:gridCol>
+                <a:gridCol w="1151232">
+                  <a:extLst>
+                    <a:ext uri="{9D8B030D-6E8A-4147-A177-3AD203B41FA5}">
+                      <a16:colId xmlns:a16="http://schemas.microsoft.com/office/drawing/2014/main" val="20002"/>
+                    </a:ext>
+                  </a:extLst>
+                </a:gridCol>
+                <a:gridCol w="1151232">
+                  <a:extLst>
+                    <a:ext uri="{9D8B030D-6E8A-4147-A177-3AD203B41FA5}">
+                      <a16:colId xmlns:a16="http://schemas.microsoft.com/office/drawing/2014/main" val="20003"/>
+                    </a:ext>
+                  </a:extLst>
+                </a:gridCol>
+                <a:gridCol w="1151232">
+                  <a:extLst>
+                    <a:ext uri="{9D8B030D-6E8A-4147-A177-3AD203B41FA5}">
+                      <a16:colId xmlns:a16="http://schemas.microsoft.com/office/drawing/2014/main" val="20004"/>
+                    </a:ext>
+                  </a:extLst>
+                </a:gridCol>
+                <a:gridCol w="1151232">
+                  <a:extLst>
+                    <a:ext uri="{9D8B030D-6E8A-4147-A177-3AD203B41FA5}">
+                      <a16:colId xmlns:a16="http://schemas.microsoft.com/office/drawing/2014/main" val="20005"/>
+                    </a:ext>
+                  </a:extLst>
+                </a:gridCol>
+                <a:gridCol w="1015086">
+                  <a:extLst>
+                    <a:ext uri="{9D8B030D-6E8A-4147-A177-3AD203B41FA5}">
+                      <a16:colId xmlns:a16="http://schemas.microsoft.com/office/drawing/2014/main" val="20006"/>
+                    </a:ext>
+                  </a:extLst>
+                </a:gridCol>
+                <a:gridCol w="1015086">
+                  <a:extLst>
+                    <a:ext uri="{9D8B030D-6E8A-4147-A177-3AD203B41FA5}">
+                      <a16:colId xmlns:a16="http://schemas.microsoft.com/office/drawing/2014/main" val="20007"/>
+                    </a:ext>
+                  </a:extLst>
+                </a:gridCol>
+                <a:gridCol w="1015086">
+                  <a:extLst>
+                    <a:ext uri="{9D8B030D-6E8A-4147-A177-3AD203B41FA5}">
+                      <a16:colId xmlns:a16="http://schemas.microsoft.com/office/drawing/2014/main" val="20008"/>
+                    </a:ext>
+                  </a:extLst>
+                </a:gridCol>
+              </a:tblGrid>
+              <a:tr h="210681">
+                <a:tc gridSpan="9">
+                  <a:txBody>
+                    <a:bodyPr/>
+                    <a:lstStyle/>
+                    <a:p>
+                      <a:pPr marL="0" marR="0" algn="ctr">
+                        <a:lnSpc>
+                          <a:spcPct val="107000"/>
+                        </a:lnSpc>
+                        <a:spcBef>
+                          <a:spcPts val="0"/>
+                        </a:spcBef>
+                        <a:spcAft>
+                          <a:spcPts val="0"/>
+                        </a:spcAft>
+                      </a:pPr>
+                      <a:r>
+                        <a:rPr lang="en-US" sz="2400" dirty="0">
+                          <a:effectLst/>
+                          <a:latin typeface="Times New Roman" charset="0"/>
+                          <a:ea typeface="Times New Roman" charset="0"/>
+                          <a:cs typeface="Times New Roman" charset="0"/>
+                        </a:rPr>
+                        <a:t>Relative error and speedup of different methods vs. Full for K-means</a:t>
+                      </a:r>
+                    </a:p>
+                  </a:txBody>
+                  <a:tcPr marL="54290" marR="54290" marT="0" marB="0"/>
+                </a:tc>
+                <a:tc hMerge="1">
+                  <a:txBody>
+                    <a:bodyPr/>
+                    <a:lstStyle/>
+                    <a:p>
+                      <a:endParaRPr lang="en-US"/>
+                    </a:p>
+                  </a:txBody>
+                  <a:tcPr/>
+                </a:tc>
+                <a:tc hMerge="1">
+                  <a:txBody>
+                    <a:bodyPr/>
+                    <a:lstStyle/>
+                    <a:p>
+                      <a:endParaRPr lang="en-US"/>
+                    </a:p>
+                  </a:txBody>
+                  <a:tcPr/>
+                </a:tc>
+                <a:tc hMerge="1">
+                  <a:txBody>
+                    <a:bodyPr/>
+                    <a:lstStyle/>
+                    <a:p>
+                      <a:endParaRPr lang="en-US"/>
+                    </a:p>
+                  </a:txBody>
+                  <a:tcPr/>
+                </a:tc>
+                <a:tc hMerge="1">
+                  <a:txBody>
+                    <a:bodyPr/>
+                    <a:lstStyle/>
+                    <a:p>
+                      <a:endParaRPr lang="en-US"/>
+                    </a:p>
+                  </a:txBody>
+                  <a:tcPr/>
+                </a:tc>
+                <a:tc hMerge="1">
+                  <a:txBody>
+                    <a:bodyPr/>
+                    <a:lstStyle/>
+                    <a:p>
+                      <a:endParaRPr lang="en-US"/>
+                    </a:p>
+                  </a:txBody>
+                  <a:tcPr/>
+                </a:tc>
+                <a:tc hMerge="1">
+                  <a:txBody>
+                    <a:bodyPr/>
+                    <a:lstStyle/>
+                    <a:p>
+                      <a:endParaRPr lang="en-US"/>
+                    </a:p>
+                  </a:txBody>
+                  <a:tcPr/>
+                </a:tc>
+                <a:tc hMerge="1">
+                  <a:txBody>
+                    <a:bodyPr/>
+                    <a:lstStyle/>
+                    <a:p>
+                      <a:endParaRPr lang="en-US"/>
+                    </a:p>
+                  </a:txBody>
+                  <a:tcPr/>
+                </a:tc>
+                <a:tc hMerge="1">
+                  <a:txBody>
+                    <a:bodyPr/>
+                    <a:lstStyle/>
+                    <a:p>
+                      <a:endParaRPr lang="en-US"/>
+                    </a:p>
+                  </a:txBody>
+                  <a:tcPr/>
+                </a:tc>
+                <a:extLst>
+                  <a:ext uri="{0D108BD9-81ED-4DB2-BD59-A6C34878D82A}">
+                    <a16:rowId xmlns:a16="http://schemas.microsoft.com/office/drawing/2014/main" val="10000"/>
+                  </a:ext>
+                </a:extLst>
+              </a:tr>
+              <a:tr h="210681">
+                <a:tc gridSpan="3">
+                  <a:txBody>
+                    <a:bodyPr/>
+                    <a:lstStyle/>
+                    <a:p>
+                      <a:pPr marL="0" marR="0">
+                        <a:lnSpc>
+                          <a:spcPct val="107000"/>
+                        </a:lnSpc>
+                        <a:spcBef>
+                          <a:spcPts val="0"/>
+                        </a:spcBef>
+                        <a:spcAft>
+                          <a:spcPts val="0"/>
+                        </a:spcAft>
+                      </a:pPr>
+                      <a:r>
+                        <a:rPr lang="en-US" sz="1600" dirty="0">
+                          <a:effectLst/>
+                          <a:latin typeface="Times New Roman" charset="0"/>
+                          <a:ea typeface="Times New Roman" charset="0"/>
+                          <a:cs typeface="Times New Roman" charset="0"/>
+                        </a:rPr>
+                        <a:t> </a:t>
+                      </a:r>
+                    </a:p>
+                  </a:txBody>
+                  <a:tcPr marL="54290" marR="54290" marT="0" marB="0"/>
+                </a:tc>
+                <a:tc hMerge="1">
+                  <a:txBody>
+                    <a:bodyPr/>
+                    <a:lstStyle/>
+                    <a:p>
+                      <a:endParaRPr lang="en-US"/>
+                    </a:p>
+                  </a:txBody>
+                  <a:tcPr/>
+                </a:tc>
+                <a:tc hMerge="1">
+                  <a:txBody>
+                    <a:bodyPr/>
+                    <a:lstStyle/>
+                    <a:p>
+                      <a:endParaRPr lang="en-US"/>
+                    </a:p>
+                  </a:txBody>
+                  <a:tcPr/>
+                </a:tc>
+                <a:tc gridSpan="3">
+                  <a:txBody>
+                    <a:bodyPr/>
+                    <a:lstStyle/>
+                    <a:p>
+                      <a:pPr marL="0" marR="0" algn="ctr">
+                        <a:lnSpc>
+                          <a:spcPct val="107000"/>
+                        </a:lnSpc>
+                        <a:spcBef>
+                          <a:spcPts val="0"/>
+                        </a:spcBef>
+                        <a:spcAft>
+                          <a:spcPts val="0"/>
+                        </a:spcAft>
+                      </a:pPr>
+                      <a:r>
+                        <a:rPr lang="en-US" sz="1600">
+                          <a:effectLst/>
+                          <a:latin typeface="Times New Roman" charset="0"/>
+                          <a:ea typeface="Times New Roman" charset="0"/>
+                          <a:cs typeface="Times New Roman" charset="0"/>
+                        </a:rPr>
+                        <a:t>Relative error vs. Full</a:t>
+                      </a:r>
+                    </a:p>
+                  </a:txBody>
+                  <a:tcPr marL="54290" marR="54290" marT="0" marB="0"/>
+                </a:tc>
+                <a:tc hMerge="1">
+                  <a:txBody>
+                    <a:bodyPr/>
+                    <a:lstStyle/>
+                    <a:p>
+                      <a:endParaRPr lang="en-US"/>
+                    </a:p>
+                  </a:txBody>
+                  <a:tcPr/>
+                </a:tc>
+                <a:tc hMerge="1">
+                  <a:txBody>
+                    <a:bodyPr/>
+                    <a:lstStyle/>
+                    <a:p>
+                      <a:endParaRPr lang="en-US"/>
+                    </a:p>
+                  </a:txBody>
+                  <a:tcPr/>
+                </a:tc>
+                <a:tc gridSpan="3">
+                  <a:txBody>
+                    <a:bodyPr/>
+                    <a:lstStyle/>
+                    <a:p>
+                      <a:pPr marL="0" marR="0" algn="ctr">
+                        <a:lnSpc>
+                          <a:spcPct val="107000"/>
+                        </a:lnSpc>
+                        <a:spcBef>
+                          <a:spcPts val="0"/>
+                        </a:spcBef>
+                        <a:spcAft>
+                          <a:spcPts val="0"/>
+                        </a:spcAft>
+                      </a:pPr>
+                      <a:r>
+                        <a:rPr lang="en-US" sz="1600">
+                          <a:effectLst/>
+                          <a:latin typeface="Times New Roman" charset="0"/>
+                          <a:ea typeface="Times New Roman" charset="0"/>
+                          <a:cs typeface="Times New Roman" charset="0"/>
+                        </a:rPr>
+                        <a:t>Speedup vs. Full</a:t>
+                      </a:r>
+                    </a:p>
+                  </a:txBody>
+                  <a:tcPr marL="54290" marR="54290" marT="0" marB="0"/>
+                </a:tc>
+                <a:tc hMerge="1">
+                  <a:txBody>
+                    <a:bodyPr/>
+                    <a:lstStyle/>
+                    <a:p>
+                      <a:endParaRPr lang="en-US"/>
+                    </a:p>
+                  </a:txBody>
+                  <a:tcPr/>
+                </a:tc>
+                <a:tc hMerge="1">
+                  <a:txBody>
+                    <a:bodyPr/>
+                    <a:lstStyle/>
+                    <a:p>
+                      <a:endParaRPr lang="en-US"/>
+                    </a:p>
+                  </a:txBody>
+                  <a:tcPr/>
+                </a:tc>
+                <a:extLst>
+                  <a:ext uri="{0D108BD9-81ED-4DB2-BD59-A6C34878D82A}">
+                    <a16:rowId xmlns:a16="http://schemas.microsoft.com/office/drawing/2014/main" val="10001"/>
+                  </a:ext>
+                </a:extLst>
+              </a:tr>
+              <a:tr h="425358">
+                <a:tc>
+                  <a:txBody>
+                    <a:bodyPr/>
+                    <a:lstStyle/>
+                    <a:p>
+                      <a:pPr marL="0" marR="0" algn="just">
+                        <a:lnSpc>
+                          <a:spcPct val="107000"/>
+                        </a:lnSpc>
+                        <a:spcBef>
+                          <a:spcPts val="0"/>
+                        </a:spcBef>
+                        <a:spcAft>
+                          <a:spcPts val="0"/>
+                        </a:spcAft>
+                      </a:pPr>
+                      <a:r>
+                        <a:rPr lang="en-US" sz="1600">
+                          <a:effectLst/>
+                          <a:latin typeface="Times New Roman" charset="0"/>
+                          <a:ea typeface="Times New Roman" charset="0"/>
+                          <a:cs typeface="Times New Roman" charset="0"/>
+                        </a:rPr>
+                        <a:t>k</a:t>
+                      </a:r>
+                    </a:p>
+                  </a:txBody>
+                  <a:tcPr marL="54290" marR="54290" marT="0" marB="0"/>
+                </a:tc>
+                <a:tc>
+                  <a:txBody>
+                    <a:bodyPr/>
+                    <a:lstStyle/>
+                    <a:p>
+                      <a:pPr marL="0" marR="0">
+                        <a:lnSpc>
+                          <a:spcPct val="107000"/>
+                        </a:lnSpc>
+                        <a:spcBef>
+                          <a:spcPts val="0"/>
+                        </a:spcBef>
+                        <a:spcAft>
+                          <a:spcPts val="0"/>
+                        </a:spcAft>
+                      </a:pPr>
+                      <a:r>
+                        <a:rPr lang="en-US" sz="1600" dirty="0">
+                          <a:effectLst/>
+                          <a:latin typeface="Times New Roman" charset="0"/>
+                          <a:ea typeface="Times New Roman" charset="0"/>
+                          <a:cs typeface="Times New Roman" charset="0"/>
+                        </a:rPr>
+                        <a:t>Data</a:t>
+                      </a:r>
+                    </a:p>
+                  </a:txBody>
+                  <a:tcPr marL="54290" marR="54290" marT="0" marB="0"/>
+                </a:tc>
+                <a:tc>
+                  <a:txBody>
+                    <a:bodyPr/>
+                    <a:lstStyle/>
+                    <a:p>
+                      <a:pPr marL="0" marR="0">
+                        <a:lnSpc>
+                          <a:spcPct val="107000"/>
+                        </a:lnSpc>
+                        <a:spcBef>
+                          <a:spcPts val="0"/>
+                        </a:spcBef>
+                        <a:spcAft>
+                          <a:spcPts val="0"/>
+                        </a:spcAft>
+                      </a:pPr>
+                      <a:r>
+                        <a:rPr lang="en-US" sz="1600">
+                          <a:effectLst/>
+                          <a:latin typeface="Times New Roman" charset="0"/>
+                          <a:ea typeface="Times New Roman" charset="0"/>
+                          <a:cs typeface="Times New Roman" charset="0"/>
+                        </a:rPr>
+                        <a:t>Method</a:t>
+                      </a:r>
+                    </a:p>
+                  </a:txBody>
+                  <a:tcPr marL="54290" marR="54290" marT="0" marB="0"/>
+                </a:tc>
+                <a:tc>
+                  <a:txBody>
+                    <a:bodyPr/>
+                    <a:lstStyle/>
+                    <a:p>
+                      <a:pPr marL="0" marR="0">
+                        <a:lnSpc>
+                          <a:spcPct val="107000"/>
+                        </a:lnSpc>
+                        <a:spcBef>
+                          <a:spcPts val="0"/>
+                        </a:spcBef>
+                        <a:spcAft>
+                          <a:spcPts val="0"/>
+                        </a:spcAft>
+                      </a:pPr>
+                      <a:r>
+                        <a:rPr lang="en-US" sz="1600">
+                          <a:effectLst/>
+                          <a:latin typeface="Times New Roman" charset="0"/>
+                          <a:ea typeface="Times New Roman" charset="0"/>
+                          <a:cs typeface="Times New Roman" charset="0"/>
+                        </a:rPr>
+                        <a:t>m = 1000</a:t>
+                      </a:r>
+                    </a:p>
+                  </a:txBody>
+                  <a:tcPr marL="54290" marR="54290" marT="0" marB="0"/>
+                </a:tc>
+                <a:tc>
+                  <a:txBody>
+                    <a:bodyPr/>
+                    <a:lstStyle/>
+                    <a:p>
+                      <a:pPr marL="0" marR="0">
+                        <a:lnSpc>
+                          <a:spcPct val="107000"/>
+                        </a:lnSpc>
+                        <a:spcBef>
+                          <a:spcPts val="0"/>
+                        </a:spcBef>
+                        <a:spcAft>
+                          <a:spcPts val="0"/>
+                        </a:spcAft>
+                      </a:pPr>
+                      <a:r>
+                        <a:rPr lang="en-US" sz="1600">
+                          <a:effectLst/>
+                          <a:latin typeface="Times New Roman" charset="0"/>
+                          <a:ea typeface="Times New Roman" charset="0"/>
+                          <a:cs typeface="Times New Roman" charset="0"/>
+                        </a:rPr>
+                        <a:t>m = 2000</a:t>
+                      </a:r>
+                    </a:p>
+                  </a:txBody>
+                  <a:tcPr marL="54290" marR="54290" marT="0" marB="0"/>
+                </a:tc>
+                <a:tc>
+                  <a:txBody>
+                    <a:bodyPr/>
+                    <a:lstStyle/>
+                    <a:p>
+                      <a:pPr marL="0" marR="0">
+                        <a:lnSpc>
+                          <a:spcPct val="107000"/>
+                        </a:lnSpc>
+                        <a:spcBef>
+                          <a:spcPts val="0"/>
+                        </a:spcBef>
+                        <a:spcAft>
+                          <a:spcPts val="0"/>
+                        </a:spcAft>
+                      </a:pPr>
+                      <a:r>
+                        <a:rPr lang="en-US" sz="1600">
+                          <a:effectLst/>
+                          <a:latin typeface="Times New Roman" charset="0"/>
+                          <a:ea typeface="Times New Roman" charset="0"/>
+                          <a:cs typeface="Times New Roman" charset="0"/>
+                        </a:rPr>
+                        <a:t>m = 5000</a:t>
+                      </a:r>
+                    </a:p>
+                  </a:txBody>
+                  <a:tcPr marL="54290" marR="54290" marT="0" marB="0"/>
+                </a:tc>
+                <a:tc>
+                  <a:txBody>
+                    <a:bodyPr/>
+                    <a:lstStyle/>
+                    <a:p>
+                      <a:pPr marL="0" marR="0">
+                        <a:lnSpc>
+                          <a:spcPct val="107000"/>
+                        </a:lnSpc>
+                        <a:spcBef>
+                          <a:spcPts val="0"/>
+                        </a:spcBef>
+                        <a:spcAft>
+                          <a:spcPts val="0"/>
+                        </a:spcAft>
+                      </a:pPr>
+                      <a:r>
+                        <a:rPr lang="en-US" sz="1600">
+                          <a:effectLst/>
+                          <a:latin typeface="Times New Roman" charset="0"/>
+                          <a:ea typeface="Times New Roman" charset="0"/>
+                          <a:cs typeface="Times New Roman" charset="0"/>
+                        </a:rPr>
+                        <a:t>m = 1000</a:t>
+                      </a:r>
+                    </a:p>
+                  </a:txBody>
+                  <a:tcPr marL="54290" marR="54290" marT="0" marB="0"/>
+                </a:tc>
+                <a:tc>
+                  <a:txBody>
+                    <a:bodyPr/>
+                    <a:lstStyle/>
+                    <a:p>
+                      <a:pPr marL="0" marR="0">
+                        <a:lnSpc>
+                          <a:spcPct val="107000"/>
+                        </a:lnSpc>
+                        <a:spcBef>
+                          <a:spcPts val="0"/>
+                        </a:spcBef>
+                        <a:spcAft>
+                          <a:spcPts val="0"/>
+                        </a:spcAft>
+                      </a:pPr>
+                      <a:r>
+                        <a:rPr lang="en-US" sz="1600">
+                          <a:effectLst/>
+                          <a:latin typeface="Times New Roman" charset="0"/>
+                          <a:ea typeface="Times New Roman" charset="0"/>
+                          <a:cs typeface="Times New Roman" charset="0"/>
+                        </a:rPr>
+                        <a:t>m = 2000</a:t>
+                      </a:r>
+                    </a:p>
+                  </a:txBody>
+                  <a:tcPr marL="54290" marR="54290" marT="0" marB="0"/>
+                </a:tc>
+                <a:tc>
+                  <a:txBody>
+                    <a:bodyPr/>
+                    <a:lstStyle/>
+                    <a:p>
+                      <a:pPr marL="0" marR="0">
+                        <a:lnSpc>
+                          <a:spcPct val="107000"/>
+                        </a:lnSpc>
+                        <a:spcBef>
+                          <a:spcPts val="0"/>
+                        </a:spcBef>
+                        <a:spcAft>
+                          <a:spcPts val="0"/>
+                        </a:spcAft>
+                      </a:pPr>
+                      <a:r>
+                        <a:rPr lang="en-US" sz="1600">
+                          <a:effectLst/>
+                          <a:latin typeface="Times New Roman" charset="0"/>
+                          <a:ea typeface="Times New Roman" charset="0"/>
+                          <a:cs typeface="Times New Roman" charset="0"/>
+                        </a:rPr>
+                        <a:t>m = 5000</a:t>
+                      </a:r>
+                    </a:p>
+                  </a:txBody>
+                  <a:tcPr marL="54290" marR="54290" marT="0" marB="0"/>
+                </a:tc>
+                <a:extLst>
+                  <a:ext uri="{0D108BD9-81ED-4DB2-BD59-A6C34878D82A}">
+                    <a16:rowId xmlns:a16="http://schemas.microsoft.com/office/drawing/2014/main" val="10002"/>
+                  </a:ext>
+                </a:extLst>
+              </a:tr>
+              <a:tr h="425358">
+                <a:tc rowSpan="5">
+                  <a:txBody>
+                    <a:bodyPr/>
+                    <a:lstStyle/>
+                    <a:p>
+                      <a:pPr marL="0" marR="0" algn="just">
+                        <a:lnSpc>
+                          <a:spcPct val="107000"/>
+                        </a:lnSpc>
+                        <a:spcBef>
+                          <a:spcPts val="0"/>
+                        </a:spcBef>
+                        <a:spcAft>
+                          <a:spcPts val="0"/>
+                        </a:spcAft>
+                      </a:pPr>
+                      <a:r>
+                        <a:rPr lang="en-US" sz="1600">
+                          <a:effectLst/>
+                          <a:latin typeface="Times New Roman" charset="0"/>
+                          <a:ea typeface="Times New Roman" charset="0"/>
+                          <a:cs typeface="Times New Roman" charset="0"/>
+                        </a:rPr>
+                        <a:t>100</a:t>
+                      </a:r>
+                    </a:p>
+                  </a:txBody>
+                  <a:tcPr marL="54290" marR="54290" marT="0" marB="0"/>
+                </a:tc>
+                <a:tc rowSpan="3">
+                  <a:txBody>
+                    <a:bodyPr/>
+                    <a:lstStyle/>
+                    <a:p>
+                      <a:pPr marL="0" marR="0">
+                        <a:lnSpc>
+                          <a:spcPct val="107000"/>
+                        </a:lnSpc>
+                        <a:spcBef>
+                          <a:spcPts val="0"/>
+                        </a:spcBef>
+                        <a:spcAft>
+                          <a:spcPts val="0"/>
+                        </a:spcAft>
+                      </a:pPr>
+                      <a:r>
+                        <a:rPr lang="en-US" sz="1600" dirty="0">
+                          <a:effectLst/>
+                          <a:latin typeface="Times New Roman" charset="0"/>
+                          <a:ea typeface="Times New Roman" charset="0"/>
+                          <a:cs typeface="Times New Roman" charset="0"/>
+                        </a:rPr>
+                        <a:t>KDD</a:t>
+                      </a:r>
+                    </a:p>
+                  </a:txBody>
+                  <a:tcPr marL="54290" marR="54290" marT="0" marB="0"/>
+                </a:tc>
+                <a:tc>
+                  <a:txBody>
+                    <a:bodyPr/>
+                    <a:lstStyle/>
+                    <a:p>
+                      <a:pPr marL="0" marR="0">
+                        <a:lnSpc>
+                          <a:spcPct val="107000"/>
+                        </a:lnSpc>
+                        <a:spcBef>
+                          <a:spcPts val="0"/>
+                        </a:spcBef>
+                        <a:spcAft>
+                          <a:spcPts val="0"/>
+                        </a:spcAft>
+                      </a:pPr>
+                      <a:r>
+                        <a:rPr lang="en-US" sz="1600">
+                          <a:effectLst/>
+                          <a:latin typeface="Times New Roman" charset="0"/>
+                          <a:ea typeface="Times New Roman" charset="0"/>
+                          <a:cs typeface="Times New Roman" charset="0"/>
+                        </a:rPr>
+                        <a:t>UNIFORM</a:t>
+                      </a:r>
+                    </a:p>
+                  </a:txBody>
+                  <a:tcPr marL="54290" marR="54290" marT="0" marB="0"/>
+                </a:tc>
+                <a:tc>
+                  <a:txBody>
+                    <a:bodyPr/>
+                    <a:lstStyle/>
+                    <a:p>
+                      <a:pPr marL="0" marR="0">
+                        <a:lnSpc>
+                          <a:spcPct val="107000"/>
+                        </a:lnSpc>
+                        <a:spcBef>
+                          <a:spcPts val="0"/>
+                        </a:spcBef>
+                        <a:spcAft>
+                          <a:spcPts val="0"/>
+                        </a:spcAft>
+                      </a:pPr>
+                      <a:r>
+                        <a:rPr lang="en-US" sz="1600" dirty="0">
+                          <a:effectLst/>
+                          <a:latin typeface="Times New Roman" charset="0"/>
+                          <a:ea typeface="Times New Roman" charset="0"/>
+                          <a:cs typeface="Times New Roman" charset="0"/>
+                        </a:rPr>
+                        <a:t>1.82(1.38)</a:t>
+                      </a:r>
+                    </a:p>
+                  </a:txBody>
+                  <a:tcPr marL="54290" marR="54290" marT="0" marB="0"/>
+                </a:tc>
+                <a:tc>
+                  <a:txBody>
+                    <a:bodyPr/>
+                    <a:lstStyle/>
+                    <a:p>
+                      <a:pPr marL="0" marR="0">
+                        <a:lnSpc>
+                          <a:spcPct val="107000"/>
+                        </a:lnSpc>
+                        <a:spcBef>
+                          <a:spcPts val="0"/>
+                        </a:spcBef>
+                        <a:spcAft>
+                          <a:spcPts val="0"/>
+                        </a:spcAft>
+                      </a:pPr>
+                      <a:r>
+                        <a:rPr lang="en-US" sz="1600" dirty="0">
+                          <a:effectLst/>
+                          <a:latin typeface="Times New Roman" charset="0"/>
+                          <a:ea typeface="Times New Roman" charset="0"/>
+                          <a:cs typeface="Times New Roman" charset="0"/>
+                        </a:rPr>
+                        <a:t>1.13(1.02)</a:t>
+                      </a:r>
+                    </a:p>
+                  </a:txBody>
+                  <a:tcPr marL="54290" marR="54290" marT="0" marB="0"/>
+                </a:tc>
+                <a:tc>
+                  <a:txBody>
+                    <a:bodyPr/>
+                    <a:lstStyle/>
+                    <a:p>
+                      <a:pPr marL="0" marR="0">
+                        <a:lnSpc>
+                          <a:spcPct val="107000"/>
+                        </a:lnSpc>
+                        <a:spcBef>
+                          <a:spcPts val="0"/>
+                        </a:spcBef>
+                        <a:spcAft>
+                          <a:spcPts val="0"/>
+                        </a:spcAft>
+                      </a:pPr>
+                      <a:r>
+                        <a:rPr lang="en-US" sz="1600" dirty="0">
+                          <a:effectLst/>
+                          <a:latin typeface="Times New Roman" charset="0"/>
+                          <a:ea typeface="Times New Roman" charset="0"/>
+                          <a:cs typeface="Times New Roman" charset="0"/>
+                        </a:rPr>
+                        <a:t>1.67(0.57)</a:t>
+                      </a:r>
+                    </a:p>
+                  </a:txBody>
+                  <a:tcPr marL="54290" marR="54290" marT="0" marB="0"/>
+                </a:tc>
+                <a:tc>
+                  <a:txBody>
+                    <a:bodyPr/>
+                    <a:lstStyle/>
+                    <a:p>
+                      <a:pPr marL="0" marR="0">
+                        <a:lnSpc>
+                          <a:spcPct val="107000"/>
+                        </a:lnSpc>
+                        <a:spcBef>
+                          <a:spcPts val="0"/>
+                        </a:spcBef>
+                        <a:spcAft>
+                          <a:spcPts val="0"/>
+                        </a:spcAft>
+                      </a:pPr>
+                      <a:r>
+                        <a:rPr lang="en-US" sz="1600">
+                          <a:effectLst/>
+                          <a:latin typeface="Times New Roman" charset="0"/>
+                          <a:ea typeface="Times New Roman" charset="0"/>
+                          <a:cs typeface="Times New Roman" charset="0"/>
+                        </a:rPr>
+                        <a:t>555</a:t>
+                      </a:r>
+                    </a:p>
+                  </a:txBody>
+                  <a:tcPr marL="54290" marR="54290" marT="0" marB="0"/>
+                </a:tc>
+                <a:tc>
+                  <a:txBody>
+                    <a:bodyPr/>
+                    <a:lstStyle/>
+                    <a:p>
+                      <a:pPr marL="0" marR="0">
+                        <a:lnSpc>
+                          <a:spcPct val="107000"/>
+                        </a:lnSpc>
+                        <a:spcBef>
+                          <a:spcPts val="0"/>
+                        </a:spcBef>
+                        <a:spcAft>
+                          <a:spcPts val="0"/>
+                        </a:spcAft>
+                      </a:pPr>
+                      <a:r>
+                        <a:rPr lang="en-US" sz="1600">
+                          <a:effectLst/>
+                          <a:latin typeface="Times New Roman" charset="0"/>
+                          <a:ea typeface="Times New Roman" charset="0"/>
+                          <a:cs typeface="Times New Roman" charset="0"/>
+                        </a:rPr>
+                        <a:t>334</a:t>
+                      </a:r>
+                    </a:p>
+                  </a:txBody>
+                  <a:tcPr marL="54290" marR="54290" marT="0" marB="0"/>
+                </a:tc>
+                <a:tc>
+                  <a:txBody>
+                    <a:bodyPr/>
+                    <a:lstStyle/>
+                    <a:p>
+                      <a:pPr marL="0" marR="0">
+                        <a:lnSpc>
+                          <a:spcPct val="107000"/>
+                        </a:lnSpc>
+                        <a:spcBef>
+                          <a:spcPts val="0"/>
+                        </a:spcBef>
+                        <a:spcAft>
+                          <a:spcPts val="0"/>
+                        </a:spcAft>
+                      </a:pPr>
+                      <a:r>
+                        <a:rPr lang="en-US" sz="1600">
+                          <a:effectLst/>
+                          <a:latin typeface="Times New Roman" charset="0"/>
+                          <a:ea typeface="Times New Roman" charset="0"/>
+                          <a:cs typeface="Times New Roman" charset="0"/>
+                        </a:rPr>
+                        <a:t>126</a:t>
+                      </a:r>
+                    </a:p>
+                  </a:txBody>
+                  <a:tcPr marL="54290" marR="54290" marT="0" marB="0"/>
+                </a:tc>
+                <a:extLst>
+                  <a:ext uri="{0D108BD9-81ED-4DB2-BD59-A6C34878D82A}">
+                    <a16:rowId xmlns:a16="http://schemas.microsoft.com/office/drawing/2014/main" val="10003"/>
+                  </a:ext>
+                </a:extLst>
+              </a:tr>
+              <a:tr h="425358">
+                <a:tc vMerge="1">
+                  <a:txBody>
+                    <a:bodyPr/>
+                    <a:lstStyle/>
+                    <a:p>
+                      <a:endParaRPr lang="en-US"/>
+                    </a:p>
+                  </a:txBody>
+                  <a:tcPr/>
+                </a:tc>
+                <a:tc vMerge="1">
+                  <a:txBody>
+                    <a:bodyPr/>
+                    <a:lstStyle/>
+                    <a:p>
+                      <a:endParaRPr lang="en-US"/>
+                    </a:p>
+                  </a:txBody>
+                  <a:tcPr/>
+                </a:tc>
+                <a:tc>
+                  <a:txBody>
+                    <a:bodyPr/>
+                    <a:lstStyle/>
+                    <a:p>
+                      <a:pPr marL="0" marR="0">
+                        <a:lnSpc>
+                          <a:spcPct val="107000"/>
+                        </a:lnSpc>
+                        <a:spcBef>
+                          <a:spcPts val="0"/>
+                        </a:spcBef>
+                        <a:spcAft>
+                          <a:spcPts val="0"/>
+                        </a:spcAft>
+                      </a:pPr>
+                      <a:r>
+                        <a:rPr lang="en-US" sz="1600" dirty="0">
+                          <a:effectLst/>
+                          <a:latin typeface="Times New Roman" charset="0"/>
+                          <a:ea typeface="Times New Roman" charset="0"/>
+                          <a:cs typeface="Times New Roman" charset="0"/>
+                        </a:rPr>
+                        <a:t>CS</a:t>
+                      </a:r>
+                    </a:p>
+                  </a:txBody>
+                  <a:tcPr marL="54290" marR="54290" marT="0" marB="0"/>
+                </a:tc>
+                <a:tc>
+                  <a:txBody>
+                    <a:bodyPr/>
+                    <a:lstStyle/>
+                    <a:p>
+                      <a:pPr marL="0" marR="0">
+                        <a:lnSpc>
+                          <a:spcPct val="107000"/>
+                        </a:lnSpc>
+                        <a:spcBef>
+                          <a:spcPts val="0"/>
+                        </a:spcBef>
+                        <a:spcAft>
+                          <a:spcPts val="0"/>
+                        </a:spcAft>
+                      </a:pPr>
+                      <a:r>
+                        <a:rPr lang="en-US" sz="1600" dirty="0">
+                          <a:effectLst/>
+                          <a:latin typeface="Times New Roman" charset="0"/>
+                          <a:ea typeface="Times New Roman" charset="0"/>
+                          <a:cs typeface="Times New Roman" charset="0"/>
+                        </a:rPr>
+                        <a:t>0.25(0.14)</a:t>
+                      </a:r>
+                    </a:p>
+                  </a:txBody>
+                  <a:tcPr marL="54290" marR="54290" marT="0" marB="0"/>
+                </a:tc>
+                <a:tc>
+                  <a:txBody>
+                    <a:bodyPr/>
+                    <a:lstStyle/>
+                    <a:p>
+                      <a:pPr marL="0" marR="0">
+                        <a:lnSpc>
+                          <a:spcPct val="107000"/>
+                        </a:lnSpc>
+                        <a:spcBef>
+                          <a:spcPts val="0"/>
+                        </a:spcBef>
+                        <a:spcAft>
+                          <a:spcPts val="0"/>
+                        </a:spcAft>
+                      </a:pPr>
+                      <a:r>
+                        <a:rPr lang="en-US" sz="1600" dirty="0">
+                          <a:effectLst/>
+                          <a:latin typeface="Times New Roman" charset="0"/>
+                          <a:ea typeface="Times New Roman" charset="0"/>
+                          <a:cs typeface="Times New Roman" charset="0"/>
+                        </a:rPr>
+                        <a:t>0.14(0.06)</a:t>
+                      </a:r>
+                    </a:p>
+                  </a:txBody>
+                  <a:tcPr marL="54290" marR="54290" marT="0" marB="0"/>
+                </a:tc>
+                <a:tc>
+                  <a:txBody>
+                    <a:bodyPr/>
+                    <a:lstStyle/>
+                    <a:p>
+                      <a:pPr marL="0" marR="0">
+                        <a:lnSpc>
+                          <a:spcPct val="107000"/>
+                        </a:lnSpc>
+                        <a:spcBef>
+                          <a:spcPts val="0"/>
+                        </a:spcBef>
+                        <a:spcAft>
+                          <a:spcPts val="0"/>
+                        </a:spcAft>
+                      </a:pPr>
+                      <a:r>
+                        <a:rPr lang="en-US" sz="1600" dirty="0">
+                          <a:effectLst/>
+                          <a:latin typeface="Times New Roman" charset="0"/>
+                          <a:ea typeface="Times New Roman" charset="0"/>
+                          <a:cs typeface="Times New Roman" charset="0"/>
+                        </a:rPr>
+                        <a:t>0.07(0.01)</a:t>
+                      </a:r>
+                    </a:p>
+                  </a:txBody>
+                  <a:tcPr marL="54290" marR="54290" marT="0" marB="0"/>
+                </a:tc>
+                <a:tc>
+                  <a:txBody>
+                    <a:bodyPr/>
+                    <a:lstStyle/>
+                    <a:p>
+                      <a:pPr marL="0" marR="0">
+                        <a:lnSpc>
+                          <a:spcPct val="107000"/>
+                        </a:lnSpc>
+                        <a:spcBef>
+                          <a:spcPts val="0"/>
+                        </a:spcBef>
+                        <a:spcAft>
+                          <a:spcPts val="0"/>
+                        </a:spcAft>
+                      </a:pPr>
+                      <a:r>
+                        <a:rPr lang="en-US" sz="1600">
+                          <a:effectLst/>
+                          <a:latin typeface="Times New Roman" charset="0"/>
+                          <a:ea typeface="Times New Roman" charset="0"/>
+                          <a:cs typeface="Times New Roman" charset="0"/>
+                        </a:rPr>
+                        <a:t>0.1</a:t>
+                      </a:r>
+                    </a:p>
+                  </a:txBody>
+                  <a:tcPr marL="54290" marR="54290" marT="0" marB="0"/>
+                </a:tc>
+                <a:tc>
+                  <a:txBody>
+                    <a:bodyPr/>
+                    <a:lstStyle/>
+                    <a:p>
+                      <a:pPr marL="0" marR="0">
+                        <a:lnSpc>
+                          <a:spcPct val="107000"/>
+                        </a:lnSpc>
+                        <a:spcBef>
+                          <a:spcPts val="0"/>
+                        </a:spcBef>
+                        <a:spcAft>
+                          <a:spcPts val="0"/>
+                        </a:spcAft>
+                      </a:pPr>
+                      <a:r>
+                        <a:rPr lang="en-US" sz="1600">
+                          <a:effectLst/>
+                          <a:latin typeface="Times New Roman" charset="0"/>
+                          <a:ea typeface="Times New Roman" charset="0"/>
+                          <a:cs typeface="Times New Roman" charset="0"/>
+                        </a:rPr>
+                        <a:t>0.1</a:t>
+                      </a:r>
+                    </a:p>
+                  </a:txBody>
+                  <a:tcPr marL="54290" marR="54290" marT="0" marB="0"/>
+                </a:tc>
+                <a:tc>
+                  <a:txBody>
+                    <a:bodyPr/>
+                    <a:lstStyle/>
+                    <a:p>
+                      <a:pPr marL="0" marR="0">
+                        <a:lnSpc>
+                          <a:spcPct val="107000"/>
+                        </a:lnSpc>
+                        <a:spcBef>
+                          <a:spcPts val="0"/>
+                        </a:spcBef>
+                        <a:spcAft>
+                          <a:spcPts val="0"/>
+                        </a:spcAft>
+                      </a:pPr>
+                      <a:r>
+                        <a:rPr lang="en-US" sz="1600">
+                          <a:effectLst/>
+                          <a:latin typeface="Times New Roman" charset="0"/>
+                          <a:ea typeface="Times New Roman" charset="0"/>
+                          <a:cs typeface="Times New Roman" charset="0"/>
+                        </a:rPr>
+                        <a:t>0.1</a:t>
+                      </a:r>
+                    </a:p>
+                  </a:txBody>
+                  <a:tcPr marL="54290" marR="54290" marT="0" marB="0"/>
+                </a:tc>
+                <a:extLst>
+                  <a:ext uri="{0D108BD9-81ED-4DB2-BD59-A6C34878D82A}">
+                    <a16:rowId xmlns:a16="http://schemas.microsoft.com/office/drawing/2014/main" val="10004"/>
+                  </a:ext>
+                </a:extLst>
+              </a:tr>
+              <a:tr h="425358">
+                <a:tc vMerge="1">
+                  <a:txBody>
+                    <a:bodyPr/>
+                    <a:lstStyle/>
+                    <a:p>
+                      <a:endParaRPr lang="en-US"/>
+                    </a:p>
+                  </a:txBody>
+                  <a:tcPr/>
+                </a:tc>
+                <a:tc vMerge="1">
+                  <a:txBody>
+                    <a:bodyPr/>
+                    <a:lstStyle/>
+                    <a:p>
+                      <a:endParaRPr lang="en-US"/>
+                    </a:p>
+                  </a:txBody>
+                  <a:tcPr/>
+                </a:tc>
+                <a:tc>
+                  <a:txBody>
+                    <a:bodyPr/>
+                    <a:lstStyle/>
+                    <a:p>
+                      <a:pPr marL="0" marR="0">
+                        <a:lnSpc>
+                          <a:spcPct val="107000"/>
+                        </a:lnSpc>
+                        <a:spcBef>
+                          <a:spcPts val="0"/>
+                        </a:spcBef>
+                        <a:spcAft>
+                          <a:spcPts val="0"/>
+                        </a:spcAft>
+                      </a:pPr>
+                      <a:r>
+                        <a:rPr lang="en-US" sz="1600" dirty="0">
+                          <a:effectLst/>
+                          <a:latin typeface="Times New Roman" charset="0"/>
+                          <a:ea typeface="Times New Roman" charset="0"/>
+                          <a:cs typeface="Times New Roman" charset="0"/>
+                        </a:rPr>
+                        <a:t>LWCS</a:t>
+                      </a:r>
+                    </a:p>
+                  </a:txBody>
+                  <a:tcPr marL="54290" marR="54290" marT="0" marB="0"/>
+                </a:tc>
+                <a:tc>
+                  <a:txBody>
+                    <a:bodyPr/>
+                    <a:lstStyle/>
+                    <a:p>
+                      <a:pPr marL="0" marR="0">
+                        <a:lnSpc>
+                          <a:spcPct val="107000"/>
+                        </a:lnSpc>
+                        <a:spcBef>
+                          <a:spcPts val="0"/>
+                        </a:spcBef>
+                        <a:spcAft>
+                          <a:spcPts val="0"/>
+                        </a:spcAft>
+                      </a:pPr>
+                      <a:r>
+                        <a:rPr lang="en-US" sz="1600" dirty="0">
+                          <a:effectLst/>
+                          <a:latin typeface="Times New Roman" charset="0"/>
+                          <a:ea typeface="Times New Roman" charset="0"/>
+                          <a:cs typeface="Times New Roman" charset="0"/>
+                        </a:rPr>
+                        <a:t>0.24(0.01)</a:t>
+                      </a:r>
+                    </a:p>
+                  </a:txBody>
+                  <a:tcPr marL="54290" marR="54290" marT="0" marB="0"/>
+                </a:tc>
+                <a:tc>
+                  <a:txBody>
+                    <a:bodyPr/>
+                    <a:lstStyle/>
+                    <a:p>
+                      <a:pPr marL="0" marR="0">
+                        <a:lnSpc>
+                          <a:spcPct val="107000"/>
+                        </a:lnSpc>
+                        <a:spcBef>
+                          <a:spcPts val="0"/>
+                        </a:spcBef>
+                        <a:spcAft>
+                          <a:spcPts val="0"/>
+                        </a:spcAft>
+                      </a:pPr>
+                      <a:r>
+                        <a:rPr lang="en-US" sz="1600" dirty="0">
+                          <a:effectLst/>
+                          <a:latin typeface="Times New Roman" charset="0"/>
+                          <a:ea typeface="Times New Roman" charset="0"/>
+                          <a:cs typeface="Times New Roman" charset="0"/>
+                        </a:rPr>
+                        <a:t>0.16(0.01)</a:t>
+                      </a:r>
+                    </a:p>
+                  </a:txBody>
+                  <a:tcPr marL="54290" marR="54290" marT="0" marB="0"/>
+                </a:tc>
+                <a:tc>
+                  <a:txBody>
+                    <a:bodyPr/>
+                    <a:lstStyle/>
+                    <a:p>
+                      <a:pPr marL="0" marR="0">
+                        <a:lnSpc>
+                          <a:spcPct val="107000"/>
+                        </a:lnSpc>
+                        <a:spcBef>
+                          <a:spcPts val="0"/>
+                        </a:spcBef>
+                        <a:spcAft>
+                          <a:spcPts val="0"/>
+                        </a:spcAft>
+                      </a:pPr>
+                      <a:r>
+                        <a:rPr lang="en-US" sz="1600" dirty="0">
+                          <a:effectLst/>
+                          <a:latin typeface="Times New Roman" charset="0"/>
+                          <a:ea typeface="Times New Roman" charset="0"/>
+                          <a:cs typeface="Times New Roman" charset="0"/>
+                        </a:rPr>
+                        <a:t>0.09(0.01)</a:t>
+                      </a:r>
+                    </a:p>
+                  </a:txBody>
+                  <a:tcPr marL="54290" marR="54290" marT="0" marB="0"/>
+                </a:tc>
+                <a:tc>
+                  <a:txBody>
+                    <a:bodyPr/>
+                    <a:lstStyle/>
+                    <a:p>
+                      <a:pPr marL="0" marR="0">
+                        <a:lnSpc>
+                          <a:spcPct val="107000"/>
+                        </a:lnSpc>
+                        <a:spcBef>
+                          <a:spcPts val="0"/>
+                        </a:spcBef>
+                        <a:spcAft>
+                          <a:spcPts val="0"/>
+                        </a:spcAft>
+                      </a:pPr>
+                      <a:r>
+                        <a:rPr lang="en-US" sz="1600">
+                          <a:effectLst/>
+                          <a:latin typeface="Times New Roman" charset="0"/>
+                          <a:ea typeface="Times New Roman" charset="0"/>
+                          <a:cs typeface="Times New Roman" charset="0"/>
+                        </a:rPr>
+                        <a:t>32</a:t>
+                      </a:r>
+                    </a:p>
+                  </a:txBody>
+                  <a:tcPr marL="54290" marR="54290" marT="0" marB="0"/>
+                </a:tc>
+                <a:tc>
+                  <a:txBody>
+                    <a:bodyPr/>
+                    <a:lstStyle/>
+                    <a:p>
+                      <a:pPr marL="0" marR="0">
+                        <a:lnSpc>
+                          <a:spcPct val="107000"/>
+                        </a:lnSpc>
+                        <a:spcBef>
+                          <a:spcPts val="0"/>
+                        </a:spcBef>
+                        <a:spcAft>
+                          <a:spcPts val="0"/>
+                        </a:spcAft>
+                      </a:pPr>
+                      <a:r>
+                        <a:rPr lang="en-US" sz="1600">
+                          <a:effectLst/>
+                          <a:latin typeface="Times New Roman" charset="0"/>
+                          <a:ea typeface="Times New Roman" charset="0"/>
+                          <a:cs typeface="Times New Roman" charset="0"/>
+                        </a:rPr>
+                        <a:t>32 </a:t>
+                      </a:r>
+                    </a:p>
+                  </a:txBody>
+                  <a:tcPr marL="54290" marR="54290" marT="0" marB="0"/>
+                </a:tc>
+                <a:tc>
+                  <a:txBody>
+                    <a:bodyPr/>
+                    <a:lstStyle/>
+                    <a:p>
+                      <a:pPr marL="0" marR="0">
+                        <a:lnSpc>
+                          <a:spcPct val="107000"/>
+                        </a:lnSpc>
+                        <a:spcBef>
+                          <a:spcPts val="0"/>
+                        </a:spcBef>
+                        <a:spcAft>
+                          <a:spcPts val="0"/>
+                        </a:spcAft>
+                      </a:pPr>
+                      <a:r>
+                        <a:rPr lang="en-US" sz="1600">
+                          <a:effectLst/>
+                          <a:latin typeface="Times New Roman" charset="0"/>
+                          <a:ea typeface="Times New Roman" charset="0"/>
+                          <a:cs typeface="Times New Roman" charset="0"/>
+                        </a:rPr>
+                        <a:t>27</a:t>
+                      </a:r>
+                    </a:p>
+                  </a:txBody>
+                  <a:tcPr marL="54290" marR="54290" marT="0" marB="0"/>
+                </a:tc>
+                <a:extLst>
+                  <a:ext uri="{0D108BD9-81ED-4DB2-BD59-A6C34878D82A}">
+                    <a16:rowId xmlns:a16="http://schemas.microsoft.com/office/drawing/2014/main" val="10005"/>
+                  </a:ext>
+                </a:extLst>
+              </a:tr>
+              <a:tr h="425358">
+                <a:tc vMerge="1">
+                  <a:txBody>
+                    <a:bodyPr/>
+                    <a:lstStyle/>
+                    <a:p>
+                      <a:endParaRPr lang="en-US"/>
+                    </a:p>
+                  </a:txBody>
+                  <a:tcPr/>
+                </a:tc>
+                <a:tc rowSpan="2">
+                  <a:txBody>
+                    <a:bodyPr/>
+                    <a:lstStyle/>
+                    <a:p>
+                      <a:pPr marL="0" marR="0">
+                        <a:lnSpc>
+                          <a:spcPct val="107000"/>
+                        </a:lnSpc>
+                        <a:spcBef>
+                          <a:spcPts val="0"/>
+                        </a:spcBef>
+                        <a:spcAft>
+                          <a:spcPts val="0"/>
+                        </a:spcAft>
+                      </a:pPr>
+                      <a:r>
+                        <a:rPr lang="en-US" sz="1600">
+                          <a:effectLst/>
+                          <a:latin typeface="Times New Roman" charset="0"/>
+                          <a:ea typeface="Times New Roman" charset="0"/>
+                          <a:cs typeface="Times New Roman" charset="0"/>
+                        </a:rPr>
+                        <a:t>SONG</a:t>
+                      </a:r>
+                    </a:p>
+                  </a:txBody>
+                  <a:tcPr marL="54290" marR="54290" marT="0" marB="0"/>
+                </a:tc>
+                <a:tc>
+                  <a:txBody>
+                    <a:bodyPr/>
+                    <a:lstStyle/>
+                    <a:p>
+                      <a:pPr marL="0" marR="0">
+                        <a:lnSpc>
+                          <a:spcPct val="107000"/>
+                        </a:lnSpc>
+                        <a:spcBef>
+                          <a:spcPts val="0"/>
+                        </a:spcBef>
+                        <a:spcAft>
+                          <a:spcPts val="0"/>
+                        </a:spcAft>
+                      </a:pPr>
+                      <a:r>
+                        <a:rPr lang="en-US" sz="1600" dirty="0">
+                          <a:effectLst/>
+                          <a:latin typeface="Times New Roman" charset="0"/>
+                          <a:ea typeface="Times New Roman" charset="0"/>
+                          <a:cs typeface="Times New Roman" charset="0"/>
+                        </a:rPr>
+                        <a:t>UNIFORM</a:t>
+                      </a:r>
+                    </a:p>
+                  </a:txBody>
+                  <a:tcPr marL="54290" marR="54290" marT="0" marB="0"/>
+                </a:tc>
+                <a:tc>
+                  <a:txBody>
+                    <a:bodyPr/>
+                    <a:lstStyle/>
+                    <a:p>
+                      <a:pPr marL="0" marR="0">
+                        <a:lnSpc>
+                          <a:spcPct val="107000"/>
+                        </a:lnSpc>
+                        <a:spcBef>
+                          <a:spcPts val="0"/>
+                        </a:spcBef>
+                        <a:spcAft>
+                          <a:spcPts val="0"/>
+                        </a:spcAft>
+                      </a:pPr>
+                      <a:r>
+                        <a:rPr lang="en-US" sz="1600" dirty="0">
+                          <a:effectLst/>
+                          <a:latin typeface="Times New Roman" charset="0"/>
+                          <a:ea typeface="Times New Roman" charset="0"/>
+                          <a:cs typeface="Times New Roman" charset="0"/>
+                        </a:rPr>
+                        <a:t>0.22(0.01)</a:t>
+                      </a:r>
+                    </a:p>
+                  </a:txBody>
+                  <a:tcPr marL="54290" marR="54290" marT="0" marB="0"/>
+                </a:tc>
+                <a:tc>
+                  <a:txBody>
+                    <a:bodyPr/>
+                    <a:lstStyle/>
+                    <a:p>
+                      <a:pPr marL="0" marR="0">
+                        <a:lnSpc>
+                          <a:spcPct val="107000"/>
+                        </a:lnSpc>
+                        <a:spcBef>
+                          <a:spcPts val="0"/>
+                        </a:spcBef>
+                        <a:spcAft>
+                          <a:spcPts val="0"/>
+                        </a:spcAft>
+                      </a:pPr>
+                      <a:r>
+                        <a:rPr lang="en-US" sz="1600" dirty="0">
+                          <a:effectLst/>
+                          <a:latin typeface="Times New Roman" charset="0"/>
+                          <a:ea typeface="Times New Roman" charset="0"/>
+                          <a:cs typeface="Times New Roman" charset="0"/>
+                        </a:rPr>
+                        <a:t>0.16(0.01)</a:t>
+                      </a:r>
+                    </a:p>
+                  </a:txBody>
+                  <a:tcPr marL="54290" marR="54290" marT="0" marB="0"/>
+                </a:tc>
+                <a:tc>
+                  <a:txBody>
+                    <a:bodyPr/>
+                    <a:lstStyle/>
+                    <a:p>
+                      <a:pPr marL="0" marR="0">
+                        <a:lnSpc>
+                          <a:spcPct val="107000"/>
+                        </a:lnSpc>
+                        <a:spcBef>
+                          <a:spcPts val="0"/>
+                        </a:spcBef>
+                        <a:spcAft>
+                          <a:spcPts val="0"/>
+                        </a:spcAft>
+                      </a:pPr>
+                      <a:r>
+                        <a:rPr lang="en-US" sz="1600" dirty="0">
+                          <a:effectLst/>
+                          <a:latin typeface="Times New Roman" charset="0"/>
+                          <a:ea typeface="Times New Roman" charset="0"/>
+                          <a:cs typeface="Times New Roman" charset="0"/>
+                        </a:rPr>
+                        <a:t>0.10(0.01)</a:t>
+                      </a:r>
+                    </a:p>
+                  </a:txBody>
+                  <a:tcPr marL="54290" marR="54290" marT="0" marB="0"/>
+                </a:tc>
+                <a:tc>
+                  <a:txBody>
+                    <a:bodyPr/>
+                    <a:lstStyle/>
+                    <a:p>
+                      <a:pPr marL="0" marR="0">
+                        <a:lnSpc>
+                          <a:spcPct val="107000"/>
+                        </a:lnSpc>
+                        <a:spcBef>
+                          <a:spcPts val="0"/>
+                        </a:spcBef>
+                        <a:spcAft>
+                          <a:spcPts val="0"/>
+                        </a:spcAft>
+                      </a:pPr>
+                      <a:r>
+                        <a:rPr lang="en-US" sz="1600">
+                          <a:effectLst/>
+                          <a:latin typeface="Times New Roman" charset="0"/>
+                          <a:ea typeface="Times New Roman" charset="0"/>
+                          <a:cs typeface="Times New Roman" charset="0"/>
+                        </a:rPr>
+                        <a:t>1921</a:t>
+                      </a:r>
+                    </a:p>
+                  </a:txBody>
+                  <a:tcPr marL="54290" marR="54290" marT="0" marB="0"/>
+                </a:tc>
+                <a:tc>
+                  <a:txBody>
+                    <a:bodyPr/>
+                    <a:lstStyle/>
+                    <a:p>
+                      <a:pPr marL="0" marR="0">
+                        <a:lnSpc>
+                          <a:spcPct val="107000"/>
+                        </a:lnSpc>
+                        <a:spcBef>
+                          <a:spcPts val="0"/>
+                        </a:spcBef>
+                        <a:spcAft>
+                          <a:spcPts val="0"/>
+                        </a:spcAft>
+                      </a:pPr>
+                      <a:r>
+                        <a:rPr lang="en-US" sz="1600">
+                          <a:effectLst/>
+                          <a:latin typeface="Times New Roman" charset="0"/>
+                          <a:ea typeface="Times New Roman" charset="0"/>
+                          <a:cs typeface="Times New Roman" charset="0"/>
+                        </a:rPr>
+                        <a:t>1251</a:t>
+                      </a:r>
+                    </a:p>
+                  </a:txBody>
+                  <a:tcPr marL="54290" marR="54290" marT="0" marB="0"/>
+                </a:tc>
+                <a:tc>
+                  <a:txBody>
+                    <a:bodyPr/>
+                    <a:lstStyle/>
+                    <a:p>
+                      <a:pPr marL="0" marR="0">
+                        <a:lnSpc>
+                          <a:spcPct val="107000"/>
+                        </a:lnSpc>
+                        <a:spcBef>
+                          <a:spcPts val="0"/>
+                        </a:spcBef>
+                        <a:spcAft>
+                          <a:spcPts val="0"/>
+                        </a:spcAft>
+                      </a:pPr>
+                      <a:r>
+                        <a:rPr lang="en-US" sz="1600">
+                          <a:effectLst/>
+                          <a:latin typeface="Times New Roman" charset="0"/>
+                          <a:ea typeface="Times New Roman" charset="0"/>
+                          <a:cs typeface="Times New Roman" charset="0"/>
+                        </a:rPr>
+                        <a:t>484</a:t>
+                      </a:r>
+                    </a:p>
+                  </a:txBody>
+                  <a:tcPr marL="54290" marR="54290" marT="0" marB="0"/>
+                </a:tc>
+                <a:extLst>
+                  <a:ext uri="{0D108BD9-81ED-4DB2-BD59-A6C34878D82A}">
+                    <a16:rowId xmlns:a16="http://schemas.microsoft.com/office/drawing/2014/main" val="10006"/>
+                  </a:ext>
+                </a:extLst>
+              </a:tr>
+              <a:tr h="425358">
+                <a:tc vMerge="1">
+                  <a:txBody>
+                    <a:bodyPr/>
+                    <a:lstStyle/>
+                    <a:p>
+                      <a:endParaRPr lang="en-US"/>
+                    </a:p>
+                  </a:txBody>
+                  <a:tcPr/>
+                </a:tc>
+                <a:tc vMerge="1">
+                  <a:txBody>
+                    <a:bodyPr/>
+                    <a:lstStyle/>
+                    <a:p>
+                      <a:endParaRPr lang="en-US"/>
+                    </a:p>
+                  </a:txBody>
+                  <a:tcPr/>
+                </a:tc>
+                <a:tc>
+                  <a:txBody>
+                    <a:bodyPr/>
+                    <a:lstStyle/>
+                    <a:p>
+                      <a:pPr marL="0" marR="0">
+                        <a:lnSpc>
+                          <a:spcPct val="107000"/>
+                        </a:lnSpc>
+                        <a:spcBef>
+                          <a:spcPts val="0"/>
+                        </a:spcBef>
+                        <a:spcAft>
+                          <a:spcPts val="0"/>
+                        </a:spcAft>
+                      </a:pPr>
+                      <a:r>
+                        <a:rPr lang="en-US" sz="1600">
+                          <a:effectLst/>
+                          <a:latin typeface="Times New Roman" charset="0"/>
+                          <a:ea typeface="Times New Roman" charset="0"/>
+                          <a:cs typeface="Times New Roman" charset="0"/>
+                        </a:rPr>
+                        <a:t>LWCS</a:t>
+                      </a:r>
+                    </a:p>
+                  </a:txBody>
+                  <a:tcPr marL="54290" marR="54290" marT="0" marB="0"/>
+                </a:tc>
+                <a:tc>
+                  <a:txBody>
+                    <a:bodyPr/>
+                    <a:lstStyle/>
+                    <a:p>
+                      <a:pPr marL="0" marR="0">
+                        <a:lnSpc>
+                          <a:spcPct val="107000"/>
+                        </a:lnSpc>
+                        <a:spcBef>
+                          <a:spcPts val="0"/>
+                        </a:spcBef>
+                        <a:spcAft>
+                          <a:spcPts val="0"/>
+                        </a:spcAft>
+                      </a:pPr>
+                      <a:r>
+                        <a:rPr lang="en-US" sz="1600" dirty="0">
+                          <a:effectLst/>
+                          <a:latin typeface="Times New Roman" charset="0"/>
+                          <a:ea typeface="Times New Roman" charset="0"/>
+                          <a:cs typeface="Times New Roman" charset="0"/>
+                        </a:rPr>
+                        <a:t>0.21(0.009)</a:t>
+                      </a:r>
+                    </a:p>
+                  </a:txBody>
+                  <a:tcPr marL="54290" marR="54290" marT="0" marB="0"/>
+                </a:tc>
+                <a:tc>
+                  <a:txBody>
+                    <a:bodyPr/>
+                    <a:lstStyle/>
+                    <a:p>
+                      <a:pPr marL="0" marR="0">
+                        <a:lnSpc>
+                          <a:spcPct val="107000"/>
+                        </a:lnSpc>
+                        <a:spcBef>
+                          <a:spcPts val="0"/>
+                        </a:spcBef>
+                        <a:spcAft>
+                          <a:spcPts val="0"/>
+                        </a:spcAft>
+                      </a:pPr>
+                      <a:r>
+                        <a:rPr lang="en-US" sz="1600" dirty="0">
+                          <a:effectLst/>
+                          <a:latin typeface="Times New Roman" charset="0"/>
+                          <a:ea typeface="Times New Roman" charset="0"/>
+                          <a:cs typeface="Times New Roman" charset="0"/>
+                        </a:rPr>
+                        <a:t>0.16(0.008)</a:t>
+                      </a:r>
+                    </a:p>
+                  </a:txBody>
+                  <a:tcPr marL="54290" marR="54290" marT="0" marB="0"/>
+                </a:tc>
+                <a:tc>
+                  <a:txBody>
+                    <a:bodyPr/>
+                    <a:lstStyle/>
+                    <a:p>
+                      <a:pPr marL="0" marR="0">
+                        <a:lnSpc>
+                          <a:spcPct val="107000"/>
+                        </a:lnSpc>
+                        <a:spcBef>
+                          <a:spcPts val="0"/>
+                        </a:spcBef>
+                        <a:spcAft>
+                          <a:spcPts val="0"/>
+                        </a:spcAft>
+                      </a:pPr>
+                      <a:r>
+                        <a:rPr lang="en-US" sz="1600" dirty="0">
+                          <a:effectLst/>
+                          <a:latin typeface="Times New Roman" charset="0"/>
+                          <a:ea typeface="Times New Roman" charset="0"/>
+                          <a:cs typeface="Times New Roman" charset="0"/>
+                        </a:rPr>
+                        <a:t>0.11(0.005)</a:t>
+                      </a:r>
+                    </a:p>
+                  </a:txBody>
+                  <a:tcPr marL="54290" marR="54290" marT="0" marB="0"/>
+                </a:tc>
+                <a:tc>
+                  <a:txBody>
+                    <a:bodyPr/>
+                    <a:lstStyle/>
+                    <a:p>
+                      <a:pPr marL="0" marR="0">
+                        <a:lnSpc>
+                          <a:spcPct val="107000"/>
+                        </a:lnSpc>
+                        <a:spcBef>
+                          <a:spcPts val="0"/>
+                        </a:spcBef>
+                        <a:spcAft>
+                          <a:spcPts val="0"/>
+                        </a:spcAft>
+                      </a:pPr>
+                      <a:r>
+                        <a:rPr lang="en-US" sz="1600">
+                          <a:effectLst/>
+                          <a:latin typeface="Times New Roman" charset="0"/>
+                          <a:ea typeface="Times New Roman" charset="0"/>
+                          <a:cs typeface="Times New Roman" charset="0"/>
+                        </a:rPr>
+                        <a:t>30</a:t>
+                      </a:r>
+                    </a:p>
+                  </a:txBody>
+                  <a:tcPr marL="54290" marR="54290" marT="0" marB="0"/>
+                </a:tc>
+                <a:tc>
+                  <a:txBody>
+                    <a:bodyPr/>
+                    <a:lstStyle/>
+                    <a:p>
+                      <a:pPr marL="0" marR="0">
+                        <a:lnSpc>
+                          <a:spcPct val="107000"/>
+                        </a:lnSpc>
+                        <a:spcBef>
+                          <a:spcPts val="0"/>
+                        </a:spcBef>
+                        <a:spcAft>
+                          <a:spcPts val="0"/>
+                        </a:spcAft>
+                      </a:pPr>
+                      <a:r>
+                        <a:rPr lang="en-US" sz="1600">
+                          <a:effectLst/>
+                          <a:latin typeface="Times New Roman" charset="0"/>
+                          <a:ea typeface="Times New Roman" charset="0"/>
+                          <a:cs typeface="Times New Roman" charset="0"/>
+                        </a:rPr>
+                        <a:t>30</a:t>
+                      </a:r>
+                    </a:p>
+                  </a:txBody>
+                  <a:tcPr marL="54290" marR="54290" marT="0" marB="0"/>
+                </a:tc>
+                <a:tc>
+                  <a:txBody>
+                    <a:bodyPr/>
+                    <a:lstStyle/>
+                    <a:p>
+                      <a:pPr marL="0" marR="0">
+                        <a:lnSpc>
+                          <a:spcPct val="107000"/>
+                        </a:lnSpc>
+                        <a:spcBef>
+                          <a:spcPts val="0"/>
+                        </a:spcBef>
+                        <a:spcAft>
+                          <a:spcPts val="0"/>
+                        </a:spcAft>
+                      </a:pPr>
+                      <a:r>
+                        <a:rPr lang="en-US" sz="1600">
+                          <a:effectLst/>
+                          <a:latin typeface="Times New Roman" charset="0"/>
+                          <a:ea typeface="Times New Roman" charset="0"/>
+                          <a:cs typeface="Times New Roman" charset="0"/>
+                        </a:rPr>
+                        <a:t>28</a:t>
+                      </a:r>
+                    </a:p>
+                  </a:txBody>
+                  <a:tcPr marL="54290" marR="54290" marT="0" marB="0"/>
+                </a:tc>
+                <a:extLst>
+                  <a:ext uri="{0D108BD9-81ED-4DB2-BD59-A6C34878D82A}">
+                    <a16:rowId xmlns:a16="http://schemas.microsoft.com/office/drawing/2014/main" val="10007"/>
+                  </a:ext>
+                </a:extLst>
+              </a:tr>
+              <a:tr h="425358">
+                <a:tc rowSpan="4">
+                  <a:txBody>
+                    <a:bodyPr/>
+                    <a:lstStyle/>
+                    <a:p>
+                      <a:pPr marL="0" marR="0" algn="just">
+                        <a:lnSpc>
+                          <a:spcPct val="107000"/>
+                        </a:lnSpc>
+                        <a:spcBef>
+                          <a:spcPts val="0"/>
+                        </a:spcBef>
+                        <a:spcAft>
+                          <a:spcPts val="0"/>
+                        </a:spcAft>
+                      </a:pPr>
+                      <a:r>
+                        <a:rPr lang="en-US" sz="1600">
+                          <a:effectLst/>
+                          <a:latin typeface="Times New Roman" charset="0"/>
+                          <a:ea typeface="Times New Roman" charset="0"/>
+                          <a:cs typeface="Times New Roman" charset="0"/>
+                        </a:rPr>
+                        <a:t>500</a:t>
+                      </a:r>
+                    </a:p>
+                  </a:txBody>
+                  <a:tcPr marL="54290" marR="54290" marT="0" marB="0"/>
+                </a:tc>
+                <a:tc>
+                  <a:txBody>
+                    <a:bodyPr/>
+                    <a:lstStyle/>
+                    <a:p>
+                      <a:pPr marL="0" marR="0">
+                        <a:lnSpc>
+                          <a:spcPct val="107000"/>
+                        </a:lnSpc>
+                        <a:spcBef>
+                          <a:spcPts val="0"/>
+                        </a:spcBef>
+                        <a:spcAft>
+                          <a:spcPts val="0"/>
+                        </a:spcAft>
+                      </a:pPr>
+                      <a:r>
+                        <a:rPr lang="en-US" sz="1600">
+                          <a:effectLst/>
+                          <a:latin typeface="Times New Roman" charset="0"/>
+                          <a:ea typeface="Times New Roman" charset="0"/>
+                          <a:cs typeface="Times New Roman" charset="0"/>
+                        </a:rPr>
+                        <a:t>KDD</a:t>
+                      </a:r>
+                    </a:p>
+                  </a:txBody>
+                  <a:tcPr marL="54290" marR="54290" marT="0" marB="0"/>
+                </a:tc>
+                <a:tc>
+                  <a:txBody>
+                    <a:bodyPr/>
+                    <a:lstStyle/>
+                    <a:p>
+                      <a:pPr marL="0" marR="0">
+                        <a:lnSpc>
+                          <a:spcPct val="107000"/>
+                        </a:lnSpc>
+                        <a:spcBef>
+                          <a:spcPts val="0"/>
+                        </a:spcBef>
+                        <a:spcAft>
+                          <a:spcPts val="0"/>
+                        </a:spcAft>
+                      </a:pPr>
+                      <a:r>
+                        <a:rPr lang="en-US" sz="1600">
+                          <a:effectLst/>
+                          <a:latin typeface="Times New Roman" charset="0"/>
+                          <a:ea typeface="Times New Roman" charset="0"/>
+                          <a:cs typeface="Times New Roman" charset="0"/>
+                        </a:rPr>
+                        <a:t>UNIFORM</a:t>
+                      </a:r>
+                    </a:p>
+                  </a:txBody>
+                  <a:tcPr marL="54290" marR="54290" marT="0" marB="0"/>
+                </a:tc>
+                <a:tc>
+                  <a:txBody>
+                    <a:bodyPr/>
+                    <a:lstStyle/>
+                    <a:p>
+                      <a:pPr marL="0" marR="0">
+                        <a:lnSpc>
+                          <a:spcPct val="107000"/>
+                        </a:lnSpc>
+                        <a:spcBef>
+                          <a:spcPts val="0"/>
+                        </a:spcBef>
+                        <a:spcAft>
+                          <a:spcPts val="0"/>
+                        </a:spcAft>
+                      </a:pPr>
+                      <a:r>
+                        <a:rPr lang="en-US" sz="1600" dirty="0">
+                          <a:effectLst/>
+                          <a:latin typeface="Times New Roman" charset="0"/>
+                          <a:ea typeface="Times New Roman" charset="0"/>
+                          <a:cs typeface="Times New Roman" charset="0"/>
+                        </a:rPr>
+                        <a:t>2.72(0.04)</a:t>
+                      </a:r>
+                    </a:p>
+                  </a:txBody>
+                  <a:tcPr marL="54290" marR="54290" marT="0" marB="0"/>
+                </a:tc>
+                <a:tc>
+                  <a:txBody>
+                    <a:bodyPr/>
+                    <a:lstStyle/>
+                    <a:p>
+                      <a:pPr marL="0" marR="0">
+                        <a:lnSpc>
+                          <a:spcPct val="107000"/>
+                        </a:lnSpc>
+                        <a:spcBef>
+                          <a:spcPts val="0"/>
+                        </a:spcBef>
+                        <a:spcAft>
+                          <a:spcPts val="0"/>
+                        </a:spcAft>
+                      </a:pPr>
+                      <a:r>
+                        <a:rPr lang="en-US" sz="1600" dirty="0">
+                          <a:effectLst/>
+                          <a:latin typeface="Times New Roman" charset="0"/>
+                          <a:ea typeface="Times New Roman" charset="0"/>
+                          <a:cs typeface="Times New Roman" charset="0"/>
+                        </a:rPr>
+                        <a:t>1.03(1.46)</a:t>
+                      </a:r>
+                    </a:p>
+                  </a:txBody>
+                  <a:tcPr marL="54290" marR="54290" marT="0" marB="0"/>
+                </a:tc>
+                <a:tc>
+                  <a:txBody>
+                    <a:bodyPr/>
+                    <a:lstStyle/>
+                    <a:p>
+                      <a:pPr marL="0" marR="0">
+                        <a:lnSpc>
+                          <a:spcPct val="107000"/>
+                        </a:lnSpc>
+                        <a:spcBef>
+                          <a:spcPts val="0"/>
+                        </a:spcBef>
+                        <a:spcAft>
+                          <a:spcPts val="0"/>
+                        </a:spcAft>
+                      </a:pPr>
+                      <a:r>
+                        <a:rPr lang="en-US" sz="1600" dirty="0">
+                          <a:effectLst/>
+                          <a:latin typeface="Times New Roman" charset="0"/>
+                          <a:ea typeface="Times New Roman" charset="0"/>
+                          <a:cs typeface="Times New Roman" charset="0"/>
+                        </a:rPr>
+                        <a:t>0.66(0.81)</a:t>
+                      </a:r>
+                    </a:p>
+                  </a:txBody>
+                  <a:tcPr marL="54290" marR="54290" marT="0" marB="0"/>
+                </a:tc>
+                <a:tc>
+                  <a:txBody>
+                    <a:bodyPr/>
+                    <a:lstStyle/>
+                    <a:p>
+                      <a:pPr marL="0" marR="0">
+                        <a:lnSpc>
+                          <a:spcPct val="107000"/>
+                        </a:lnSpc>
+                        <a:spcBef>
+                          <a:spcPts val="0"/>
+                        </a:spcBef>
+                        <a:spcAft>
+                          <a:spcPts val="0"/>
+                        </a:spcAft>
+                      </a:pPr>
+                      <a:r>
+                        <a:rPr lang="en-US" sz="1600">
+                          <a:effectLst/>
+                          <a:latin typeface="Times New Roman" charset="0"/>
+                          <a:ea typeface="Times New Roman" charset="0"/>
+                          <a:cs typeface="Times New Roman" charset="0"/>
+                        </a:rPr>
+                        <a:t>630</a:t>
+                      </a:r>
+                    </a:p>
+                  </a:txBody>
+                  <a:tcPr marL="54290" marR="54290" marT="0" marB="0"/>
+                </a:tc>
+                <a:tc>
+                  <a:txBody>
+                    <a:bodyPr/>
+                    <a:lstStyle/>
+                    <a:p>
+                      <a:pPr marL="0" marR="0">
+                        <a:lnSpc>
+                          <a:spcPct val="107000"/>
+                        </a:lnSpc>
+                        <a:spcBef>
+                          <a:spcPts val="0"/>
+                        </a:spcBef>
+                        <a:spcAft>
+                          <a:spcPts val="0"/>
+                        </a:spcAft>
+                      </a:pPr>
+                      <a:r>
+                        <a:rPr lang="en-US" sz="1600">
+                          <a:effectLst/>
+                          <a:latin typeface="Times New Roman" charset="0"/>
+                          <a:ea typeface="Times New Roman" charset="0"/>
+                          <a:cs typeface="Times New Roman" charset="0"/>
+                        </a:rPr>
+                        <a:t>417</a:t>
+                      </a:r>
+                    </a:p>
+                  </a:txBody>
+                  <a:tcPr marL="54290" marR="54290" marT="0" marB="0"/>
+                </a:tc>
+                <a:tc>
+                  <a:txBody>
+                    <a:bodyPr/>
+                    <a:lstStyle/>
+                    <a:p>
+                      <a:pPr marL="0" marR="0">
+                        <a:lnSpc>
+                          <a:spcPct val="107000"/>
+                        </a:lnSpc>
+                        <a:spcBef>
+                          <a:spcPts val="0"/>
+                        </a:spcBef>
+                        <a:spcAft>
+                          <a:spcPts val="0"/>
+                        </a:spcAft>
+                      </a:pPr>
+                      <a:r>
+                        <a:rPr lang="en-US" sz="1600">
+                          <a:effectLst/>
+                          <a:latin typeface="Times New Roman" charset="0"/>
+                          <a:ea typeface="Times New Roman" charset="0"/>
+                          <a:cs typeface="Times New Roman" charset="0"/>
+                        </a:rPr>
+                        <a:t>169</a:t>
+                      </a:r>
+                    </a:p>
+                  </a:txBody>
+                  <a:tcPr marL="54290" marR="54290" marT="0" marB="0"/>
+                </a:tc>
+                <a:extLst>
+                  <a:ext uri="{0D108BD9-81ED-4DB2-BD59-A6C34878D82A}">
+                    <a16:rowId xmlns:a16="http://schemas.microsoft.com/office/drawing/2014/main" val="10008"/>
+                  </a:ext>
+                </a:extLst>
+              </a:tr>
+              <a:tr h="425358">
+                <a:tc vMerge="1">
+                  <a:txBody>
+                    <a:bodyPr/>
+                    <a:lstStyle/>
+                    <a:p>
+                      <a:endParaRPr lang="en-US"/>
+                    </a:p>
+                  </a:txBody>
+                  <a:tcPr/>
+                </a:tc>
+                <a:tc>
+                  <a:txBody>
+                    <a:bodyPr/>
+                    <a:lstStyle/>
+                    <a:p>
+                      <a:pPr marL="0" marR="0">
+                        <a:lnSpc>
+                          <a:spcPct val="107000"/>
+                        </a:lnSpc>
+                        <a:spcBef>
+                          <a:spcPts val="0"/>
+                        </a:spcBef>
+                        <a:spcAft>
+                          <a:spcPts val="0"/>
+                        </a:spcAft>
+                      </a:pPr>
+                      <a:r>
+                        <a:rPr lang="en-US" sz="1600">
+                          <a:effectLst/>
+                          <a:latin typeface="Times New Roman" charset="0"/>
+                          <a:ea typeface="Times New Roman" charset="0"/>
+                          <a:cs typeface="Times New Roman" charset="0"/>
+                        </a:rPr>
+                        <a:t> </a:t>
+                      </a:r>
+                    </a:p>
+                  </a:txBody>
+                  <a:tcPr marL="54290" marR="54290" marT="0" marB="0"/>
+                </a:tc>
+                <a:tc>
+                  <a:txBody>
+                    <a:bodyPr/>
+                    <a:lstStyle/>
+                    <a:p>
+                      <a:pPr marL="0" marR="0">
+                        <a:lnSpc>
+                          <a:spcPct val="107000"/>
+                        </a:lnSpc>
+                        <a:spcBef>
+                          <a:spcPts val="0"/>
+                        </a:spcBef>
+                        <a:spcAft>
+                          <a:spcPts val="0"/>
+                        </a:spcAft>
+                      </a:pPr>
+                      <a:r>
+                        <a:rPr lang="en-US" sz="1600">
+                          <a:effectLst/>
+                          <a:latin typeface="Times New Roman" charset="0"/>
+                          <a:ea typeface="Times New Roman" charset="0"/>
+                          <a:cs typeface="Times New Roman" charset="0"/>
+                        </a:rPr>
+                        <a:t>LWCS</a:t>
+                      </a:r>
+                    </a:p>
+                  </a:txBody>
+                  <a:tcPr marL="54290" marR="54290" marT="0" marB="0"/>
+                </a:tc>
+                <a:tc>
+                  <a:txBody>
+                    <a:bodyPr/>
+                    <a:lstStyle/>
+                    <a:p>
+                      <a:pPr marL="0" marR="0">
+                        <a:lnSpc>
+                          <a:spcPct val="107000"/>
+                        </a:lnSpc>
+                        <a:spcBef>
+                          <a:spcPts val="0"/>
+                        </a:spcBef>
+                        <a:spcAft>
+                          <a:spcPts val="0"/>
+                        </a:spcAft>
+                      </a:pPr>
+                      <a:r>
+                        <a:rPr lang="en-US" sz="1600" dirty="0">
+                          <a:effectLst/>
+                          <a:latin typeface="Times New Roman" charset="0"/>
+                          <a:ea typeface="Times New Roman" charset="0"/>
+                          <a:cs typeface="Times New Roman" charset="0"/>
+                        </a:rPr>
+                        <a:t>0.37(0.01)</a:t>
+                      </a:r>
+                    </a:p>
+                  </a:txBody>
+                  <a:tcPr marL="54290" marR="54290" marT="0" marB="0"/>
+                </a:tc>
+                <a:tc>
+                  <a:txBody>
+                    <a:bodyPr/>
+                    <a:lstStyle/>
+                    <a:p>
+                      <a:pPr marL="0" marR="0">
+                        <a:lnSpc>
+                          <a:spcPct val="107000"/>
+                        </a:lnSpc>
+                        <a:spcBef>
+                          <a:spcPts val="0"/>
+                        </a:spcBef>
+                        <a:spcAft>
+                          <a:spcPts val="0"/>
+                        </a:spcAft>
+                      </a:pPr>
+                      <a:r>
+                        <a:rPr lang="en-US" sz="1600" dirty="0">
+                          <a:effectLst/>
+                          <a:latin typeface="Times New Roman" charset="0"/>
+                          <a:ea typeface="Times New Roman" charset="0"/>
+                          <a:cs typeface="Times New Roman" charset="0"/>
+                        </a:rPr>
+                        <a:t>0.30(0.01)</a:t>
+                      </a:r>
+                    </a:p>
+                  </a:txBody>
+                  <a:tcPr marL="54290" marR="54290" marT="0" marB="0"/>
+                </a:tc>
+                <a:tc>
+                  <a:txBody>
+                    <a:bodyPr/>
+                    <a:lstStyle/>
+                    <a:p>
+                      <a:pPr marL="0" marR="0">
+                        <a:lnSpc>
+                          <a:spcPct val="107000"/>
+                        </a:lnSpc>
+                        <a:spcBef>
+                          <a:spcPts val="0"/>
+                        </a:spcBef>
+                        <a:spcAft>
+                          <a:spcPts val="0"/>
+                        </a:spcAft>
+                      </a:pPr>
+                      <a:r>
+                        <a:rPr lang="en-US" sz="1600" dirty="0">
+                          <a:effectLst/>
+                          <a:latin typeface="Times New Roman" charset="0"/>
+                          <a:ea typeface="Times New Roman" charset="0"/>
+                          <a:cs typeface="Times New Roman" charset="0"/>
+                        </a:rPr>
+                        <a:t>0.19(0.004)</a:t>
+                      </a:r>
+                    </a:p>
+                  </a:txBody>
+                  <a:tcPr marL="54290" marR="54290" marT="0" marB="0"/>
+                </a:tc>
+                <a:tc>
+                  <a:txBody>
+                    <a:bodyPr/>
+                    <a:lstStyle/>
+                    <a:p>
+                      <a:pPr marL="0" marR="0">
+                        <a:lnSpc>
+                          <a:spcPct val="107000"/>
+                        </a:lnSpc>
+                        <a:spcBef>
+                          <a:spcPts val="0"/>
+                        </a:spcBef>
+                        <a:spcAft>
+                          <a:spcPts val="0"/>
+                        </a:spcAft>
+                      </a:pPr>
+                      <a:r>
+                        <a:rPr lang="en-US" sz="1600" dirty="0">
+                          <a:effectLst/>
+                          <a:latin typeface="Times New Roman" charset="0"/>
+                          <a:ea typeface="Times New Roman" charset="0"/>
+                          <a:cs typeface="Times New Roman" charset="0"/>
+                        </a:rPr>
+                        <a:t>121</a:t>
+                      </a:r>
+                    </a:p>
+                  </a:txBody>
+                  <a:tcPr marL="54290" marR="54290" marT="0" marB="0"/>
+                </a:tc>
+                <a:tc>
+                  <a:txBody>
+                    <a:bodyPr/>
+                    <a:lstStyle/>
+                    <a:p>
+                      <a:pPr marL="0" marR="0">
+                        <a:lnSpc>
+                          <a:spcPct val="107000"/>
+                        </a:lnSpc>
+                        <a:spcBef>
+                          <a:spcPts val="0"/>
+                        </a:spcBef>
+                        <a:spcAft>
+                          <a:spcPts val="0"/>
+                        </a:spcAft>
+                      </a:pPr>
+                      <a:r>
+                        <a:rPr lang="en-US" sz="1600">
+                          <a:effectLst/>
+                          <a:latin typeface="Times New Roman" charset="0"/>
+                          <a:ea typeface="Times New Roman" charset="0"/>
+                          <a:cs typeface="Times New Roman" charset="0"/>
+                        </a:rPr>
+                        <a:t>110</a:t>
+                      </a:r>
+                    </a:p>
+                  </a:txBody>
+                  <a:tcPr marL="54290" marR="54290" marT="0" marB="0"/>
+                </a:tc>
+                <a:tc>
+                  <a:txBody>
+                    <a:bodyPr/>
+                    <a:lstStyle/>
+                    <a:p>
+                      <a:pPr marL="0" marR="0">
+                        <a:lnSpc>
+                          <a:spcPct val="107000"/>
+                        </a:lnSpc>
+                        <a:spcBef>
+                          <a:spcPts val="0"/>
+                        </a:spcBef>
+                        <a:spcAft>
+                          <a:spcPts val="0"/>
+                        </a:spcAft>
+                      </a:pPr>
+                      <a:r>
+                        <a:rPr lang="en-US" sz="1600">
+                          <a:effectLst/>
+                          <a:latin typeface="Times New Roman" charset="0"/>
+                          <a:ea typeface="Times New Roman" charset="0"/>
+                          <a:cs typeface="Times New Roman" charset="0"/>
+                        </a:rPr>
+                        <a:t>77</a:t>
+                      </a:r>
+                    </a:p>
+                  </a:txBody>
+                  <a:tcPr marL="54290" marR="54290" marT="0" marB="0"/>
+                </a:tc>
+                <a:extLst>
+                  <a:ext uri="{0D108BD9-81ED-4DB2-BD59-A6C34878D82A}">
+                    <a16:rowId xmlns:a16="http://schemas.microsoft.com/office/drawing/2014/main" val="10009"/>
+                  </a:ext>
+                </a:extLst>
+              </a:tr>
+              <a:tr h="425358">
+                <a:tc vMerge="1">
+                  <a:txBody>
+                    <a:bodyPr/>
+                    <a:lstStyle/>
+                    <a:p>
+                      <a:endParaRPr lang="en-US"/>
+                    </a:p>
+                  </a:txBody>
+                  <a:tcPr/>
+                </a:tc>
+                <a:tc>
+                  <a:txBody>
+                    <a:bodyPr/>
+                    <a:lstStyle/>
+                    <a:p>
+                      <a:pPr marL="0" marR="0">
+                        <a:lnSpc>
+                          <a:spcPct val="107000"/>
+                        </a:lnSpc>
+                        <a:spcBef>
+                          <a:spcPts val="0"/>
+                        </a:spcBef>
+                        <a:spcAft>
+                          <a:spcPts val="0"/>
+                        </a:spcAft>
+                      </a:pPr>
+                      <a:r>
+                        <a:rPr lang="en-US" sz="1600">
+                          <a:effectLst/>
+                          <a:latin typeface="Times New Roman" charset="0"/>
+                          <a:ea typeface="Times New Roman" charset="0"/>
+                          <a:cs typeface="Times New Roman" charset="0"/>
+                        </a:rPr>
+                        <a:t>SONG</a:t>
+                      </a:r>
+                    </a:p>
+                  </a:txBody>
+                  <a:tcPr marL="54290" marR="54290" marT="0" marB="0"/>
+                </a:tc>
+                <a:tc>
+                  <a:txBody>
+                    <a:bodyPr/>
+                    <a:lstStyle/>
+                    <a:p>
+                      <a:pPr marL="0" marR="0">
+                        <a:lnSpc>
+                          <a:spcPct val="107000"/>
+                        </a:lnSpc>
+                        <a:spcBef>
+                          <a:spcPts val="0"/>
+                        </a:spcBef>
+                        <a:spcAft>
+                          <a:spcPts val="0"/>
+                        </a:spcAft>
+                      </a:pPr>
+                      <a:r>
+                        <a:rPr lang="en-US" sz="1600">
+                          <a:effectLst/>
+                          <a:latin typeface="Times New Roman" charset="0"/>
+                          <a:ea typeface="Times New Roman" charset="0"/>
+                          <a:cs typeface="Times New Roman" charset="0"/>
+                        </a:rPr>
+                        <a:t>UNIFROM</a:t>
+                      </a:r>
+                    </a:p>
+                  </a:txBody>
+                  <a:tcPr marL="54290" marR="54290" marT="0" marB="0"/>
+                </a:tc>
+                <a:tc>
+                  <a:txBody>
+                    <a:bodyPr/>
+                    <a:lstStyle/>
+                    <a:p>
+                      <a:pPr marL="0" marR="0">
+                        <a:lnSpc>
+                          <a:spcPct val="107000"/>
+                        </a:lnSpc>
+                        <a:spcBef>
+                          <a:spcPts val="0"/>
+                        </a:spcBef>
+                        <a:spcAft>
+                          <a:spcPts val="0"/>
+                        </a:spcAft>
+                      </a:pPr>
+                      <a:r>
+                        <a:rPr lang="en-US" sz="1600" dirty="0">
+                          <a:effectLst/>
+                          <a:latin typeface="Times New Roman" charset="0"/>
+                          <a:ea typeface="Times New Roman" charset="0"/>
+                          <a:cs typeface="Times New Roman" charset="0"/>
+                        </a:rPr>
+                        <a:t>0.44(0.02)</a:t>
+                      </a:r>
+                    </a:p>
+                  </a:txBody>
+                  <a:tcPr marL="54290" marR="54290" marT="0" marB="0"/>
+                </a:tc>
+                <a:tc>
+                  <a:txBody>
+                    <a:bodyPr/>
+                    <a:lstStyle/>
+                    <a:p>
+                      <a:pPr marL="0" marR="0">
+                        <a:lnSpc>
+                          <a:spcPct val="107000"/>
+                        </a:lnSpc>
+                        <a:spcBef>
+                          <a:spcPts val="0"/>
+                        </a:spcBef>
+                        <a:spcAft>
+                          <a:spcPts val="0"/>
+                        </a:spcAft>
+                      </a:pPr>
+                      <a:r>
+                        <a:rPr lang="en-US" sz="1600" dirty="0">
+                          <a:effectLst/>
+                          <a:latin typeface="Times New Roman" charset="0"/>
+                          <a:ea typeface="Times New Roman" charset="0"/>
+                          <a:cs typeface="Times New Roman" charset="0"/>
+                        </a:rPr>
+                        <a:t>0.32(0.01)</a:t>
+                      </a:r>
+                    </a:p>
+                  </a:txBody>
+                  <a:tcPr marL="54290" marR="54290" marT="0" marB="0"/>
+                </a:tc>
+                <a:tc>
+                  <a:txBody>
+                    <a:bodyPr/>
+                    <a:lstStyle/>
+                    <a:p>
+                      <a:pPr marL="0" marR="0">
+                        <a:lnSpc>
+                          <a:spcPct val="107000"/>
+                        </a:lnSpc>
+                        <a:spcBef>
+                          <a:spcPts val="0"/>
+                        </a:spcBef>
+                        <a:spcAft>
+                          <a:spcPts val="0"/>
+                        </a:spcAft>
+                      </a:pPr>
+                      <a:r>
+                        <a:rPr lang="en-US" sz="1600" dirty="0">
+                          <a:effectLst/>
+                          <a:latin typeface="Times New Roman" charset="0"/>
+                          <a:ea typeface="Times New Roman" charset="0"/>
+                          <a:cs typeface="Times New Roman" charset="0"/>
+                        </a:rPr>
+                        <a:t>0.22(0.01)</a:t>
+                      </a:r>
+                    </a:p>
+                  </a:txBody>
+                  <a:tcPr marL="54290" marR="54290" marT="0" marB="0"/>
+                </a:tc>
+                <a:tc>
+                  <a:txBody>
+                    <a:bodyPr/>
+                    <a:lstStyle/>
+                    <a:p>
+                      <a:pPr marL="0" marR="0">
+                        <a:lnSpc>
+                          <a:spcPct val="107000"/>
+                        </a:lnSpc>
+                        <a:spcBef>
+                          <a:spcPts val="0"/>
+                        </a:spcBef>
+                        <a:spcAft>
+                          <a:spcPts val="0"/>
+                        </a:spcAft>
+                      </a:pPr>
+                      <a:r>
+                        <a:rPr lang="en-US" sz="1600" dirty="0">
+                          <a:effectLst/>
+                          <a:latin typeface="Times New Roman" charset="0"/>
+                          <a:ea typeface="Times New Roman" charset="0"/>
+                          <a:cs typeface="Times New Roman" charset="0"/>
+                        </a:rPr>
+                        <a:t>516</a:t>
+                      </a:r>
+                    </a:p>
+                  </a:txBody>
+                  <a:tcPr marL="54290" marR="54290" marT="0" marB="0"/>
+                </a:tc>
+                <a:tc>
+                  <a:txBody>
+                    <a:bodyPr/>
+                    <a:lstStyle/>
+                    <a:p>
+                      <a:pPr marL="0" marR="0">
+                        <a:lnSpc>
+                          <a:spcPct val="107000"/>
+                        </a:lnSpc>
+                        <a:spcBef>
+                          <a:spcPts val="0"/>
+                        </a:spcBef>
+                        <a:spcAft>
+                          <a:spcPts val="0"/>
+                        </a:spcAft>
+                      </a:pPr>
+                      <a:r>
+                        <a:rPr lang="en-US" sz="1600" dirty="0">
+                          <a:effectLst/>
+                          <a:latin typeface="Times New Roman" charset="0"/>
+                          <a:ea typeface="Times New Roman" charset="0"/>
+                          <a:cs typeface="Times New Roman" charset="0"/>
+                        </a:rPr>
+                        <a:t>316</a:t>
+                      </a:r>
+                    </a:p>
+                  </a:txBody>
+                  <a:tcPr marL="54290" marR="54290" marT="0" marB="0"/>
+                </a:tc>
+                <a:tc>
+                  <a:txBody>
+                    <a:bodyPr/>
+                    <a:lstStyle/>
+                    <a:p>
+                      <a:pPr marL="0" marR="0">
+                        <a:lnSpc>
+                          <a:spcPct val="107000"/>
+                        </a:lnSpc>
+                        <a:spcBef>
+                          <a:spcPts val="0"/>
+                        </a:spcBef>
+                        <a:spcAft>
+                          <a:spcPts val="0"/>
+                        </a:spcAft>
+                      </a:pPr>
+                      <a:r>
+                        <a:rPr lang="en-US" sz="1600" dirty="0">
+                          <a:effectLst/>
+                          <a:latin typeface="Times New Roman" charset="0"/>
+                          <a:ea typeface="Times New Roman" charset="0"/>
+                          <a:cs typeface="Times New Roman" charset="0"/>
+                        </a:rPr>
+                        <a:t>137</a:t>
+                      </a:r>
+                    </a:p>
+                  </a:txBody>
+                  <a:tcPr marL="54290" marR="54290" marT="0" marB="0"/>
+                </a:tc>
+                <a:extLst>
+                  <a:ext uri="{0D108BD9-81ED-4DB2-BD59-A6C34878D82A}">
+                    <a16:rowId xmlns:a16="http://schemas.microsoft.com/office/drawing/2014/main" val="10010"/>
+                  </a:ext>
+                </a:extLst>
+              </a:tr>
+              <a:tr h="425358">
+                <a:tc vMerge="1">
+                  <a:txBody>
+                    <a:bodyPr/>
+                    <a:lstStyle/>
+                    <a:p>
+                      <a:endParaRPr lang="en-US"/>
+                    </a:p>
+                  </a:txBody>
+                  <a:tcPr/>
+                </a:tc>
+                <a:tc>
+                  <a:txBody>
+                    <a:bodyPr/>
+                    <a:lstStyle/>
+                    <a:p>
+                      <a:pPr marL="0" marR="0">
+                        <a:lnSpc>
+                          <a:spcPct val="107000"/>
+                        </a:lnSpc>
+                        <a:spcBef>
+                          <a:spcPts val="0"/>
+                        </a:spcBef>
+                        <a:spcAft>
+                          <a:spcPts val="0"/>
+                        </a:spcAft>
+                      </a:pPr>
+                      <a:r>
+                        <a:rPr lang="en-US" sz="1600">
+                          <a:effectLst/>
+                          <a:latin typeface="Times New Roman" charset="0"/>
+                          <a:ea typeface="Times New Roman" charset="0"/>
+                          <a:cs typeface="Times New Roman" charset="0"/>
+                        </a:rPr>
+                        <a:t> </a:t>
+                      </a:r>
+                    </a:p>
+                  </a:txBody>
+                  <a:tcPr marL="54290" marR="54290" marT="0" marB="0"/>
+                </a:tc>
+                <a:tc>
+                  <a:txBody>
+                    <a:bodyPr/>
+                    <a:lstStyle/>
+                    <a:p>
+                      <a:pPr marL="0" marR="0">
+                        <a:lnSpc>
+                          <a:spcPct val="107000"/>
+                        </a:lnSpc>
+                        <a:spcBef>
+                          <a:spcPts val="0"/>
+                        </a:spcBef>
+                        <a:spcAft>
+                          <a:spcPts val="0"/>
+                        </a:spcAft>
+                      </a:pPr>
+                      <a:r>
+                        <a:rPr lang="en-US" sz="1600">
+                          <a:effectLst/>
+                          <a:latin typeface="Times New Roman" charset="0"/>
+                          <a:ea typeface="Times New Roman" charset="0"/>
+                          <a:cs typeface="Times New Roman" charset="0"/>
+                        </a:rPr>
+                        <a:t>LWCS</a:t>
+                      </a:r>
+                    </a:p>
+                  </a:txBody>
+                  <a:tcPr marL="54290" marR="54290" marT="0" marB="0"/>
+                </a:tc>
+                <a:tc>
+                  <a:txBody>
+                    <a:bodyPr/>
+                    <a:lstStyle/>
+                    <a:p>
+                      <a:pPr marL="0" marR="0">
+                        <a:lnSpc>
+                          <a:spcPct val="107000"/>
+                        </a:lnSpc>
+                        <a:spcBef>
+                          <a:spcPts val="0"/>
+                        </a:spcBef>
+                        <a:spcAft>
+                          <a:spcPts val="0"/>
+                        </a:spcAft>
+                      </a:pPr>
+                      <a:r>
+                        <a:rPr lang="en-US" sz="1600" dirty="0">
+                          <a:effectLst/>
+                          <a:latin typeface="Times New Roman" charset="0"/>
+                          <a:ea typeface="Times New Roman" charset="0"/>
+                          <a:cs typeface="Times New Roman" charset="0"/>
+                        </a:rPr>
+                        <a:t>0.33(0.007)</a:t>
+                      </a:r>
+                    </a:p>
+                  </a:txBody>
+                  <a:tcPr marL="54290" marR="54290" marT="0" marB="0"/>
+                </a:tc>
+                <a:tc>
+                  <a:txBody>
+                    <a:bodyPr/>
+                    <a:lstStyle/>
+                    <a:p>
+                      <a:pPr marL="0" marR="0">
+                        <a:lnSpc>
+                          <a:spcPct val="107000"/>
+                        </a:lnSpc>
+                        <a:spcBef>
+                          <a:spcPts val="0"/>
+                        </a:spcBef>
+                        <a:spcAft>
+                          <a:spcPts val="0"/>
+                        </a:spcAft>
+                      </a:pPr>
+                      <a:r>
+                        <a:rPr lang="en-US" sz="1600" dirty="0">
+                          <a:effectLst/>
+                          <a:latin typeface="Times New Roman" charset="0"/>
+                          <a:ea typeface="Times New Roman" charset="0"/>
+                          <a:cs typeface="Times New Roman" charset="0"/>
+                        </a:rPr>
+                        <a:t>0.26(0.005)</a:t>
+                      </a:r>
+                    </a:p>
+                  </a:txBody>
+                  <a:tcPr marL="54290" marR="54290" marT="0" marB="0"/>
+                </a:tc>
+                <a:tc>
+                  <a:txBody>
+                    <a:bodyPr/>
+                    <a:lstStyle/>
+                    <a:p>
+                      <a:pPr marL="0" marR="0">
+                        <a:lnSpc>
+                          <a:spcPct val="107000"/>
+                        </a:lnSpc>
+                        <a:spcBef>
+                          <a:spcPts val="0"/>
+                        </a:spcBef>
+                        <a:spcAft>
+                          <a:spcPts val="0"/>
+                        </a:spcAft>
+                      </a:pPr>
+                      <a:r>
+                        <a:rPr lang="en-US" sz="1600" dirty="0">
+                          <a:effectLst/>
+                          <a:latin typeface="Times New Roman" charset="0"/>
+                          <a:ea typeface="Times New Roman" charset="0"/>
+                          <a:cs typeface="Times New Roman" charset="0"/>
+                        </a:rPr>
+                        <a:t>0.20(0.004)</a:t>
+                      </a:r>
+                    </a:p>
+                  </a:txBody>
+                  <a:tcPr marL="54290" marR="54290" marT="0" marB="0"/>
+                </a:tc>
+                <a:tc>
+                  <a:txBody>
+                    <a:bodyPr/>
+                    <a:lstStyle/>
+                    <a:p>
+                      <a:pPr marL="0" marR="0">
+                        <a:lnSpc>
+                          <a:spcPct val="107000"/>
+                        </a:lnSpc>
+                        <a:spcBef>
+                          <a:spcPts val="0"/>
+                        </a:spcBef>
+                        <a:spcAft>
+                          <a:spcPts val="0"/>
+                        </a:spcAft>
+                      </a:pPr>
+                      <a:r>
+                        <a:rPr lang="en-US" sz="1600" dirty="0">
+                          <a:effectLst/>
+                          <a:latin typeface="Times New Roman" charset="0"/>
+                          <a:ea typeface="Times New Roman" charset="0"/>
+                          <a:cs typeface="Times New Roman" charset="0"/>
+                        </a:rPr>
+                        <a:t>29</a:t>
+                      </a:r>
+                    </a:p>
+                  </a:txBody>
+                  <a:tcPr marL="54290" marR="54290" marT="0" marB="0"/>
+                </a:tc>
+                <a:tc>
+                  <a:txBody>
+                    <a:bodyPr/>
+                    <a:lstStyle/>
+                    <a:p>
+                      <a:pPr marL="0" marR="0">
+                        <a:lnSpc>
+                          <a:spcPct val="107000"/>
+                        </a:lnSpc>
+                        <a:spcBef>
+                          <a:spcPts val="0"/>
+                        </a:spcBef>
+                        <a:spcAft>
+                          <a:spcPts val="0"/>
+                        </a:spcAft>
+                      </a:pPr>
+                      <a:r>
+                        <a:rPr lang="en-US" sz="1600">
+                          <a:effectLst/>
+                          <a:latin typeface="Times New Roman" charset="0"/>
+                          <a:ea typeface="Times New Roman" charset="0"/>
+                          <a:cs typeface="Times New Roman" charset="0"/>
+                        </a:rPr>
+                        <a:t>28</a:t>
+                      </a:r>
+                    </a:p>
+                  </a:txBody>
+                  <a:tcPr marL="54290" marR="54290" marT="0" marB="0"/>
+                </a:tc>
+                <a:tc>
+                  <a:txBody>
+                    <a:bodyPr/>
+                    <a:lstStyle/>
+                    <a:p>
+                      <a:pPr marL="0" marR="0">
+                        <a:lnSpc>
+                          <a:spcPct val="107000"/>
+                        </a:lnSpc>
+                        <a:spcBef>
+                          <a:spcPts val="0"/>
+                        </a:spcBef>
+                        <a:spcAft>
+                          <a:spcPts val="0"/>
+                        </a:spcAft>
+                      </a:pPr>
+                      <a:r>
+                        <a:rPr lang="en-US" sz="1600" dirty="0">
+                          <a:effectLst/>
+                          <a:latin typeface="Times New Roman" charset="0"/>
+                          <a:ea typeface="Times New Roman" charset="0"/>
+                          <a:cs typeface="Times New Roman" charset="0"/>
+                        </a:rPr>
+                        <a:t>25</a:t>
+                      </a:r>
+                    </a:p>
+                  </a:txBody>
+                  <a:tcPr marL="54290" marR="54290" marT="0" marB="0"/>
+                </a:tc>
+                <a:extLst>
+                  <a:ext uri="{0D108BD9-81ED-4DB2-BD59-A6C34878D82A}">
+                    <a16:rowId xmlns:a16="http://schemas.microsoft.com/office/drawing/2014/main" val="10011"/>
+                  </a:ext>
+                </a:extLst>
+              </a:tr>
+            </a:tbl>
+          </a:graphicData>
+        </a:graphic>
+      </p:graphicFrame>
     </p:spTree>
     <p:extLst>
       <p:ext uri="{BB962C8B-B14F-4D97-AF65-F5344CB8AC3E}">
         <p14:creationId xmlns:p14="http://schemas.microsoft.com/office/powerpoint/2010/main" val="2809206"/>
-      </p:ext>
-    </p:extLst>
-  </p:cSld>
-  <p:clrMapOvr>
-    <a:masterClrMapping/>
-  </p:clrMapOvr>
-</p:sld>
-</file>
-
-<file path=ppt/slides/slide12.xml><?xml version="1.0" encoding="utf-8"?>
-<p:sld xmlns:a="http://schemas.openxmlformats.org/drawingml/2006/main" xmlns:r="http://schemas.openxmlformats.org/officeDocument/2006/relationships" xmlns:p="http://schemas.openxmlformats.org/presentationml/2006/main">
-  <p:cSld>
-    <p:spTree>
-      <p:nvGrpSpPr>
-        <p:cNvPr id="1" name=""/>
-        <p:cNvGrpSpPr/>
-        <p:nvPr/>
-      </p:nvGrpSpPr>
-      <p:grpSpPr>
-        <a:xfrm>
-          <a:off x="0" y="0"/>
-          <a:ext cx="0" cy="0"/>
-          <a:chOff x="0" y="0"/>
-          <a:chExt cx="0" cy="0"/>
-        </a:xfrm>
-      </p:grpSpPr>
-      <p:sp>
-        <p:nvSpPr>
-          <p:cNvPr id="3" name="Content Placeholder 2">
-            <a:extLst>
-              <a:ext uri="{FF2B5EF4-FFF2-40B4-BE49-F238E27FC236}">
-                <a16:creationId xmlns:a16="http://schemas.microsoft.com/office/drawing/2014/main" id="{0CDC9708-BFEB-4951-B81B-9C394BA89F40}"/>
-              </a:ext>
-            </a:extLst>
-          </p:cNvPr>
-          <p:cNvSpPr>
-            <a:spLocks noGrp="1"/>
-          </p:cNvSpPr>
-          <p:nvPr>
-            <p:ph idx="1"/>
-          </p:nvPr>
-        </p:nvSpPr>
-        <p:spPr/>
-        <p:txBody>
-          <a:bodyPr/>
-          <a:lstStyle/>
-          <a:p>
-            <a:endParaRPr lang="en-US"/>
-          </a:p>
-        </p:txBody>
-      </p:sp>
-      <p:sp>
-        <p:nvSpPr>
-          <p:cNvPr id="4" name="Title 1">
-            <a:extLst>
-              <a:ext uri="{FF2B5EF4-FFF2-40B4-BE49-F238E27FC236}">
-                <a16:creationId xmlns:a16="http://schemas.microsoft.com/office/drawing/2014/main" id="{B9044FBA-2C15-4776-85B5-CD9E89B14046}"/>
-              </a:ext>
-            </a:extLst>
-          </p:cNvPr>
-          <p:cNvSpPr>
-            <a:spLocks noGrp="1"/>
-          </p:cNvSpPr>
-          <p:nvPr>
-            <p:ph type="title"/>
-          </p:nvPr>
-        </p:nvSpPr>
-        <p:spPr>
-          <a:xfrm>
-            <a:off x="1484310" y="396552"/>
-            <a:ext cx="10018713" cy="1049694"/>
-          </a:xfrm>
-        </p:spPr>
-        <p:txBody>
-          <a:bodyPr>
-            <a:normAutofit/>
-          </a:bodyPr>
-          <a:lstStyle/>
-          <a:p>
-            <a:pPr algn="l"/>
-            <a:endParaRPr lang="en-US" sz="3200" dirty="0"/>
-          </a:p>
-        </p:txBody>
-      </p:sp>
-    </p:spTree>
-    <p:extLst>
-      <p:ext uri="{BB962C8B-B14F-4D97-AF65-F5344CB8AC3E}">
-        <p14:creationId xmlns:p14="http://schemas.microsoft.com/office/powerpoint/2010/main" val="2911418956"/>
       </p:ext>
     </p:extLst>
   </p:cSld>
@@ -6658,10 +9732,10 @@
       </p:grpSpPr>
       <p:sp>
         <p:nvSpPr>
-          <p:cNvPr id="3" name="Content Placeholder 2">
+          <p:cNvPr id="4" name="Title 1">
             <a:extLst>
               <a:ext uri="{FF2B5EF4-FFF2-40B4-BE49-F238E27FC236}">
-                <a16:creationId xmlns:a16="http://schemas.microsoft.com/office/drawing/2014/main" id="{2607388A-52A7-4920-B2DC-1BCF89190ED7}"/>
+                <a16:creationId xmlns:a16="http://schemas.microsoft.com/office/drawing/2014/main" id="{B9044FBA-2C15-4776-85B5-CD9E89B14046}"/>
               </a:ext>
             </a:extLst>
           </p:cNvPr>
@@ -6669,18 +9743,1720 @@
             <a:spLocks noGrp="1"/>
           </p:cNvSpPr>
           <p:nvPr>
-            <p:ph idx="1"/>
+            <p:ph type="title"/>
           </p:nvPr>
         </p:nvSpPr>
-        <p:spPr/>
+        <p:spPr>
+          <a:xfrm>
+            <a:off x="1484310" y="396552"/>
+            <a:ext cx="10018713" cy="1049694"/>
+          </a:xfrm>
+        </p:spPr>
         <p:txBody>
-          <a:bodyPr/>
+          <a:bodyPr>
+            <a:normAutofit/>
+          </a:bodyPr>
           <a:lstStyle/>
           <a:p>
-            <a:endParaRPr lang="en-US"/>
+            <a:pPr algn="l"/>
+            <a:r>
+              <a:rPr lang="en-US" sz="3200" dirty="0"/>
+              <a:t>Results</a:t>
+            </a:r>
           </a:p>
         </p:txBody>
       </p:sp>
+      <p:graphicFrame>
+        <p:nvGraphicFramePr>
+          <p:cNvPr id="5" name="Table 4"/>
+          <p:cNvGraphicFramePr>
+            <a:graphicFrameLocks noGrp="1"/>
+          </p:cNvGraphicFramePr>
+          <p:nvPr>
+            <p:extLst>
+              <p:ext uri="{D42A27DB-BD31-4B8C-83A1-F6EECF244321}">
+                <p14:modId xmlns:p14="http://schemas.microsoft.com/office/powerpoint/2010/main" val="673842862"/>
+              </p:ext>
+            </p:extLst>
+          </p:nvPr>
+        </p:nvGraphicFramePr>
+        <p:xfrm>
+          <a:off x="1791289" y="1962439"/>
+          <a:ext cx="9711734" cy="3233888"/>
+        </p:xfrm>
+        <a:graphic>
+          <a:graphicData uri="http://schemas.openxmlformats.org/drawingml/2006/table">
+            <a:tbl>
+              <a:tblPr firstRow="1" firstCol="1" bandRow="1">
+                <a:tableStyleId>{5C22544A-7EE6-4342-B048-85BDC9FD1C3A}</a:tableStyleId>
+              </a:tblPr>
+              <a:tblGrid>
+                <a:gridCol w="1011676">
+                  <a:extLst>
+                    <a:ext uri="{9D8B030D-6E8A-4147-A177-3AD203B41FA5}">
+                      <a16:colId xmlns:a16="http://schemas.microsoft.com/office/drawing/2014/main" val="20000"/>
+                    </a:ext>
+                  </a:extLst>
+                </a:gridCol>
+                <a:gridCol w="1011676">
+                  <a:extLst>
+                    <a:ext uri="{9D8B030D-6E8A-4147-A177-3AD203B41FA5}">
+                      <a16:colId xmlns:a16="http://schemas.microsoft.com/office/drawing/2014/main" val="20001"/>
+                    </a:ext>
+                  </a:extLst>
+                </a:gridCol>
+                <a:gridCol w="1031745">
+                  <a:extLst>
+                    <a:ext uri="{9D8B030D-6E8A-4147-A177-3AD203B41FA5}">
+                      <a16:colId xmlns:a16="http://schemas.microsoft.com/office/drawing/2014/main" val="20002"/>
+                    </a:ext>
+                  </a:extLst>
+                </a:gridCol>
+                <a:gridCol w="1290824">
+                  <a:extLst>
+                    <a:ext uri="{9D8B030D-6E8A-4147-A177-3AD203B41FA5}">
+                      <a16:colId xmlns:a16="http://schemas.microsoft.com/office/drawing/2014/main" val="20003"/>
+                    </a:ext>
+                  </a:extLst>
+                </a:gridCol>
+                <a:gridCol w="1290824">
+                  <a:extLst>
+                    <a:ext uri="{9D8B030D-6E8A-4147-A177-3AD203B41FA5}">
+                      <a16:colId xmlns:a16="http://schemas.microsoft.com/office/drawing/2014/main" val="20004"/>
+                    </a:ext>
+                  </a:extLst>
+                </a:gridCol>
+                <a:gridCol w="1118409">
+                  <a:extLst>
+                    <a:ext uri="{9D8B030D-6E8A-4147-A177-3AD203B41FA5}">
+                      <a16:colId xmlns:a16="http://schemas.microsoft.com/office/drawing/2014/main" val="20005"/>
+                    </a:ext>
+                  </a:extLst>
+                </a:gridCol>
+                <a:gridCol w="986135">
+                  <a:extLst>
+                    <a:ext uri="{9D8B030D-6E8A-4147-A177-3AD203B41FA5}">
+                      <a16:colId xmlns:a16="http://schemas.microsoft.com/office/drawing/2014/main" val="20006"/>
+                    </a:ext>
+                  </a:extLst>
+                </a:gridCol>
+                <a:gridCol w="986135">
+                  <a:extLst>
+                    <a:ext uri="{9D8B030D-6E8A-4147-A177-3AD203B41FA5}">
+                      <a16:colId xmlns:a16="http://schemas.microsoft.com/office/drawing/2014/main" val="20007"/>
+                    </a:ext>
+                  </a:extLst>
+                </a:gridCol>
+                <a:gridCol w="984310">
+                  <a:extLst>
+                    <a:ext uri="{9D8B030D-6E8A-4147-A177-3AD203B41FA5}">
+                      <a16:colId xmlns:a16="http://schemas.microsoft.com/office/drawing/2014/main" val="20008"/>
+                    </a:ext>
+                  </a:extLst>
+                </a:gridCol>
+              </a:tblGrid>
+              <a:tr h="256322">
+                <a:tc gridSpan="9">
+                  <a:txBody>
+                    <a:bodyPr/>
+                    <a:lstStyle/>
+                    <a:p>
+                      <a:pPr marL="0" marR="0" algn="ctr">
+                        <a:lnSpc>
+                          <a:spcPct val="107000"/>
+                        </a:lnSpc>
+                        <a:spcBef>
+                          <a:spcPts val="0"/>
+                        </a:spcBef>
+                        <a:spcAft>
+                          <a:spcPts val="0"/>
+                        </a:spcAft>
+                      </a:pPr>
+                      <a:r>
+                        <a:rPr lang="en-US" sz="2400" dirty="0">
+                          <a:effectLst/>
+                          <a:latin typeface="Times New Roman" charset="0"/>
+                          <a:ea typeface="Times New Roman" charset="0"/>
+                          <a:cs typeface="Times New Roman" charset="0"/>
+                        </a:rPr>
+                        <a:t>Relative error and speedup of different methods vs. Full for K-</a:t>
+                      </a:r>
+                      <a:r>
+                        <a:rPr lang="en-US" sz="2400" dirty="0" err="1">
+                          <a:effectLst/>
+                          <a:latin typeface="Times New Roman" charset="0"/>
+                          <a:ea typeface="Times New Roman" charset="0"/>
+                          <a:cs typeface="Times New Roman" charset="0"/>
+                        </a:rPr>
+                        <a:t>medoids</a:t>
+                      </a:r>
+                      <a:endParaRPr lang="en-US" sz="2400" dirty="0">
+                        <a:effectLst/>
+                        <a:latin typeface="Times New Roman" charset="0"/>
+                        <a:ea typeface="Times New Roman" charset="0"/>
+                        <a:cs typeface="Times New Roman" charset="0"/>
+                      </a:endParaRPr>
+                    </a:p>
+                  </a:txBody>
+                  <a:tcPr marL="68580" marR="68580" marT="0" marB="0"/>
+                </a:tc>
+                <a:tc hMerge="1">
+                  <a:txBody>
+                    <a:bodyPr/>
+                    <a:lstStyle/>
+                    <a:p>
+                      <a:endParaRPr lang="en-US"/>
+                    </a:p>
+                  </a:txBody>
+                  <a:tcPr/>
+                </a:tc>
+                <a:tc hMerge="1">
+                  <a:txBody>
+                    <a:bodyPr/>
+                    <a:lstStyle/>
+                    <a:p>
+                      <a:endParaRPr lang="en-US"/>
+                    </a:p>
+                  </a:txBody>
+                  <a:tcPr/>
+                </a:tc>
+                <a:tc hMerge="1">
+                  <a:txBody>
+                    <a:bodyPr/>
+                    <a:lstStyle/>
+                    <a:p>
+                      <a:endParaRPr lang="en-US"/>
+                    </a:p>
+                  </a:txBody>
+                  <a:tcPr/>
+                </a:tc>
+                <a:tc hMerge="1">
+                  <a:txBody>
+                    <a:bodyPr/>
+                    <a:lstStyle/>
+                    <a:p>
+                      <a:endParaRPr lang="en-US"/>
+                    </a:p>
+                  </a:txBody>
+                  <a:tcPr/>
+                </a:tc>
+                <a:tc hMerge="1">
+                  <a:txBody>
+                    <a:bodyPr/>
+                    <a:lstStyle/>
+                    <a:p>
+                      <a:endParaRPr lang="en-US"/>
+                    </a:p>
+                  </a:txBody>
+                  <a:tcPr/>
+                </a:tc>
+                <a:tc hMerge="1">
+                  <a:txBody>
+                    <a:bodyPr/>
+                    <a:lstStyle/>
+                    <a:p>
+                      <a:endParaRPr lang="en-US"/>
+                    </a:p>
+                  </a:txBody>
+                  <a:tcPr/>
+                </a:tc>
+                <a:tc hMerge="1">
+                  <a:txBody>
+                    <a:bodyPr/>
+                    <a:lstStyle/>
+                    <a:p>
+                      <a:endParaRPr lang="en-US"/>
+                    </a:p>
+                  </a:txBody>
+                  <a:tcPr/>
+                </a:tc>
+                <a:tc hMerge="1">
+                  <a:txBody>
+                    <a:bodyPr/>
+                    <a:lstStyle/>
+                    <a:p>
+                      <a:endParaRPr lang="en-US"/>
+                    </a:p>
+                  </a:txBody>
+                  <a:tcPr/>
+                </a:tc>
+                <a:extLst>
+                  <a:ext uri="{0D108BD9-81ED-4DB2-BD59-A6C34878D82A}">
+                    <a16:rowId xmlns:a16="http://schemas.microsoft.com/office/drawing/2014/main" val="10000"/>
+                  </a:ext>
+                </a:extLst>
+              </a:tr>
+              <a:tr h="256322">
+                <a:tc gridSpan="3">
+                  <a:txBody>
+                    <a:bodyPr/>
+                    <a:lstStyle/>
+                    <a:p>
+                      <a:pPr marL="0" marR="0">
+                        <a:lnSpc>
+                          <a:spcPct val="107000"/>
+                        </a:lnSpc>
+                        <a:spcBef>
+                          <a:spcPts val="0"/>
+                        </a:spcBef>
+                        <a:spcAft>
+                          <a:spcPts val="0"/>
+                        </a:spcAft>
+                      </a:pPr>
+                      <a:r>
+                        <a:rPr lang="en-US" sz="1600" dirty="0">
+                          <a:effectLst/>
+                          <a:latin typeface="Times New Roman" charset="0"/>
+                          <a:ea typeface="Times New Roman" charset="0"/>
+                          <a:cs typeface="Times New Roman" charset="0"/>
+                        </a:rPr>
+                        <a:t> </a:t>
+                      </a:r>
+                    </a:p>
+                  </a:txBody>
+                  <a:tcPr marL="68580" marR="68580" marT="0" marB="0"/>
+                </a:tc>
+                <a:tc hMerge="1">
+                  <a:txBody>
+                    <a:bodyPr/>
+                    <a:lstStyle/>
+                    <a:p>
+                      <a:endParaRPr lang="en-US"/>
+                    </a:p>
+                  </a:txBody>
+                  <a:tcPr/>
+                </a:tc>
+                <a:tc hMerge="1">
+                  <a:txBody>
+                    <a:bodyPr/>
+                    <a:lstStyle/>
+                    <a:p>
+                      <a:endParaRPr lang="en-US"/>
+                    </a:p>
+                  </a:txBody>
+                  <a:tcPr/>
+                </a:tc>
+                <a:tc gridSpan="3">
+                  <a:txBody>
+                    <a:bodyPr/>
+                    <a:lstStyle/>
+                    <a:p>
+                      <a:pPr marL="0" marR="0" algn="ctr">
+                        <a:lnSpc>
+                          <a:spcPct val="107000"/>
+                        </a:lnSpc>
+                        <a:spcBef>
+                          <a:spcPts val="0"/>
+                        </a:spcBef>
+                        <a:spcAft>
+                          <a:spcPts val="0"/>
+                        </a:spcAft>
+                      </a:pPr>
+                      <a:r>
+                        <a:rPr lang="en-US" sz="1600">
+                          <a:effectLst/>
+                          <a:latin typeface="Times New Roman" charset="0"/>
+                          <a:ea typeface="Times New Roman" charset="0"/>
+                          <a:cs typeface="Times New Roman" charset="0"/>
+                        </a:rPr>
+                        <a:t>Relative error vs. Full</a:t>
+                      </a:r>
+                    </a:p>
+                  </a:txBody>
+                  <a:tcPr marL="68580" marR="68580" marT="0" marB="0"/>
+                </a:tc>
+                <a:tc hMerge="1">
+                  <a:txBody>
+                    <a:bodyPr/>
+                    <a:lstStyle/>
+                    <a:p>
+                      <a:endParaRPr lang="en-US"/>
+                    </a:p>
+                  </a:txBody>
+                  <a:tcPr/>
+                </a:tc>
+                <a:tc hMerge="1">
+                  <a:txBody>
+                    <a:bodyPr/>
+                    <a:lstStyle/>
+                    <a:p>
+                      <a:endParaRPr lang="en-US"/>
+                    </a:p>
+                  </a:txBody>
+                  <a:tcPr/>
+                </a:tc>
+                <a:tc gridSpan="3">
+                  <a:txBody>
+                    <a:bodyPr/>
+                    <a:lstStyle/>
+                    <a:p>
+                      <a:pPr marL="0" marR="0" algn="ctr">
+                        <a:lnSpc>
+                          <a:spcPct val="107000"/>
+                        </a:lnSpc>
+                        <a:spcBef>
+                          <a:spcPts val="0"/>
+                        </a:spcBef>
+                        <a:spcAft>
+                          <a:spcPts val="0"/>
+                        </a:spcAft>
+                      </a:pPr>
+                      <a:r>
+                        <a:rPr lang="en-US" sz="1600">
+                          <a:effectLst/>
+                          <a:latin typeface="Times New Roman" charset="0"/>
+                          <a:ea typeface="Times New Roman" charset="0"/>
+                          <a:cs typeface="Times New Roman" charset="0"/>
+                        </a:rPr>
+                        <a:t>Speedup vs. Full</a:t>
+                      </a:r>
+                    </a:p>
+                  </a:txBody>
+                  <a:tcPr marL="68580" marR="68580" marT="0" marB="0"/>
+                </a:tc>
+                <a:tc hMerge="1">
+                  <a:txBody>
+                    <a:bodyPr/>
+                    <a:lstStyle/>
+                    <a:p>
+                      <a:endParaRPr lang="en-US"/>
+                    </a:p>
+                  </a:txBody>
+                  <a:tcPr/>
+                </a:tc>
+                <a:tc hMerge="1">
+                  <a:txBody>
+                    <a:bodyPr/>
+                    <a:lstStyle/>
+                    <a:p>
+                      <a:endParaRPr lang="en-US"/>
+                    </a:p>
+                  </a:txBody>
+                  <a:tcPr/>
+                </a:tc>
+                <a:extLst>
+                  <a:ext uri="{0D108BD9-81ED-4DB2-BD59-A6C34878D82A}">
+                    <a16:rowId xmlns:a16="http://schemas.microsoft.com/office/drawing/2014/main" val="10001"/>
+                  </a:ext>
+                </a:extLst>
+              </a:tr>
+              <a:tr h="512643">
+                <a:tc>
+                  <a:txBody>
+                    <a:bodyPr/>
+                    <a:lstStyle/>
+                    <a:p>
+                      <a:pPr marL="0" marR="0" algn="just">
+                        <a:lnSpc>
+                          <a:spcPct val="107000"/>
+                        </a:lnSpc>
+                        <a:spcBef>
+                          <a:spcPts val="0"/>
+                        </a:spcBef>
+                        <a:spcAft>
+                          <a:spcPts val="0"/>
+                        </a:spcAft>
+                      </a:pPr>
+                      <a:r>
+                        <a:rPr lang="en-US" sz="1600">
+                          <a:effectLst/>
+                          <a:latin typeface="Times New Roman" charset="0"/>
+                          <a:ea typeface="Times New Roman" charset="0"/>
+                          <a:cs typeface="Times New Roman" charset="0"/>
+                        </a:rPr>
+                        <a:t>k</a:t>
+                      </a:r>
+                    </a:p>
+                  </a:txBody>
+                  <a:tcPr marL="68580" marR="68580" marT="0" marB="0"/>
+                </a:tc>
+                <a:tc>
+                  <a:txBody>
+                    <a:bodyPr/>
+                    <a:lstStyle/>
+                    <a:p>
+                      <a:pPr marL="0" marR="0">
+                        <a:lnSpc>
+                          <a:spcPct val="107000"/>
+                        </a:lnSpc>
+                        <a:spcBef>
+                          <a:spcPts val="0"/>
+                        </a:spcBef>
+                        <a:spcAft>
+                          <a:spcPts val="0"/>
+                        </a:spcAft>
+                      </a:pPr>
+                      <a:r>
+                        <a:rPr lang="en-US" sz="1600" dirty="0">
+                          <a:effectLst/>
+                          <a:latin typeface="Times New Roman" charset="0"/>
+                          <a:ea typeface="Times New Roman" charset="0"/>
+                          <a:cs typeface="Times New Roman" charset="0"/>
+                        </a:rPr>
+                        <a:t>Data</a:t>
+                      </a:r>
+                    </a:p>
+                  </a:txBody>
+                  <a:tcPr marL="68580" marR="68580" marT="0" marB="0"/>
+                </a:tc>
+                <a:tc>
+                  <a:txBody>
+                    <a:bodyPr/>
+                    <a:lstStyle/>
+                    <a:p>
+                      <a:pPr marL="0" marR="0">
+                        <a:lnSpc>
+                          <a:spcPct val="107000"/>
+                        </a:lnSpc>
+                        <a:spcBef>
+                          <a:spcPts val="0"/>
+                        </a:spcBef>
+                        <a:spcAft>
+                          <a:spcPts val="0"/>
+                        </a:spcAft>
+                      </a:pPr>
+                      <a:r>
+                        <a:rPr lang="en-US" sz="1600">
+                          <a:effectLst/>
+                          <a:latin typeface="Times New Roman" charset="0"/>
+                          <a:ea typeface="Times New Roman" charset="0"/>
+                          <a:cs typeface="Times New Roman" charset="0"/>
+                        </a:rPr>
+                        <a:t>Method</a:t>
+                      </a:r>
+                    </a:p>
+                  </a:txBody>
+                  <a:tcPr marL="68580" marR="68580" marT="0" marB="0"/>
+                </a:tc>
+                <a:tc>
+                  <a:txBody>
+                    <a:bodyPr/>
+                    <a:lstStyle/>
+                    <a:p>
+                      <a:pPr marL="0" marR="0">
+                        <a:lnSpc>
+                          <a:spcPct val="107000"/>
+                        </a:lnSpc>
+                        <a:spcBef>
+                          <a:spcPts val="0"/>
+                        </a:spcBef>
+                        <a:spcAft>
+                          <a:spcPts val="0"/>
+                        </a:spcAft>
+                      </a:pPr>
+                      <a:r>
+                        <a:rPr lang="en-US" sz="1600">
+                          <a:effectLst/>
+                          <a:latin typeface="Times New Roman" charset="0"/>
+                          <a:ea typeface="Times New Roman" charset="0"/>
+                          <a:cs typeface="Times New Roman" charset="0"/>
+                        </a:rPr>
+                        <a:t>m = 1000</a:t>
+                      </a:r>
+                    </a:p>
+                  </a:txBody>
+                  <a:tcPr marL="68580" marR="68580" marT="0" marB="0"/>
+                </a:tc>
+                <a:tc>
+                  <a:txBody>
+                    <a:bodyPr/>
+                    <a:lstStyle/>
+                    <a:p>
+                      <a:pPr marL="0" marR="0">
+                        <a:lnSpc>
+                          <a:spcPct val="107000"/>
+                        </a:lnSpc>
+                        <a:spcBef>
+                          <a:spcPts val="0"/>
+                        </a:spcBef>
+                        <a:spcAft>
+                          <a:spcPts val="0"/>
+                        </a:spcAft>
+                      </a:pPr>
+                      <a:r>
+                        <a:rPr lang="en-US" sz="1600">
+                          <a:effectLst/>
+                          <a:latin typeface="Times New Roman" charset="0"/>
+                          <a:ea typeface="Times New Roman" charset="0"/>
+                          <a:cs typeface="Times New Roman" charset="0"/>
+                        </a:rPr>
+                        <a:t>m = 2000</a:t>
+                      </a:r>
+                    </a:p>
+                  </a:txBody>
+                  <a:tcPr marL="68580" marR="68580" marT="0" marB="0"/>
+                </a:tc>
+                <a:tc>
+                  <a:txBody>
+                    <a:bodyPr/>
+                    <a:lstStyle/>
+                    <a:p>
+                      <a:pPr marL="0" marR="0">
+                        <a:lnSpc>
+                          <a:spcPct val="107000"/>
+                        </a:lnSpc>
+                        <a:spcBef>
+                          <a:spcPts val="0"/>
+                        </a:spcBef>
+                        <a:spcAft>
+                          <a:spcPts val="0"/>
+                        </a:spcAft>
+                      </a:pPr>
+                      <a:r>
+                        <a:rPr lang="en-US" sz="1600">
+                          <a:effectLst/>
+                          <a:latin typeface="Times New Roman" charset="0"/>
+                          <a:ea typeface="Times New Roman" charset="0"/>
+                          <a:cs typeface="Times New Roman" charset="0"/>
+                        </a:rPr>
+                        <a:t>m = 5000</a:t>
+                      </a:r>
+                    </a:p>
+                  </a:txBody>
+                  <a:tcPr marL="68580" marR="68580" marT="0" marB="0"/>
+                </a:tc>
+                <a:tc>
+                  <a:txBody>
+                    <a:bodyPr/>
+                    <a:lstStyle/>
+                    <a:p>
+                      <a:pPr marL="0" marR="0">
+                        <a:lnSpc>
+                          <a:spcPct val="107000"/>
+                        </a:lnSpc>
+                        <a:spcBef>
+                          <a:spcPts val="0"/>
+                        </a:spcBef>
+                        <a:spcAft>
+                          <a:spcPts val="0"/>
+                        </a:spcAft>
+                      </a:pPr>
+                      <a:r>
+                        <a:rPr lang="en-US" sz="1600">
+                          <a:effectLst/>
+                          <a:latin typeface="Times New Roman" charset="0"/>
+                          <a:ea typeface="Times New Roman" charset="0"/>
+                          <a:cs typeface="Times New Roman" charset="0"/>
+                        </a:rPr>
+                        <a:t>m = 1000</a:t>
+                      </a:r>
+                    </a:p>
+                  </a:txBody>
+                  <a:tcPr marL="68580" marR="68580" marT="0" marB="0"/>
+                </a:tc>
+                <a:tc>
+                  <a:txBody>
+                    <a:bodyPr/>
+                    <a:lstStyle/>
+                    <a:p>
+                      <a:pPr marL="0" marR="0">
+                        <a:lnSpc>
+                          <a:spcPct val="107000"/>
+                        </a:lnSpc>
+                        <a:spcBef>
+                          <a:spcPts val="0"/>
+                        </a:spcBef>
+                        <a:spcAft>
+                          <a:spcPts val="0"/>
+                        </a:spcAft>
+                      </a:pPr>
+                      <a:r>
+                        <a:rPr lang="en-US" sz="1600">
+                          <a:effectLst/>
+                          <a:latin typeface="Times New Roman" charset="0"/>
+                          <a:ea typeface="Times New Roman" charset="0"/>
+                          <a:cs typeface="Times New Roman" charset="0"/>
+                        </a:rPr>
+                        <a:t>m = 2000</a:t>
+                      </a:r>
+                    </a:p>
+                  </a:txBody>
+                  <a:tcPr marL="68580" marR="68580" marT="0" marB="0"/>
+                </a:tc>
+                <a:tc>
+                  <a:txBody>
+                    <a:bodyPr/>
+                    <a:lstStyle/>
+                    <a:p>
+                      <a:pPr marL="0" marR="0">
+                        <a:lnSpc>
+                          <a:spcPct val="107000"/>
+                        </a:lnSpc>
+                        <a:spcBef>
+                          <a:spcPts val="0"/>
+                        </a:spcBef>
+                        <a:spcAft>
+                          <a:spcPts val="0"/>
+                        </a:spcAft>
+                      </a:pPr>
+                      <a:r>
+                        <a:rPr lang="en-US" sz="1600">
+                          <a:effectLst/>
+                          <a:latin typeface="Times New Roman" charset="0"/>
+                          <a:ea typeface="Times New Roman" charset="0"/>
+                          <a:cs typeface="Times New Roman" charset="0"/>
+                        </a:rPr>
+                        <a:t>m = 5000</a:t>
+                      </a:r>
+                    </a:p>
+                  </a:txBody>
+                  <a:tcPr marL="68580" marR="68580" marT="0" marB="0"/>
+                </a:tc>
+                <a:extLst>
+                  <a:ext uri="{0D108BD9-81ED-4DB2-BD59-A6C34878D82A}">
+                    <a16:rowId xmlns:a16="http://schemas.microsoft.com/office/drawing/2014/main" val="10002"/>
+                  </a:ext>
+                </a:extLst>
+              </a:tr>
+              <a:tr h="512643">
+                <a:tc rowSpan="2">
+                  <a:txBody>
+                    <a:bodyPr/>
+                    <a:lstStyle/>
+                    <a:p>
+                      <a:pPr marL="0" marR="0" algn="just">
+                        <a:lnSpc>
+                          <a:spcPct val="107000"/>
+                        </a:lnSpc>
+                        <a:spcBef>
+                          <a:spcPts val="0"/>
+                        </a:spcBef>
+                        <a:spcAft>
+                          <a:spcPts val="0"/>
+                        </a:spcAft>
+                      </a:pPr>
+                      <a:r>
+                        <a:rPr lang="en-US" sz="1600">
+                          <a:effectLst/>
+                          <a:latin typeface="Times New Roman" charset="0"/>
+                          <a:ea typeface="Times New Roman" charset="0"/>
+                          <a:cs typeface="Times New Roman" charset="0"/>
+                        </a:rPr>
+                        <a:t>100</a:t>
+                      </a:r>
+                    </a:p>
+                  </a:txBody>
+                  <a:tcPr marL="68580" marR="68580" marT="0" marB="0"/>
+                </a:tc>
+                <a:tc rowSpan="2">
+                  <a:txBody>
+                    <a:bodyPr/>
+                    <a:lstStyle/>
+                    <a:p>
+                      <a:pPr marL="0" marR="0">
+                        <a:lnSpc>
+                          <a:spcPct val="107000"/>
+                        </a:lnSpc>
+                        <a:spcBef>
+                          <a:spcPts val="0"/>
+                        </a:spcBef>
+                        <a:spcAft>
+                          <a:spcPts val="0"/>
+                        </a:spcAft>
+                      </a:pPr>
+                      <a:r>
+                        <a:rPr lang="en-US" sz="1600">
+                          <a:effectLst/>
+                          <a:latin typeface="Times New Roman" charset="0"/>
+                          <a:ea typeface="Times New Roman" charset="0"/>
+                          <a:cs typeface="Times New Roman" charset="0"/>
+                        </a:rPr>
+                        <a:t>KDD</a:t>
+                      </a:r>
+                    </a:p>
+                  </a:txBody>
+                  <a:tcPr marL="68580" marR="68580" marT="0" marB="0"/>
+                </a:tc>
+                <a:tc>
+                  <a:txBody>
+                    <a:bodyPr/>
+                    <a:lstStyle/>
+                    <a:p>
+                      <a:pPr marL="0" marR="0">
+                        <a:lnSpc>
+                          <a:spcPct val="107000"/>
+                        </a:lnSpc>
+                        <a:spcBef>
+                          <a:spcPts val="0"/>
+                        </a:spcBef>
+                        <a:spcAft>
+                          <a:spcPts val="0"/>
+                        </a:spcAft>
+                      </a:pPr>
+                      <a:r>
+                        <a:rPr lang="en-US" sz="1600" dirty="0">
+                          <a:effectLst/>
+                          <a:latin typeface="Times New Roman" charset="0"/>
+                          <a:ea typeface="Times New Roman" charset="0"/>
+                          <a:cs typeface="Times New Roman" charset="0"/>
+                        </a:rPr>
+                        <a:t>UNIFORM</a:t>
+                      </a:r>
+                    </a:p>
+                  </a:txBody>
+                  <a:tcPr marL="68580" marR="68580" marT="0" marB="0"/>
+                </a:tc>
+                <a:tc>
+                  <a:txBody>
+                    <a:bodyPr/>
+                    <a:lstStyle/>
+                    <a:p>
+                      <a:pPr marL="0" marR="0">
+                        <a:lnSpc>
+                          <a:spcPct val="107000"/>
+                        </a:lnSpc>
+                        <a:spcBef>
+                          <a:spcPts val="0"/>
+                        </a:spcBef>
+                        <a:spcAft>
+                          <a:spcPts val="0"/>
+                        </a:spcAft>
+                      </a:pPr>
+                      <a:r>
+                        <a:rPr lang="en-US" sz="1600" dirty="0">
+                          <a:effectLst/>
+                          <a:latin typeface="Times New Roman" charset="0"/>
+                          <a:ea typeface="Times New Roman" charset="0"/>
+                          <a:cs typeface="Times New Roman" charset="0"/>
+                        </a:rPr>
+                        <a:t>1.48(0.69)</a:t>
+                      </a:r>
+                    </a:p>
+                  </a:txBody>
+                  <a:tcPr marL="68580" marR="68580" marT="0" marB="0"/>
+                </a:tc>
+                <a:tc>
+                  <a:txBody>
+                    <a:bodyPr/>
+                    <a:lstStyle/>
+                    <a:p>
+                      <a:pPr marL="0" marR="0">
+                        <a:lnSpc>
+                          <a:spcPct val="107000"/>
+                        </a:lnSpc>
+                        <a:spcBef>
+                          <a:spcPts val="0"/>
+                        </a:spcBef>
+                        <a:spcAft>
+                          <a:spcPts val="0"/>
+                        </a:spcAft>
+                      </a:pPr>
+                      <a:r>
+                        <a:rPr lang="en-US" sz="1600" dirty="0">
+                          <a:effectLst/>
+                          <a:latin typeface="Times New Roman" charset="0"/>
+                          <a:ea typeface="Times New Roman" charset="0"/>
+                          <a:cs typeface="Times New Roman" charset="0"/>
+                        </a:rPr>
+                        <a:t>1.05(0.74)</a:t>
+                      </a:r>
+                    </a:p>
+                  </a:txBody>
+                  <a:tcPr marL="68580" marR="68580" marT="0" marB="0"/>
+                </a:tc>
+                <a:tc>
+                  <a:txBody>
+                    <a:bodyPr/>
+                    <a:lstStyle/>
+                    <a:p>
+                      <a:pPr marL="0" marR="0">
+                        <a:lnSpc>
+                          <a:spcPct val="107000"/>
+                        </a:lnSpc>
+                        <a:spcBef>
+                          <a:spcPts val="0"/>
+                        </a:spcBef>
+                        <a:spcAft>
+                          <a:spcPts val="0"/>
+                        </a:spcAft>
+                      </a:pPr>
+                      <a:r>
+                        <a:rPr lang="en-US" sz="1600" dirty="0">
+                          <a:effectLst/>
+                          <a:latin typeface="Times New Roman" charset="0"/>
+                          <a:ea typeface="Times New Roman" charset="0"/>
+                          <a:cs typeface="Times New Roman" charset="0"/>
+                        </a:rPr>
+                        <a:t>0.42(0.55)</a:t>
+                      </a:r>
+                    </a:p>
+                  </a:txBody>
+                  <a:tcPr marL="68580" marR="68580" marT="0" marB="0"/>
+                </a:tc>
+                <a:tc>
+                  <a:txBody>
+                    <a:bodyPr/>
+                    <a:lstStyle/>
+                    <a:p>
+                      <a:pPr marL="0" marR="0">
+                        <a:lnSpc>
+                          <a:spcPct val="107000"/>
+                        </a:lnSpc>
+                        <a:spcBef>
+                          <a:spcPts val="0"/>
+                        </a:spcBef>
+                        <a:spcAft>
+                          <a:spcPts val="0"/>
+                        </a:spcAft>
+                      </a:pPr>
+                      <a:r>
+                        <a:rPr lang="en-US" sz="1600">
+                          <a:effectLst/>
+                          <a:latin typeface="Times New Roman" charset="0"/>
+                          <a:ea typeface="Times New Roman" charset="0"/>
+                          <a:cs typeface="Times New Roman" charset="0"/>
+                        </a:rPr>
+                        <a:t>82</a:t>
+                      </a:r>
+                    </a:p>
+                  </a:txBody>
+                  <a:tcPr marL="68580" marR="68580" marT="0" marB="0"/>
+                </a:tc>
+                <a:tc>
+                  <a:txBody>
+                    <a:bodyPr/>
+                    <a:lstStyle/>
+                    <a:p>
+                      <a:pPr marL="0" marR="0">
+                        <a:lnSpc>
+                          <a:spcPct val="107000"/>
+                        </a:lnSpc>
+                        <a:spcBef>
+                          <a:spcPts val="0"/>
+                        </a:spcBef>
+                        <a:spcAft>
+                          <a:spcPts val="0"/>
+                        </a:spcAft>
+                      </a:pPr>
+                      <a:r>
+                        <a:rPr lang="en-US" sz="1600">
+                          <a:effectLst/>
+                          <a:latin typeface="Times New Roman" charset="0"/>
+                          <a:ea typeface="Times New Roman" charset="0"/>
+                          <a:cs typeface="Times New Roman" charset="0"/>
+                        </a:rPr>
+                        <a:t>21</a:t>
+                      </a:r>
+                    </a:p>
+                  </a:txBody>
+                  <a:tcPr marL="68580" marR="68580" marT="0" marB="0"/>
+                </a:tc>
+                <a:tc>
+                  <a:txBody>
+                    <a:bodyPr/>
+                    <a:lstStyle/>
+                    <a:p>
+                      <a:pPr marL="0" marR="0">
+                        <a:lnSpc>
+                          <a:spcPct val="107000"/>
+                        </a:lnSpc>
+                        <a:spcBef>
+                          <a:spcPts val="0"/>
+                        </a:spcBef>
+                        <a:spcAft>
+                          <a:spcPts val="0"/>
+                        </a:spcAft>
+                      </a:pPr>
+                      <a:r>
+                        <a:rPr lang="en-US" sz="1600">
+                          <a:effectLst/>
+                          <a:latin typeface="Times New Roman" charset="0"/>
+                          <a:ea typeface="Times New Roman" charset="0"/>
+                          <a:cs typeface="Times New Roman" charset="0"/>
+                        </a:rPr>
+                        <a:t>6</a:t>
+                      </a:r>
+                    </a:p>
+                  </a:txBody>
+                  <a:tcPr marL="68580" marR="68580" marT="0" marB="0"/>
+                </a:tc>
+                <a:extLst>
+                  <a:ext uri="{0D108BD9-81ED-4DB2-BD59-A6C34878D82A}">
+                    <a16:rowId xmlns:a16="http://schemas.microsoft.com/office/drawing/2014/main" val="10003"/>
+                  </a:ext>
+                </a:extLst>
+              </a:tr>
+              <a:tr h="512643">
+                <a:tc vMerge="1">
+                  <a:txBody>
+                    <a:bodyPr/>
+                    <a:lstStyle/>
+                    <a:p>
+                      <a:endParaRPr lang="en-US"/>
+                    </a:p>
+                  </a:txBody>
+                  <a:tcPr/>
+                </a:tc>
+                <a:tc vMerge="1">
+                  <a:txBody>
+                    <a:bodyPr/>
+                    <a:lstStyle/>
+                    <a:p>
+                      <a:endParaRPr lang="en-US"/>
+                    </a:p>
+                  </a:txBody>
+                  <a:tcPr/>
+                </a:tc>
+                <a:tc>
+                  <a:txBody>
+                    <a:bodyPr/>
+                    <a:lstStyle/>
+                    <a:p>
+                      <a:pPr marL="0" marR="0">
+                        <a:lnSpc>
+                          <a:spcPct val="107000"/>
+                        </a:lnSpc>
+                        <a:spcBef>
+                          <a:spcPts val="0"/>
+                        </a:spcBef>
+                        <a:spcAft>
+                          <a:spcPts val="0"/>
+                        </a:spcAft>
+                      </a:pPr>
+                      <a:r>
+                        <a:rPr lang="en-US" sz="1600">
+                          <a:effectLst/>
+                          <a:latin typeface="Times New Roman" charset="0"/>
+                          <a:ea typeface="Times New Roman" charset="0"/>
+                          <a:cs typeface="Times New Roman" charset="0"/>
+                        </a:rPr>
+                        <a:t>LWCS</a:t>
+                      </a:r>
+                    </a:p>
+                  </a:txBody>
+                  <a:tcPr marL="68580" marR="68580" marT="0" marB="0"/>
+                </a:tc>
+                <a:tc>
+                  <a:txBody>
+                    <a:bodyPr/>
+                    <a:lstStyle/>
+                    <a:p>
+                      <a:pPr marL="0" marR="0">
+                        <a:lnSpc>
+                          <a:spcPct val="107000"/>
+                        </a:lnSpc>
+                        <a:spcBef>
+                          <a:spcPts val="0"/>
+                        </a:spcBef>
+                        <a:spcAft>
+                          <a:spcPts val="0"/>
+                        </a:spcAft>
+                      </a:pPr>
+                      <a:r>
+                        <a:rPr lang="en-US" sz="1600" dirty="0">
+                          <a:effectLst/>
+                          <a:latin typeface="Times New Roman" charset="0"/>
+                          <a:ea typeface="Times New Roman" charset="0"/>
+                          <a:cs typeface="Times New Roman" charset="0"/>
+                        </a:rPr>
+                        <a:t>-0.24(0.01)</a:t>
+                      </a:r>
+                    </a:p>
+                  </a:txBody>
+                  <a:tcPr marL="68580" marR="68580" marT="0" marB="0"/>
+                </a:tc>
+                <a:tc>
+                  <a:txBody>
+                    <a:bodyPr/>
+                    <a:lstStyle/>
+                    <a:p>
+                      <a:pPr marL="0" marR="0">
+                        <a:lnSpc>
+                          <a:spcPct val="107000"/>
+                        </a:lnSpc>
+                        <a:spcBef>
+                          <a:spcPts val="0"/>
+                        </a:spcBef>
+                        <a:spcAft>
+                          <a:spcPts val="0"/>
+                        </a:spcAft>
+                      </a:pPr>
+                      <a:r>
+                        <a:rPr lang="en-US" sz="1600" dirty="0">
+                          <a:effectLst/>
+                          <a:latin typeface="Times New Roman" charset="0"/>
+                          <a:ea typeface="Times New Roman" charset="0"/>
+                          <a:cs typeface="Times New Roman" charset="0"/>
+                        </a:rPr>
+                        <a:t>-0.25(0.04)</a:t>
+                      </a:r>
+                    </a:p>
+                  </a:txBody>
+                  <a:tcPr marL="68580" marR="68580" marT="0" marB="0"/>
+                </a:tc>
+                <a:tc>
+                  <a:txBody>
+                    <a:bodyPr/>
+                    <a:lstStyle/>
+                    <a:p>
+                      <a:pPr marL="0" marR="0">
+                        <a:lnSpc>
+                          <a:spcPct val="107000"/>
+                        </a:lnSpc>
+                        <a:spcBef>
+                          <a:spcPts val="0"/>
+                        </a:spcBef>
+                        <a:spcAft>
+                          <a:spcPts val="0"/>
+                        </a:spcAft>
+                      </a:pPr>
+                      <a:r>
+                        <a:rPr lang="en-US" sz="1600" dirty="0">
+                          <a:effectLst/>
+                          <a:latin typeface="Times New Roman" charset="0"/>
+                          <a:ea typeface="Times New Roman" charset="0"/>
+                          <a:cs typeface="Times New Roman" charset="0"/>
+                        </a:rPr>
+                        <a:t>-0.18(0.12)</a:t>
+                      </a:r>
+                    </a:p>
+                  </a:txBody>
+                  <a:tcPr marL="68580" marR="68580" marT="0" marB="0"/>
+                </a:tc>
+                <a:tc>
+                  <a:txBody>
+                    <a:bodyPr/>
+                    <a:lstStyle/>
+                    <a:p>
+                      <a:pPr marL="0" marR="0">
+                        <a:lnSpc>
+                          <a:spcPct val="107000"/>
+                        </a:lnSpc>
+                        <a:spcBef>
+                          <a:spcPts val="0"/>
+                        </a:spcBef>
+                        <a:spcAft>
+                          <a:spcPts val="0"/>
+                        </a:spcAft>
+                      </a:pPr>
+                      <a:r>
+                        <a:rPr lang="en-US" sz="1600">
+                          <a:effectLst/>
+                          <a:latin typeface="Times New Roman" charset="0"/>
+                          <a:ea typeface="Times New Roman" charset="0"/>
+                          <a:cs typeface="Times New Roman" charset="0"/>
+                        </a:rPr>
+                        <a:t>22</a:t>
+                      </a:r>
+                    </a:p>
+                  </a:txBody>
+                  <a:tcPr marL="68580" marR="68580" marT="0" marB="0"/>
+                </a:tc>
+                <a:tc>
+                  <a:txBody>
+                    <a:bodyPr/>
+                    <a:lstStyle/>
+                    <a:p>
+                      <a:pPr marL="0" marR="0">
+                        <a:lnSpc>
+                          <a:spcPct val="107000"/>
+                        </a:lnSpc>
+                        <a:spcBef>
+                          <a:spcPts val="0"/>
+                        </a:spcBef>
+                        <a:spcAft>
+                          <a:spcPts val="0"/>
+                        </a:spcAft>
+                      </a:pPr>
+                      <a:r>
+                        <a:rPr lang="en-US" sz="1600">
+                          <a:effectLst/>
+                          <a:latin typeface="Times New Roman" charset="0"/>
+                          <a:ea typeface="Times New Roman" charset="0"/>
+                          <a:cs typeface="Times New Roman" charset="0"/>
+                        </a:rPr>
+                        <a:t>15</a:t>
+                      </a:r>
+                    </a:p>
+                  </a:txBody>
+                  <a:tcPr marL="68580" marR="68580" marT="0" marB="0"/>
+                </a:tc>
+                <a:tc>
+                  <a:txBody>
+                    <a:bodyPr/>
+                    <a:lstStyle/>
+                    <a:p>
+                      <a:pPr marL="0" marR="0">
+                        <a:lnSpc>
+                          <a:spcPct val="107000"/>
+                        </a:lnSpc>
+                        <a:spcBef>
+                          <a:spcPts val="0"/>
+                        </a:spcBef>
+                        <a:spcAft>
+                          <a:spcPts val="0"/>
+                        </a:spcAft>
+                      </a:pPr>
+                      <a:r>
+                        <a:rPr lang="en-US" sz="1600">
+                          <a:effectLst/>
+                          <a:latin typeface="Times New Roman" charset="0"/>
+                          <a:ea typeface="Times New Roman" charset="0"/>
+                          <a:cs typeface="Times New Roman" charset="0"/>
+                        </a:rPr>
+                        <a:t>6</a:t>
+                      </a:r>
+                    </a:p>
+                  </a:txBody>
+                  <a:tcPr marL="68580" marR="68580" marT="0" marB="0"/>
+                </a:tc>
+                <a:extLst>
+                  <a:ext uri="{0D108BD9-81ED-4DB2-BD59-A6C34878D82A}">
+                    <a16:rowId xmlns:a16="http://schemas.microsoft.com/office/drawing/2014/main" val="10004"/>
+                  </a:ext>
+                </a:extLst>
+              </a:tr>
+              <a:tr h="512643">
+                <a:tc rowSpan="2">
+                  <a:txBody>
+                    <a:bodyPr/>
+                    <a:lstStyle/>
+                    <a:p>
+                      <a:pPr marL="0" marR="0" algn="just">
+                        <a:lnSpc>
+                          <a:spcPct val="107000"/>
+                        </a:lnSpc>
+                        <a:spcBef>
+                          <a:spcPts val="0"/>
+                        </a:spcBef>
+                        <a:spcAft>
+                          <a:spcPts val="0"/>
+                        </a:spcAft>
+                      </a:pPr>
+                      <a:r>
+                        <a:rPr lang="en-US" sz="1600" dirty="0">
+                          <a:effectLst/>
+                          <a:latin typeface="Times New Roman" charset="0"/>
+                          <a:ea typeface="Times New Roman" charset="0"/>
+                          <a:cs typeface="Times New Roman" charset="0"/>
+                        </a:rPr>
+                        <a:t>500</a:t>
+                      </a:r>
+                    </a:p>
+                  </a:txBody>
+                  <a:tcPr marL="68580" marR="68580" marT="0" marB="0"/>
+                </a:tc>
+                <a:tc>
+                  <a:txBody>
+                    <a:bodyPr/>
+                    <a:lstStyle/>
+                    <a:p>
+                      <a:pPr marL="0" marR="0">
+                        <a:lnSpc>
+                          <a:spcPct val="107000"/>
+                        </a:lnSpc>
+                        <a:spcBef>
+                          <a:spcPts val="0"/>
+                        </a:spcBef>
+                        <a:spcAft>
+                          <a:spcPts val="0"/>
+                        </a:spcAft>
+                      </a:pPr>
+                      <a:r>
+                        <a:rPr lang="en-US" sz="1600">
+                          <a:effectLst/>
+                          <a:latin typeface="Times New Roman" charset="0"/>
+                          <a:ea typeface="Times New Roman" charset="0"/>
+                          <a:cs typeface="Times New Roman" charset="0"/>
+                        </a:rPr>
+                        <a:t>KDD</a:t>
+                      </a:r>
+                    </a:p>
+                  </a:txBody>
+                  <a:tcPr marL="68580" marR="68580" marT="0" marB="0"/>
+                </a:tc>
+                <a:tc>
+                  <a:txBody>
+                    <a:bodyPr/>
+                    <a:lstStyle/>
+                    <a:p>
+                      <a:pPr marL="0" marR="0">
+                        <a:lnSpc>
+                          <a:spcPct val="107000"/>
+                        </a:lnSpc>
+                        <a:spcBef>
+                          <a:spcPts val="0"/>
+                        </a:spcBef>
+                        <a:spcAft>
+                          <a:spcPts val="0"/>
+                        </a:spcAft>
+                      </a:pPr>
+                      <a:r>
+                        <a:rPr lang="en-US" sz="1600">
+                          <a:effectLst/>
+                          <a:latin typeface="Times New Roman" charset="0"/>
+                          <a:ea typeface="Times New Roman" charset="0"/>
+                          <a:cs typeface="Times New Roman" charset="0"/>
+                        </a:rPr>
+                        <a:t>UNIFORM</a:t>
+                      </a:r>
+                    </a:p>
+                  </a:txBody>
+                  <a:tcPr marL="68580" marR="68580" marT="0" marB="0"/>
+                </a:tc>
+                <a:tc>
+                  <a:txBody>
+                    <a:bodyPr/>
+                    <a:lstStyle/>
+                    <a:p>
+                      <a:pPr marL="0" marR="0">
+                        <a:lnSpc>
+                          <a:spcPct val="107000"/>
+                        </a:lnSpc>
+                        <a:spcBef>
+                          <a:spcPts val="0"/>
+                        </a:spcBef>
+                        <a:spcAft>
+                          <a:spcPts val="0"/>
+                        </a:spcAft>
+                      </a:pPr>
+                      <a:r>
+                        <a:rPr lang="en-US" sz="1600" dirty="0">
+                          <a:effectLst/>
+                          <a:latin typeface="Times New Roman" charset="0"/>
+                          <a:ea typeface="Times New Roman" charset="0"/>
+                          <a:cs typeface="Times New Roman" charset="0"/>
+                        </a:rPr>
+                        <a:t>1.40(1.04)</a:t>
+                      </a:r>
+                    </a:p>
+                  </a:txBody>
+                  <a:tcPr marL="68580" marR="68580" marT="0" marB="0"/>
+                </a:tc>
+                <a:tc>
+                  <a:txBody>
+                    <a:bodyPr/>
+                    <a:lstStyle/>
+                    <a:p>
+                      <a:pPr marL="0" marR="0">
+                        <a:lnSpc>
+                          <a:spcPct val="107000"/>
+                        </a:lnSpc>
+                        <a:spcBef>
+                          <a:spcPts val="0"/>
+                        </a:spcBef>
+                        <a:spcAft>
+                          <a:spcPts val="0"/>
+                        </a:spcAft>
+                      </a:pPr>
+                      <a:r>
+                        <a:rPr lang="en-US" sz="1600" dirty="0">
+                          <a:effectLst/>
+                          <a:latin typeface="Times New Roman" charset="0"/>
+                          <a:ea typeface="Times New Roman" charset="0"/>
+                          <a:cs typeface="Times New Roman" charset="0"/>
+                        </a:rPr>
+                        <a:t>1.60(0.93)</a:t>
+                      </a:r>
+                    </a:p>
+                  </a:txBody>
+                  <a:tcPr marL="68580" marR="68580" marT="0" marB="0"/>
+                </a:tc>
+                <a:tc>
+                  <a:txBody>
+                    <a:bodyPr/>
+                    <a:lstStyle/>
+                    <a:p>
+                      <a:pPr marL="0" marR="0">
+                        <a:lnSpc>
+                          <a:spcPct val="107000"/>
+                        </a:lnSpc>
+                        <a:spcBef>
+                          <a:spcPts val="0"/>
+                        </a:spcBef>
+                        <a:spcAft>
+                          <a:spcPts val="0"/>
+                        </a:spcAft>
+                      </a:pPr>
+                      <a:r>
+                        <a:rPr lang="en-US" sz="1600" dirty="0">
+                          <a:effectLst/>
+                          <a:latin typeface="Times New Roman" charset="0"/>
+                          <a:ea typeface="Times New Roman" charset="0"/>
+                          <a:cs typeface="Times New Roman" charset="0"/>
+                        </a:rPr>
+                        <a:t>0.35(0.55)</a:t>
+                      </a:r>
+                    </a:p>
+                  </a:txBody>
+                  <a:tcPr marL="68580" marR="68580" marT="0" marB="0"/>
+                </a:tc>
+                <a:tc>
+                  <a:txBody>
+                    <a:bodyPr/>
+                    <a:lstStyle/>
+                    <a:p>
+                      <a:pPr marL="0" marR="0">
+                        <a:lnSpc>
+                          <a:spcPct val="107000"/>
+                        </a:lnSpc>
+                        <a:spcBef>
+                          <a:spcPts val="0"/>
+                        </a:spcBef>
+                        <a:spcAft>
+                          <a:spcPts val="0"/>
+                        </a:spcAft>
+                      </a:pPr>
+                      <a:r>
+                        <a:rPr lang="en-US" sz="1600" dirty="0">
+                          <a:effectLst/>
+                          <a:latin typeface="Times New Roman" charset="0"/>
+                          <a:ea typeface="Times New Roman" charset="0"/>
+                          <a:cs typeface="Times New Roman" charset="0"/>
+                        </a:rPr>
+                        <a:t>2594</a:t>
+                      </a:r>
+                    </a:p>
+                  </a:txBody>
+                  <a:tcPr marL="68580" marR="68580" marT="0" marB="0"/>
+                </a:tc>
+                <a:tc>
+                  <a:txBody>
+                    <a:bodyPr/>
+                    <a:lstStyle/>
+                    <a:p>
+                      <a:pPr marL="0" marR="0">
+                        <a:lnSpc>
+                          <a:spcPct val="107000"/>
+                        </a:lnSpc>
+                        <a:spcBef>
+                          <a:spcPts val="0"/>
+                        </a:spcBef>
+                        <a:spcAft>
+                          <a:spcPts val="0"/>
+                        </a:spcAft>
+                      </a:pPr>
+                      <a:r>
+                        <a:rPr lang="en-US" sz="1600">
+                          <a:effectLst/>
+                          <a:latin typeface="Times New Roman" charset="0"/>
+                          <a:ea typeface="Times New Roman" charset="0"/>
+                          <a:cs typeface="Times New Roman" charset="0"/>
+                        </a:rPr>
+                        <a:t>1038</a:t>
+                      </a:r>
+                    </a:p>
+                  </a:txBody>
+                  <a:tcPr marL="68580" marR="68580" marT="0" marB="0"/>
+                </a:tc>
+                <a:tc>
+                  <a:txBody>
+                    <a:bodyPr/>
+                    <a:lstStyle/>
+                    <a:p>
+                      <a:pPr marL="0" marR="0">
+                        <a:lnSpc>
+                          <a:spcPct val="107000"/>
+                        </a:lnSpc>
+                        <a:spcBef>
+                          <a:spcPts val="0"/>
+                        </a:spcBef>
+                        <a:spcAft>
+                          <a:spcPts val="0"/>
+                        </a:spcAft>
+                      </a:pPr>
+                      <a:r>
+                        <a:rPr lang="en-US" sz="1600">
+                          <a:effectLst/>
+                          <a:latin typeface="Times New Roman" charset="0"/>
+                          <a:ea typeface="Times New Roman" charset="0"/>
+                          <a:cs typeface="Times New Roman" charset="0"/>
+                        </a:rPr>
+                        <a:t>203</a:t>
+                      </a:r>
+                    </a:p>
+                  </a:txBody>
+                  <a:tcPr marL="68580" marR="68580" marT="0" marB="0"/>
+                </a:tc>
+                <a:extLst>
+                  <a:ext uri="{0D108BD9-81ED-4DB2-BD59-A6C34878D82A}">
+                    <a16:rowId xmlns:a16="http://schemas.microsoft.com/office/drawing/2014/main" val="10005"/>
+                  </a:ext>
+                </a:extLst>
+              </a:tr>
+              <a:tr h="512643">
+                <a:tc vMerge="1">
+                  <a:txBody>
+                    <a:bodyPr/>
+                    <a:lstStyle/>
+                    <a:p>
+                      <a:endParaRPr lang="en-US"/>
+                    </a:p>
+                  </a:txBody>
+                  <a:tcPr/>
+                </a:tc>
+                <a:tc>
+                  <a:txBody>
+                    <a:bodyPr/>
+                    <a:lstStyle/>
+                    <a:p>
+                      <a:pPr marL="0" marR="0">
+                        <a:lnSpc>
+                          <a:spcPct val="107000"/>
+                        </a:lnSpc>
+                        <a:spcBef>
+                          <a:spcPts val="0"/>
+                        </a:spcBef>
+                        <a:spcAft>
+                          <a:spcPts val="0"/>
+                        </a:spcAft>
+                      </a:pPr>
+                      <a:r>
+                        <a:rPr lang="en-US" sz="1600">
+                          <a:effectLst/>
+                          <a:latin typeface="Times New Roman" charset="0"/>
+                          <a:ea typeface="Times New Roman" charset="0"/>
+                          <a:cs typeface="Times New Roman" charset="0"/>
+                        </a:rPr>
+                        <a:t> </a:t>
+                      </a:r>
+                    </a:p>
+                  </a:txBody>
+                  <a:tcPr marL="68580" marR="68580" marT="0" marB="0"/>
+                </a:tc>
+                <a:tc>
+                  <a:txBody>
+                    <a:bodyPr/>
+                    <a:lstStyle/>
+                    <a:p>
+                      <a:pPr marL="0" marR="0">
+                        <a:lnSpc>
+                          <a:spcPct val="107000"/>
+                        </a:lnSpc>
+                        <a:spcBef>
+                          <a:spcPts val="0"/>
+                        </a:spcBef>
+                        <a:spcAft>
+                          <a:spcPts val="0"/>
+                        </a:spcAft>
+                      </a:pPr>
+                      <a:r>
+                        <a:rPr lang="en-US" sz="1600">
+                          <a:effectLst/>
+                          <a:latin typeface="Times New Roman" charset="0"/>
+                          <a:ea typeface="Times New Roman" charset="0"/>
+                          <a:cs typeface="Times New Roman" charset="0"/>
+                        </a:rPr>
+                        <a:t>LWCS</a:t>
+                      </a:r>
+                    </a:p>
+                  </a:txBody>
+                  <a:tcPr marL="68580" marR="68580" marT="0" marB="0"/>
+                </a:tc>
+                <a:tc>
+                  <a:txBody>
+                    <a:bodyPr/>
+                    <a:lstStyle/>
+                    <a:p>
+                      <a:pPr marL="0" marR="0">
+                        <a:lnSpc>
+                          <a:spcPct val="107000"/>
+                        </a:lnSpc>
+                        <a:spcBef>
+                          <a:spcPts val="0"/>
+                        </a:spcBef>
+                        <a:spcAft>
+                          <a:spcPts val="0"/>
+                        </a:spcAft>
+                      </a:pPr>
+                      <a:r>
+                        <a:rPr lang="en-US" sz="1600" dirty="0">
+                          <a:effectLst/>
+                          <a:latin typeface="Times New Roman" charset="0"/>
+                          <a:ea typeface="Times New Roman" charset="0"/>
+                          <a:cs typeface="Times New Roman" charset="0"/>
+                        </a:rPr>
+                        <a:t>-0.33(0.01)</a:t>
+                      </a:r>
+                    </a:p>
+                  </a:txBody>
+                  <a:tcPr marL="68580" marR="68580" marT="0" marB="0"/>
+                </a:tc>
+                <a:tc>
+                  <a:txBody>
+                    <a:bodyPr/>
+                    <a:lstStyle/>
+                    <a:p>
+                      <a:pPr marL="0" marR="0">
+                        <a:lnSpc>
+                          <a:spcPct val="107000"/>
+                        </a:lnSpc>
+                        <a:spcBef>
+                          <a:spcPts val="0"/>
+                        </a:spcBef>
+                        <a:spcAft>
+                          <a:spcPts val="0"/>
+                        </a:spcAft>
+                      </a:pPr>
+                      <a:r>
+                        <a:rPr lang="en-US" sz="1600" dirty="0">
+                          <a:effectLst/>
+                          <a:latin typeface="Times New Roman" charset="0"/>
+                          <a:ea typeface="Times New Roman" charset="0"/>
+                          <a:cs typeface="Times New Roman" charset="0"/>
+                        </a:rPr>
+                        <a:t>-0.35(0.01)</a:t>
+                      </a:r>
+                    </a:p>
+                  </a:txBody>
+                  <a:tcPr marL="68580" marR="68580" marT="0" marB="0"/>
+                </a:tc>
+                <a:tc>
+                  <a:txBody>
+                    <a:bodyPr/>
+                    <a:lstStyle/>
+                    <a:p>
+                      <a:pPr marL="0" marR="0">
+                        <a:lnSpc>
+                          <a:spcPct val="107000"/>
+                        </a:lnSpc>
+                        <a:spcBef>
+                          <a:spcPts val="0"/>
+                        </a:spcBef>
+                        <a:spcAft>
+                          <a:spcPts val="0"/>
+                        </a:spcAft>
+                      </a:pPr>
+                      <a:r>
+                        <a:rPr lang="en-US" sz="1600" dirty="0">
+                          <a:effectLst/>
+                          <a:latin typeface="Times New Roman" charset="0"/>
+                          <a:ea typeface="Times New Roman" charset="0"/>
+                          <a:cs typeface="Times New Roman" charset="0"/>
+                        </a:rPr>
+                        <a:t>-0.35(0.01)</a:t>
+                      </a:r>
+                    </a:p>
+                  </a:txBody>
+                  <a:tcPr marL="68580" marR="68580" marT="0" marB="0"/>
+                </a:tc>
+                <a:tc>
+                  <a:txBody>
+                    <a:bodyPr/>
+                    <a:lstStyle/>
+                    <a:p>
+                      <a:pPr marL="0" marR="0">
+                        <a:lnSpc>
+                          <a:spcPct val="107000"/>
+                        </a:lnSpc>
+                        <a:spcBef>
+                          <a:spcPts val="0"/>
+                        </a:spcBef>
+                        <a:spcAft>
+                          <a:spcPts val="0"/>
+                        </a:spcAft>
+                      </a:pPr>
+                      <a:r>
+                        <a:rPr lang="en-US" sz="1600">
+                          <a:effectLst/>
+                          <a:latin typeface="Times New Roman" charset="0"/>
+                          <a:ea typeface="Times New Roman" charset="0"/>
+                          <a:cs typeface="Times New Roman" charset="0"/>
+                        </a:rPr>
+                        <a:t>39</a:t>
+                      </a:r>
+                    </a:p>
+                  </a:txBody>
+                  <a:tcPr marL="68580" marR="68580" marT="0" marB="0"/>
+                </a:tc>
+                <a:tc>
+                  <a:txBody>
+                    <a:bodyPr/>
+                    <a:lstStyle/>
+                    <a:p>
+                      <a:pPr marL="0" marR="0">
+                        <a:lnSpc>
+                          <a:spcPct val="107000"/>
+                        </a:lnSpc>
+                        <a:spcBef>
+                          <a:spcPts val="0"/>
+                        </a:spcBef>
+                        <a:spcAft>
+                          <a:spcPts val="0"/>
+                        </a:spcAft>
+                      </a:pPr>
+                      <a:r>
+                        <a:rPr lang="en-US" sz="1600" dirty="0">
+                          <a:effectLst/>
+                          <a:latin typeface="Times New Roman" charset="0"/>
+                          <a:ea typeface="Times New Roman" charset="0"/>
+                          <a:cs typeface="Times New Roman" charset="0"/>
+                        </a:rPr>
+                        <a:t>23</a:t>
+                      </a:r>
+                    </a:p>
+                  </a:txBody>
+                  <a:tcPr marL="68580" marR="68580" marT="0" marB="0"/>
+                </a:tc>
+                <a:tc>
+                  <a:txBody>
+                    <a:bodyPr/>
+                    <a:lstStyle/>
+                    <a:p>
+                      <a:pPr marL="0" marR="0">
+                        <a:lnSpc>
+                          <a:spcPct val="107000"/>
+                        </a:lnSpc>
+                        <a:spcBef>
+                          <a:spcPts val="0"/>
+                        </a:spcBef>
+                        <a:spcAft>
+                          <a:spcPts val="0"/>
+                        </a:spcAft>
+                      </a:pPr>
+                      <a:r>
+                        <a:rPr lang="en-US" sz="1600" dirty="0">
+                          <a:effectLst/>
+                          <a:latin typeface="Times New Roman" charset="0"/>
+                          <a:ea typeface="Times New Roman" charset="0"/>
+                          <a:cs typeface="Times New Roman" charset="0"/>
+                        </a:rPr>
+                        <a:t>10</a:t>
+                      </a:r>
+                    </a:p>
+                  </a:txBody>
+                  <a:tcPr marL="68580" marR="68580" marT="0" marB="0"/>
+                </a:tc>
+                <a:extLst>
+                  <a:ext uri="{0D108BD9-81ED-4DB2-BD59-A6C34878D82A}">
+                    <a16:rowId xmlns:a16="http://schemas.microsoft.com/office/drawing/2014/main" val="10006"/>
+                  </a:ext>
+                </a:extLst>
+              </a:tr>
+            </a:tbl>
+          </a:graphicData>
+        </a:graphic>
+      </p:graphicFrame>
+    </p:spTree>
+    <p:extLst>
+      <p:ext uri="{BB962C8B-B14F-4D97-AF65-F5344CB8AC3E}">
+        <p14:creationId xmlns:p14="http://schemas.microsoft.com/office/powerpoint/2010/main" val="2911418956"/>
+      </p:ext>
+    </p:extLst>
+  </p:cSld>
+  <p:clrMapOvr>
+    <a:masterClrMapping/>
+  </p:clrMapOvr>
+</p:sld>
+</file>
+
+<file path=ppt/slides/slide14.xml><?xml version="1.0" encoding="utf-8"?>
+<p:sld xmlns:a="http://schemas.openxmlformats.org/drawingml/2006/main" xmlns:r="http://schemas.openxmlformats.org/officeDocument/2006/relationships" xmlns:p="http://schemas.openxmlformats.org/presentationml/2006/main">
+  <p:cSld>
+    <p:spTree>
+      <p:nvGrpSpPr>
+        <p:cNvPr id="1" name=""/>
+        <p:cNvGrpSpPr/>
+        <p:nvPr/>
+      </p:nvGrpSpPr>
+      <p:grpSpPr>
+        <a:xfrm>
+          <a:off x="0" y="0"/>
+          <a:ext cx="0" cy="0"/>
+          <a:chOff x="0" y="0"/>
+          <a:chExt cx="0" cy="0"/>
+        </a:xfrm>
+      </p:grpSpPr>
       <p:sp>
         <p:nvSpPr>
           <p:cNvPr id="4" name="Title 1">
@@ -6710,7 +11486,187 @@
           <a:lstStyle/>
           <a:p>
             <a:pPr algn="l"/>
-            <a:endParaRPr lang="en-US" sz="3200" dirty="0"/>
+            <a:r>
+              <a:rPr lang="en-US" sz="3200" dirty="0"/>
+              <a:t>Conclusions</a:t>
+            </a:r>
+          </a:p>
+        </p:txBody>
+      </p:sp>
+      <p:sp>
+        <p:nvSpPr>
+          <p:cNvPr id="5" name="Rectangle 4"/>
+          <p:cNvSpPr/>
+          <p:nvPr/>
+        </p:nvSpPr>
+        <p:spPr>
+          <a:xfrm>
+            <a:off x="1696064" y="1752139"/>
+            <a:ext cx="9955162" cy="4011226"/>
+          </a:xfrm>
+          <a:prstGeom prst="rect">
+            <a:avLst/>
+          </a:prstGeom>
+        </p:spPr>
+        <p:txBody>
+          <a:bodyPr wrap="square">
+            <a:spAutoFit/>
+          </a:bodyPr>
+          <a:lstStyle/>
+          <a:p>
+            <a:pPr marL="342900" marR="0" lvl="0" indent="-342900">
+              <a:lnSpc>
+                <a:spcPct val="107000"/>
+              </a:lnSpc>
+              <a:spcBef>
+                <a:spcPts val="0"/>
+              </a:spcBef>
+              <a:spcAft>
+                <a:spcPts val="0"/>
+              </a:spcAft>
+              <a:buFont typeface="Symbol" charset="2"/>
+              <a:buChar char=""/>
+            </a:pPr>
+            <a:endParaRPr lang="en-US" dirty="0">
+              <a:latin typeface="Calibri" charset="0"/>
+              <a:ea typeface="等线" charset="-122"/>
+              <a:cs typeface="Calibri" charset="0"/>
+            </a:endParaRPr>
+          </a:p>
+          <a:p>
+            <a:pPr marL="342900" marR="0" lvl="0" indent="-342900">
+              <a:lnSpc>
+                <a:spcPct val="107000"/>
+              </a:lnSpc>
+              <a:spcBef>
+                <a:spcPts val="0"/>
+              </a:spcBef>
+              <a:spcAft>
+                <a:spcPts val="0"/>
+              </a:spcAft>
+              <a:buFont typeface="Symbol" charset="2"/>
+              <a:buChar char=""/>
+            </a:pPr>
+            <a:r>
+              <a:rPr lang="en-US" sz="2000" dirty="0">
+                <a:latin typeface="Calibri" charset="0"/>
+                <a:ea typeface="等线" charset="-122"/>
+                <a:cs typeface="Calibri" charset="0"/>
+              </a:rPr>
+              <a:t>The CS method takes a long time to generate the </a:t>
+            </a:r>
+            <a:r>
+              <a:rPr lang="en-US" sz="2000" dirty="0" err="1">
+                <a:latin typeface="Calibri" charset="0"/>
+                <a:ea typeface="等线" charset="-122"/>
+                <a:cs typeface="Calibri" charset="0"/>
+              </a:rPr>
+              <a:t>coresets</a:t>
+            </a:r>
+            <a:r>
+              <a:rPr lang="en-US" sz="2000" dirty="0">
+                <a:latin typeface="Calibri" charset="0"/>
+                <a:ea typeface="等线" charset="-122"/>
+                <a:cs typeface="Calibri" charset="0"/>
+              </a:rPr>
+              <a:t> which largely limits its usage in practice. It might still be useful when memory is the bottleneck for performing clustering methods. A potential improvement can be implement CS algorithm in parallel. Due to time limitations, we didn’t do that in this project.</a:t>
+            </a:r>
+          </a:p>
+          <a:p>
+            <a:pPr marL="342900" marR="0" lvl="0" indent="-342900">
+              <a:lnSpc>
+                <a:spcPct val="107000"/>
+              </a:lnSpc>
+              <a:spcBef>
+                <a:spcPts val="0"/>
+              </a:spcBef>
+              <a:spcAft>
+                <a:spcPts val="0"/>
+              </a:spcAft>
+              <a:buFont typeface="Symbol" charset="2"/>
+              <a:buChar char=""/>
+            </a:pPr>
+            <a:endParaRPr lang="en-US" sz="2000" dirty="0">
+              <a:latin typeface="Calibri" charset="0"/>
+              <a:ea typeface="等线" charset="-122"/>
+              <a:cs typeface="Calibri" charset="0"/>
+            </a:endParaRPr>
+          </a:p>
+          <a:p>
+            <a:pPr marL="342900" marR="0" lvl="0" indent="-342900">
+              <a:lnSpc>
+                <a:spcPct val="107000"/>
+              </a:lnSpc>
+              <a:spcBef>
+                <a:spcPts val="0"/>
+              </a:spcBef>
+              <a:spcAft>
+                <a:spcPts val="0"/>
+              </a:spcAft>
+              <a:buFont typeface="Symbol" charset="2"/>
+              <a:buChar char=""/>
+            </a:pPr>
+            <a:r>
+              <a:rPr lang="en-US" sz="2000" dirty="0">
+                <a:latin typeface="Calibri" charset="0"/>
+                <a:ea typeface="等线" charset="-122"/>
+                <a:cs typeface="Calibri" charset="0"/>
+              </a:rPr>
+              <a:t>The UNIFORM method provides the best speedup, but its performances depends on different datasets.</a:t>
+            </a:r>
+            <a:r>
+              <a:rPr lang="en-US" sz="2000" dirty="0"/>
+              <a:t> If a dataset has a small fraction of points that have a large impact on the objective function, the UNIFORM method is likely to perform poorly.</a:t>
+            </a:r>
+          </a:p>
+          <a:p>
+            <a:pPr marL="342900" marR="0" lvl="0" indent="-342900">
+              <a:lnSpc>
+                <a:spcPct val="107000"/>
+              </a:lnSpc>
+              <a:spcBef>
+                <a:spcPts val="0"/>
+              </a:spcBef>
+              <a:spcAft>
+                <a:spcPts val="0"/>
+              </a:spcAft>
+              <a:buFont typeface="Symbol" charset="2"/>
+              <a:buChar char=""/>
+            </a:pPr>
+            <a:endParaRPr lang="en-US" sz="2000" dirty="0">
+              <a:latin typeface="Calibri" charset="0"/>
+              <a:ea typeface="等线" charset="-122"/>
+              <a:cs typeface="Calibri" charset="0"/>
+            </a:endParaRPr>
+          </a:p>
+          <a:p>
+            <a:pPr marL="342900" marR="0" lvl="0" indent="-342900">
+              <a:lnSpc>
+                <a:spcPct val="107000"/>
+              </a:lnSpc>
+              <a:spcBef>
+                <a:spcPts val="0"/>
+              </a:spcBef>
+              <a:spcAft>
+                <a:spcPts val="800"/>
+              </a:spcAft>
+              <a:buFont typeface="Symbol" charset="2"/>
+              <a:buChar char=""/>
+            </a:pPr>
+            <a:r>
+              <a:rPr lang="en-US" sz="2000" dirty="0">
+                <a:latin typeface="Calibri" charset="0"/>
+                <a:ea typeface="等线" charset="-122"/>
+                <a:cs typeface="Calibri" charset="0"/>
+              </a:rPr>
+              <a:t>The LWCS gives the best performance in general. It gives noticeable speedup compared with full dataset. And the relative errors are smaller than UNIFORM.</a:t>
+            </a:r>
+            <a:endParaRPr lang="en-US" sz="2000" dirty="0">
+              <a:effectLst/>
+              <a:latin typeface="Calibri" charset="0"/>
+              <a:ea typeface="等线" charset="-122"/>
+              <a:cs typeface="Calibri" charset="0"/>
+            </a:endParaRPr>
           </a:p>
         </p:txBody>
       </p:sp>
@@ -6718,6 +11674,65 @@
     <p:extLst>
       <p:ext uri="{BB962C8B-B14F-4D97-AF65-F5344CB8AC3E}">
         <p14:creationId xmlns:p14="http://schemas.microsoft.com/office/powerpoint/2010/main" val="3643540901"/>
+      </p:ext>
+    </p:extLst>
+  </p:cSld>
+  <p:clrMapOvr>
+    <a:masterClrMapping/>
+  </p:clrMapOvr>
+</p:sld>
+</file>
+
+<file path=ppt/slides/slide15.xml><?xml version="1.0" encoding="utf-8"?>
+<p:sld xmlns:a="http://schemas.openxmlformats.org/drawingml/2006/main" xmlns:r="http://schemas.openxmlformats.org/officeDocument/2006/relationships" xmlns:p="http://schemas.openxmlformats.org/presentationml/2006/main">
+  <p:cSld>
+    <p:spTree>
+      <p:nvGrpSpPr>
+        <p:cNvPr id="1" name=""/>
+        <p:cNvGrpSpPr/>
+        <p:nvPr/>
+      </p:nvGrpSpPr>
+      <p:grpSpPr>
+        <a:xfrm>
+          <a:off x="0" y="0"/>
+          <a:ext cx="0" cy="0"/>
+          <a:chOff x="0" y="0"/>
+          <a:chExt cx="0" cy="0"/>
+        </a:xfrm>
+      </p:grpSpPr>
+      <p:sp>
+        <p:nvSpPr>
+          <p:cNvPr id="2" name="Title 1"/>
+          <p:cNvSpPr>
+            <a:spLocks noGrp="1"/>
+          </p:cNvSpPr>
+          <p:nvPr>
+            <p:ph type="title"/>
+          </p:nvPr>
+        </p:nvSpPr>
+        <p:spPr>
+          <a:xfrm>
+            <a:off x="1395821" y="2558845"/>
+            <a:ext cx="10018713" cy="1752599"/>
+          </a:xfrm>
+        </p:spPr>
+        <p:txBody>
+          <a:bodyPr>
+            <a:normAutofit/>
+          </a:bodyPr>
+          <a:lstStyle/>
+          <a:p>
+            <a:r>
+              <a:rPr lang="en-US" sz="6600" dirty="0"/>
+              <a:t>Thank you!</a:t>
+            </a:r>
+          </a:p>
+        </p:txBody>
+      </p:sp>
+    </p:spTree>
+    <p:extLst>
+      <p:ext uri="{BB962C8B-B14F-4D97-AF65-F5344CB8AC3E}">
+        <p14:creationId xmlns:p14="http://schemas.microsoft.com/office/powerpoint/2010/main" val="698090051"/>
       </p:ext>
     </p:extLst>
   </p:cSld>
@@ -7005,8 +12020,8 @@
           <a:chExt cx="0" cy="0"/>
         </a:xfrm>
       </p:grpSpPr>
-      <mc:AlternateContent xmlns:mc="http://schemas.openxmlformats.org/markup-compatibility/2006">
-        <mc:Choice xmlns:a14="http://schemas.microsoft.com/office/drawing/2010/main" Requires="a14">
+      <mc:AlternateContent xmlns:mc="http://schemas.openxmlformats.org/markup-compatibility/2006" xmlns:a14="http://schemas.microsoft.com/office/drawing/2010/main">
+        <mc:Choice Requires="a14">
           <p:sp>
             <p:nvSpPr>
               <p:cNvPr id="3" name="Content Placeholder 2">
@@ -7040,28 +12055,38 @@
                 <a14:m>
                   <m:oMath xmlns:m="http://schemas.openxmlformats.org/officeDocument/2006/math">
                     <m:r>
-                      <a:rPr lang="en-US" i="1"/>
+                      <a:rPr lang="en-US" i="1">
+                        <a:latin typeface="Cambria Math" charset="0"/>
+                      </a:rPr>
                       <m:t>𝑂</m:t>
                     </m:r>
                     <m:r>
-                      <a:rPr lang="en-US"/>
+                      <a:rPr lang="en-US">
+                        <a:latin typeface="Cambria Math" charset="0"/>
+                      </a:rPr>
                       <m:t>(</m:t>
                     </m:r>
                     <m:f>
                       <m:fPr>
                         <m:ctrlPr>
-                          <a:rPr lang="en-US" i="1"/>
+                          <a:rPr lang="en-US" i="1">
+                            <a:latin typeface="Cambria Math" panose="02040503050406030204" pitchFamily="18" charset="0"/>
+                          </a:rPr>
                         </m:ctrlPr>
                       </m:fPr>
                       <m:num>
                         <m:r>
-                          <a:rPr lang="en-US" i="1"/>
+                          <a:rPr lang="en-US" i="1">
+                            <a:latin typeface="Cambria Math" charset="0"/>
+                          </a:rPr>
                           <m:t>𝑑𝑘</m:t>
                         </m:r>
                         <m:func>
                           <m:funcPr>
                             <m:ctrlPr>
-                              <a:rPr lang="en-US" i="1"/>
+                              <a:rPr lang="en-US" i="1">
+                                <a:latin typeface="Cambria Math" panose="02040503050406030204" pitchFamily="18" charset="0"/>
+                              </a:rPr>
                             </m:ctrlPr>
                           </m:funcPr>
                           <m:fName>
@@ -7069,25 +12094,33 @@
                               <m:rPr>
                                 <m:sty m:val="p"/>
                               </m:rPr>
-                              <a:rPr lang="en-US"/>
+                              <a:rPr lang="en-US">
+                                <a:latin typeface="Cambria Math" charset="0"/>
+                              </a:rPr>
                               <m:t>log</m:t>
                             </m:r>
                           </m:fName>
                           <m:e>
                             <m:r>
-                              <a:rPr lang="en-US" i="1"/>
+                              <a:rPr lang="en-US" i="1">
+                                <a:latin typeface="Cambria Math" charset="0"/>
+                              </a:rPr>
                               <m:t>𝑘</m:t>
                             </m:r>
                           </m:e>
                         </m:func>
                         <m:r>
-                          <a:rPr lang="en-US"/>
+                          <a:rPr lang="en-US">
+                            <a:latin typeface="Cambria Math" charset="0"/>
+                          </a:rPr>
                           <m:t>+</m:t>
                         </m:r>
                         <m:func>
                           <m:funcPr>
                             <m:ctrlPr>
-                              <a:rPr lang="en-US" i="1"/>
+                              <a:rPr lang="en-US" i="1">
+                                <a:latin typeface="Cambria Math" panose="02040503050406030204" pitchFamily="18" charset="0"/>
+                              </a:rPr>
                             </m:ctrlPr>
                           </m:funcPr>
                           <m:fName>
@@ -7095,7 +12128,9 @@
                               <m:rPr>
                                 <m:sty m:val="p"/>
                               </m:rPr>
-                              <a:rPr lang="en-US"/>
+                              <a:rPr lang="en-US">
+                                <a:latin typeface="Cambria Math" charset="0"/>
+                              </a:rPr>
                               <m:t>log</m:t>
                             </m:r>
                           </m:fName>
@@ -7103,18 +12138,24 @@
                             <m:f>
                               <m:fPr>
                                 <m:ctrlPr>
-                                  <a:rPr lang="en-US" i="1"/>
+                                  <a:rPr lang="en-US" i="1">
+                                    <a:latin typeface="Cambria Math" panose="02040503050406030204" pitchFamily="18" charset="0"/>
+                                  </a:rPr>
                                 </m:ctrlPr>
                               </m:fPr>
                               <m:num>
                                 <m:r>
-                                  <a:rPr lang="en-US"/>
+                                  <a:rPr lang="en-US">
+                                    <a:latin typeface="Cambria Math" charset="0"/>
+                                  </a:rPr>
                                   <m:t>1</m:t>
                                 </m:r>
                               </m:num>
                               <m:den>
                                 <m:r>
-                                  <a:rPr lang="en-US" i="1"/>
+                                  <a:rPr lang="en-US" i="1">
+                                    <a:latin typeface="Cambria Math" charset="0"/>
+                                  </a:rPr>
                                   <m:t>𝛿</m:t>
                                 </m:r>
                               </m:den>
@@ -7126,18 +12167,24 @@
                         <m:sSup>
                           <m:sSupPr>
                             <m:ctrlPr>
-                              <a:rPr lang="en-US" i="1"/>
+                              <a:rPr lang="en-US" i="1">
+                                <a:latin typeface="Cambria Math" panose="02040503050406030204" pitchFamily="18" charset="0"/>
+                              </a:rPr>
                             </m:ctrlPr>
                           </m:sSupPr>
                           <m:e>
                             <m:r>
-                              <a:rPr lang="en-US" i="1"/>
+                              <a:rPr lang="en-US" i="1">
+                                <a:latin typeface="Cambria Math" charset="0"/>
+                              </a:rPr>
                               <m:t>𝜖</m:t>
                             </m:r>
                           </m:e>
                           <m:sup>
                             <m:r>
-                              <a:rPr lang="en-US"/>
+                              <a:rPr lang="en-US">
+                                <a:latin typeface="Cambria Math" charset="0"/>
+                              </a:rPr>
                               <m:t>2</m:t>
                             </m:r>
                           </m:sup>
@@ -7145,7 +12192,9 @@
                       </m:den>
                     </m:f>
                     <m:r>
-                      <a:rPr lang="en-US"/>
+                      <a:rPr lang="en-US">
+                        <a:latin typeface="Cambria Math" charset="0"/>
+                      </a:rPr>
                       <m:t>)</m:t>
                     </m:r>
                   </m:oMath>
@@ -7157,28 +12206,38 @@
                 <a14:m>
                   <m:oMath xmlns:m="http://schemas.openxmlformats.org/officeDocument/2006/math">
                     <m:r>
-                      <a:rPr lang="en-US" i="1"/>
+                      <a:rPr lang="en-US" i="1">
+                        <a:latin typeface="Cambria Math" charset="0"/>
+                      </a:rPr>
                       <m:t>𝑂</m:t>
                     </m:r>
                     <m:r>
-                      <a:rPr lang="en-US"/>
+                      <a:rPr lang="en-US">
+                        <a:latin typeface="Cambria Math" charset="0"/>
+                      </a:rPr>
                       <m:t>(</m:t>
                     </m:r>
                     <m:f>
                       <m:fPr>
                         <m:ctrlPr>
-                          <a:rPr lang="en-US" i="1"/>
+                          <a:rPr lang="en-US" i="1">
+                            <a:latin typeface="Cambria Math" panose="02040503050406030204" pitchFamily="18" charset="0"/>
+                          </a:rPr>
                         </m:ctrlPr>
                       </m:fPr>
                       <m:num>
                         <m:r>
-                          <a:rPr lang="en-US" i="1"/>
+                          <a:rPr lang="en-US" i="1">
+                            <a:latin typeface="Cambria Math" charset="0"/>
+                          </a:rPr>
                           <m:t>𝑑𝑘</m:t>
                         </m:r>
                         <m:func>
                           <m:funcPr>
                             <m:ctrlPr>
-                              <a:rPr lang="en-US" i="1"/>
+                              <a:rPr lang="en-US" i="1">
+                                <a:latin typeface="Cambria Math" panose="02040503050406030204" pitchFamily="18" charset="0"/>
+                              </a:rPr>
                             </m:ctrlPr>
                           </m:funcPr>
                           <m:fName>
@@ -7186,13 +12245,17 @@
                               <m:rPr>
                                 <m:sty m:val="p"/>
                               </m:rPr>
-                              <a:rPr lang="en-US"/>
+                              <a:rPr lang="en-US">
+                                <a:latin typeface="Cambria Math" charset="0"/>
+                              </a:rPr>
                               <m:t>log</m:t>
                             </m:r>
                           </m:fName>
                           <m:e>
                             <m:r>
-                              <a:rPr lang="en-US" i="1"/>
+                              <a:rPr lang="en-US" i="1">
+                                <a:latin typeface="Cambria Math" charset="0"/>
+                              </a:rPr>
                               <m:t>𝑘</m:t>
                             </m:r>
                           </m:e>
@@ -7202,18 +12265,24 @@
                         <m:sSup>
                           <m:sSupPr>
                             <m:ctrlPr>
-                              <a:rPr lang="en-US" i="1"/>
+                              <a:rPr lang="en-US" i="1">
+                                <a:latin typeface="Cambria Math" panose="02040503050406030204" pitchFamily="18" charset="0"/>
+                              </a:rPr>
                             </m:ctrlPr>
                           </m:sSupPr>
                           <m:e>
                             <m:r>
-                              <a:rPr lang="en-US" i="1"/>
+                              <a:rPr lang="en-US" i="1">
+                                <a:latin typeface="Cambria Math" charset="0"/>
+                              </a:rPr>
                               <m:t>𝜖</m:t>
                             </m:r>
                           </m:e>
                           <m:sup>
                             <m:r>
-                              <a:rPr lang="en-US"/>
+                              <a:rPr lang="en-US">
+                                <a:latin typeface="Cambria Math" charset="0"/>
+                              </a:rPr>
                               <m:t>4</m:t>
                             </m:r>
                           </m:sup>
@@ -7221,7 +12290,9 @@
                       </m:den>
                     </m:f>
                     <m:r>
-                      <a:rPr lang="en-US"/>
+                      <a:rPr lang="en-US">
+                        <a:latin typeface="Cambria Math" charset="0"/>
+                      </a:rPr>
                       <m:t>)</m:t>
                     </m:r>
                   </m:oMath>
@@ -7259,7 +12330,7 @@
             </p:txBody>
           </p:sp>
         </mc:Choice>
-        <mc:Fallback>
+        <mc:Fallback xmlns="">
           <p:sp>
             <p:nvSpPr>
               <p:cNvPr id="3" name="Content Placeholder 2">
@@ -7333,8 +12404,8 @@
           <a:chExt cx="0" cy="0"/>
         </a:xfrm>
       </p:grpSpPr>
-      <mc:AlternateContent xmlns:mc="http://schemas.openxmlformats.org/markup-compatibility/2006">
-        <mc:Choice xmlns:a14="http://schemas.microsoft.com/office/drawing/2010/main" Requires="a14">
+      <mc:AlternateContent xmlns:mc="http://schemas.openxmlformats.org/markup-compatibility/2006" xmlns:a14="http://schemas.microsoft.com/office/drawing/2010/main">
+        <mc:Choice Requires="a14">
           <p:sp>
             <p:nvSpPr>
               <p:cNvPr id="3" name="Content Placeholder 2">
@@ -7372,38 +12443,54 @@
                     <m:f>
                       <m:fPr>
                         <m:ctrlPr>
-                          <a:rPr lang="en-US" i="1"/>
+                          <a:rPr lang="en-US" i="1">
+                            <a:latin typeface="Cambria Math" panose="02040503050406030204" pitchFamily="18" charset="0"/>
+                          </a:rPr>
                         </m:ctrlPr>
                       </m:fPr>
                       <m:num>
                         <m:r>
-                          <a:rPr lang="en-US"/>
+                          <a:rPr lang="en-US">
+                            <a:latin typeface="Cambria Math" charset="0"/>
+                          </a:rPr>
                           <m:t>1</m:t>
                         </m:r>
                       </m:num>
                       <m:den>
                         <m:r>
-                          <a:rPr lang="en-US" i="1"/>
+                          <a:rPr lang="en-US" i="1">
+                            <a:latin typeface="Cambria Math" charset="0"/>
+                          </a:rPr>
                           <m:t>𝑚</m:t>
                         </m:r>
                         <m:r>
-                          <a:rPr lang="en-US" i="1"/>
+                          <a:rPr lang="en-US" i="1">
+                            <a:latin typeface="Cambria Math" charset="0"/>
+                          </a:rPr>
                           <m:t>∗</m:t>
                         </m:r>
                         <m:r>
-                          <a:rPr lang="en-US" i="1"/>
+                          <a:rPr lang="en-US" i="1">
+                            <a:latin typeface="Cambria Math" charset="0"/>
+                          </a:rPr>
                           <m:t>𝑞</m:t>
                         </m:r>
                         <m:r>
-                          <a:rPr lang="en-US"/>
+                          <a:rPr lang="en-US">
+                            <a:latin typeface="Cambria Math" charset="0"/>
+                          </a:rPr>
                           <m:t>(</m:t>
                         </m:r>
                         <m:r>
-                          <a:rPr lang="en-US" i="1"/>
+                          <a:rPr lang="en-US" i="1">
+                            <a:latin typeface="Cambria Math" charset="0"/>
+                          </a:rPr>
                           <m:t>𝑥</m:t>
                         </m:r>
                         <m:r>
-                          <a:rPr lang="en-US"/>
+                          <a:rPr lang="en-US">
+                            <a:latin typeface="Cambria Math" charset="0"/>
+                          </a:rPr>
                           <m:t>)</m:t>
                         </m:r>
                       </m:den>
@@ -7417,95 +12504,131 @@
                 <a14:m>
                   <m:oMath xmlns:m="http://schemas.openxmlformats.org/officeDocument/2006/math">
                     <m:r>
-                      <a:rPr lang="en-US" i="1"/>
+                      <a:rPr lang="en-US" i="1">
+                        <a:latin typeface="Cambria Math" charset="0"/>
+                      </a:rPr>
                       <m:t>𝑞</m:t>
                     </m:r>
                     <m:d>
                       <m:dPr>
                         <m:ctrlPr>
-                          <a:rPr lang="en-US" i="1"/>
+                          <a:rPr lang="en-US" i="1">
+                            <a:latin typeface="Cambria Math" panose="02040503050406030204" pitchFamily="18" charset="0"/>
+                          </a:rPr>
                         </m:ctrlPr>
                       </m:dPr>
                       <m:e>
                         <m:r>
-                          <a:rPr lang="en-US" i="1"/>
+                          <a:rPr lang="en-US" i="1">
+                            <a:latin typeface="Cambria Math" charset="0"/>
+                          </a:rPr>
                           <m:t>𝑥</m:t>
                         </m:r>
                       </m:e>
                     </m:d>
                     <m:r>
-                      <a:rPr lang="en-US"/>
+                      <a:rPr lang="en-US">
+                        <a:latin typeface="Cambria Math" charset="0"/>
+                      </a:rPr>
                       <m:t>=</m:t>
                     </m:r>
                     <m:f>
                       <m:fPr>
                         <m:ctrlPr>
-                          <a:rPr lang="en-US" i="1"/>
+                          <a:rPr lang="en-US" i="1">
+                            <a:latin typeface="Cambria Math" panose="02040503050406030204" pitchFamily="18" charset="0"/>
+                          </a:rPr>
                         </m:ctrlPr>
                       </m:fPr>
                       <m:num>
                         <m:r>
-                          <a:rPr lang="en-US"/>
+                          <a:rPr lang="en-US">
+                            <a:latin typeface="Cambria Math" charset="0"/>
+                          </a:rPr>
                           <m:t>1</m:t>
                         </m:r>
                       </m:num>
                       <m:den>
                         <m:r>
-                          <a:rPr lang="en-US"/>
+                          <a:rPr lang="en-US">
+                            <a:latin typeface="Cambria Math" charset="0"/>
+                          </a:rPr>
                           <m:t>2</m:t>
                         </m:r>
                         <m:r>
-                          <a:rPr lang="en-US" i="1"/>
+                          <a:rPr lang="en-US" i="1">
+                            <a:latin typeface="Cambria Math" charset="0"/>
+                          </a:rPr>
                           <m:t>𝑛</m:t>
                         </m:r>
                       </m:den>
                     </m:f>
                     <m:r>
-                      <a:rPr lang="en-US"/>
+                      <a:rPr lang="en-US">
+                        <a:latin typeface="Cambria Math" charset="0"/>
+                      </a:rPr>
                       <m:t>+</m:t>
                     </m:r>
                     <m:f>
                       <m:fPr>
                         <m:ctrlPr>
-                          <a:rPr lang="en-US" i="1"/>
+                          <a:rPr lang="en-US" i="1">
+                            <a:latin typeface="Cambria Math" panose="02040503050406030204" pitchFamily="18" charset="0"/>
+                          </a:rPr>
                         </m:ctrlPr>
                       </m:fPr>
                       <m:num>
                         <m:r>
-                          <a:rPr lang="en-US" i="1"/>
+                          <a:rPr lang="en-US" i="1">
+                            <a:latin typeface="Cambria Math" charset="0"/>
+                          </a:rPr>
                           <m:t>𝑑</m:t>
                         </m:r>
                         <m:sSup>
                           <m:sSupPr>
                             <m:ctrlPr>
-                              <a:rPr lang="en-US" i="1"/>
+                              <a:rPr lang="en-US" i="1">
+                                <a:latin typeface="Cambria Math" panose="02040503050406030204" pitchFamily="18" charset="0"/>
+                              </a:rPr>
                             </m:ctrlPr>
                           </m:sSupPr>
                           <m:e>
                             <m:r>
-                              <a:rPr lang="en-US"/>
+                              <a:rPr lang="en-US">
+                                <a:latin typeface="Cambria Math" charset="0"/>
+                              </a:rPr>
                               <m:t>(</m:t>
                             </m:r>
                             <m:r>
-                              <a:rPr lang="en-US" i="1"/>
+                              <a:rPr lang="en-US" i="1">
+                                <a:latin typeface="Cambria Math" charset="0"/>
+                              </a:rPr>
                               <m:t>𝑥</m:t>
                             </m:r>
                             <m:r>
-                              <a:rPr lang="en-US"/>
+                              <a:rPr lang="en-US">
+                                <a:latin typeface="Cambria Math" charset="0"/>
+                              </a:rPr>
                               <m:t>, </m:t>
                             </m:r>
                             <m:r>
-                              <a:rPr lang="en-US" i="1"/>
+                              <a:rPr lang="en-US" i="1">
+                                <a:latin typeface="Cambria Math" charset="0"/>
+                              </a:rPr>
                               <m:t>𝜇</m:t>
                             </m:r>
                             <m:r>
-                              <a:rPr lang="en-US"/>
+                              <a:rPr lang="en-US">
+                                <a:latin typeface="Cambria Math" charset="0"/>
+                              </a:rPr>
                               <m:t>)</m:t>
                             </m:r>
                           </m:e>
                           <m:sup>
                             <m:r>
-                              <a:rPr lang="en-US"/>
+                              <a:rPr lang="en-US">
+                                <a:latin typeface="Cambria Math" charset="0"/>
+                              </a:rPr>
                               <m:t>2</m:t>
                             </m:r>
                           </m:sup>
@@ -7513,7 +12636,9 @@
                       </m:num>
                       <m:den>
                         <m:r>
-                          <a:rPr lang="en-US"/>
+                          <a:rPr lang="en-US">
+                            <a:latin typeface="Cambria Math" charset="0"/>
+                          </a:rPr>
                           <m:t>2</m:t>
                         </m:r>
                         <m:nary>
@@ -7522,35 +12647,47 @@
                             <m:limLoc m:val="subSup"/>
                             <m:supHide m:val="on"/>
                             <m:ctrlPr>
-                              <a:rPr lang="en-US" i="1"/>
+                              <a:rPr lang="en-US" i="1">
+                                <a:latin typeface="Cambria Math" panose="02040503050406030204" pitchFamily="18" charset="0"/>
+                              </a:rPr>
                             </m:ctrlPr>
                           </m:naryPr>
                           <m:sub>
                             <m:sSup>
                               <m:sSupPr>
                                 <m:ctrlPr>
-                                  <a:rPr lang="en-US" i="1"/>
+                                  <a:rPr lang="en-US" i="1">
+                                    <a:latin typeface="Cambria Math" panose="02040503050406030204" pitchFamily="18" charset="0"/>
+                                  </a:rPr>
                                 </m:ctrlPr>
                               </m:sSupPr>
                               <m:e>
                                 <m:r>
-                                  <a:rPr lang="en-US" i="1"/>
+                                  <a:rPr lang="en-US" i="1">
+                                    <a:latin typeface="Cambria Math" charset="0"/>
+                                  </a:rPr>
                                   <m:t>𝑥</m:t>
                                 </m:r>
                               </m:e>
                               <m:sup>
                                 <m:r>
-                                  <a:rPr lang="en-US" i="1"/>
+                                  <a:rPr lang="en-US" i="1">
+                                    <a:latin typeface="Cambria Math" charset="0"/>
+                                  </a:rPr>
                                   <m:t>′</m:t>
                                 </m:r>
                               </m:sup>
                             </m:sSup>
                             <m:r>
-                              <a:rPr lang="en-US"/>
+                              <a:rPr lang="en-US">
+                                <a:latin typeface="Cambria Math" charset="0"/>
+                              </a:rPr>
                               <m:t>∈</m:t>
                             </m:r>
                             <m:r>
-                              <a:rPr lang="en-US" i="1"/>
+                              <a:rPr lang="en-US" i="1">
+                                <a:latin typeface="Cambria Math" charset="0"/>
+                              </a:rPr>
                               <m:t>𝑋</m:t>
                             </m:r>
                           </m:sub>
@@ -7559,53 +12696,73 @@
                             <m:sSup>
                               <m:sSupPr>
                                 <m:ctrlPr>
-                                  <a:rPr lang="en-US" i="1"/>
+                                  <a:rPr lang="en-US" i="1">
+                                    <a:latin typeface="Cambria Math" panose="02040503050406030204" pitchFamily="18" charset="0"/>
+                                  </a:rPr>
                                 </m:ctrlPr>
                               </m:sSupPr>
                               <m:e>
                                 <m:r>
-                                  <a:rPr lang="en-US" i="1"/>
+                                  <a:rPr lang="en-US" i="1">
+                                    <a:latin typeface="Cambria Math" charset="0"/>
+                                  </a:rPr>
                                   <m:t>𝑑</m:t>
                                 </m:r>
                                 <m:r>
-                                  <a:rPr lang="en-US"/>
+                                  <a:rPr lang="en-US">
+                                    <a:latin typeface="Cambria Math" charset="0"/>
+                                  </a:rPr>
                                   <m:t>(</m:t>
                                 </m:r>
                                 <m:sSup>
                                   <m:sSupPr>
                                     <m:ctrlPr>
-                                      <a:rPr lang="en-US" i="1"/>
+                                      <a:rPr lang="en-US" i="1">
+                                        <a:latin typeface="Cambria Math" panose="02040503050406030204" pitchFamily="18" charset="0"/>
+                                      </a:rPr>
                                     </m:ctrlPr>
                                   </m:sSupPr>
                                   <m:e>
                                     <m:r>
-                                      <a:rPr lang="en-US" i="1"/>
+                                      <a:rPr lang="en-US" i="1">
+                                        <a:latin typeface="Cambria Math" charset="0"/>
+                                      </a:rPr>
                                       <m:t>𝑥</m:t>
                                     </m:r>
                                   </m:e>
                                   <m:sup>
                                     <m:r>
-                                      <a:rPr lang="en-US" i="1"/>
+                                      <a:rPr lang="en-US" i="1">
+                                        <a:latin typeface="Cambria Math" charset="0"/>
+                                      </a:rPr>
                                       <m:t>′</m:t>
                                     </m:r>
                                   </m:sup>
                                 </m:sSup>
                                 <m:r>
-                                  <a:rPr lang="en-US"/>
+                                  <a:rPr lang="en-US">
+                                    <a:latin typeface="Cambria Math" charset="0"/>
+                                  </a:rPr>
                                   <m:t>,</m:t>
                                 </m:r>
                                 <m:r>
-                                  <a:rPr lang="en-US" i="1"/>
+                                  <a:rPr lang="en-US" i="1">
+                                    <a:latin typeface="Cambria Math" charset="0"/>
+                                  </a:rPr>
                                   <m:t>𝜇</m:t>
                                 </m:r>
                                 <m:r>
-                                  <a:rPr lang="en-US"/>
+                                  <a:rPr lang="en-US">
+                                    <a:latin typeface="Cambria Math" charset="0"/>
+                                  </a:rPr>
                                   <m:t>)</m:t>
                                 </m:r>
                               </m:e>
                               <m:sup>
                                 <m:r>
-                                  <a:rPr lang="en-US"/>
+                                  <a:rPr lang="en-US">
+                                    <a:latin typeface="Cambria Math" charset="0"/>
+                                  </a:rPr>
                                   <m:t>2</m:t>
                                 </m:r>
                               </m:sup>
@@ -7623,7 +12780,9 @@
                 <a14:m>
                   <m:oMath xmlns:m="http://schemas.openxmlformats.org/officeDocument/2006/math">
                     <m:r>
-                      <a:rPr lang="en-US" i="1"/>
+                      <a:rPr lang="en-US" i="1">
+                        <a:latin typeface="Cambria Math" charset="0"/>
+                      </a:rPr>
                       <m:t>𝜇</m:t>
                     </m:r>
                   </m:oMath>
@@ -7648,7 +12807,7 @@
             </p:txBody>
           </p:sp>
         </mc:Choice>
-        <mc:Fallback>
+        <mc:Fallback xmlns="">
           <p:sp>
             <p:nvSpPr>
               <p:cNvPr id="3" name="Content Placeholder 2">
@@ -7967,7 +13126,9 @@
           </a:xfrm>
         </p:spPr>
         <p:txBody>
-          <a:bodyPr/>
+          <a:bodyPr>
+            <a:normAutofit/>
+          </a:bodyPr>
           <a:lstStyle/>
           <a:p>
             <a:r>
@@ -7976,8 +13137,44 @@
             </a:r>
             <a:r>
               <a:rPr lang="en-US" altLang="zh-CN" dirty="0"/>
-              <a:t>niform sampling: uniformly subsampling the data points.</a:t>
+              <a:t>niform sampling: uniformly subsampling the data points at random.</a:t>
             </a:r>
+          </a:p>
+          <a:p>
+            <a:r>
+              <a:rPr lang="en-US" altLang="zh-CN" dirty="0"/>
+              <a:t>CS: use importance sampling. </a:t>
+            </a:r>
+          </a:p>
+          <a:p>
+            <a:pPr lvl="1"/>
+            <a:r>
+              <a:rPr lang="en-US" altLang="zh-CN" dirty="0"/>
+              <a:t>Data points with a potentially high impact on the objective are sampled more frequently but assigned with lower weights.</a:t>
+            </a:r>
+          </a:p>
+          <a:p>
+            <a:pPr lvl="1"/>
+            <a:r>
+              <a:rPr lang="en-US" dirty="0"/>
+              <a:t>The impact of a data point is measured by the maximum ratio between its cost contribution and the average contribution of all points.</a:t>
+            </a:r>
+          </a:p>
+          <a:p>
+            <a:pPr lvl="1"/>
+            <a:r>
+              <a:rPr lang="en-US" dirty="0"/>
+              <a:t>Need to find a rough approximation of the optimal clustering. This  can be achieved by sampling the 1</a:t>
+            </a:r>
+            <a:r>
+              <a:rPr lang="en-US" baseline="30000" dirty="0"/>
+              <a:t>st</a:t>
+            </a:r>
+            <a:r>
+              <a:rPr lang="en-US" dirty="0"/>
+              <a:t> cluster uniformly at random then iteratively sampling additional points with probability proportional to the minimum squared distance to the already sampled cluster centers. </a:t>
+            </a:r>
+            <a:endParaRPr lang="en-US" altLang="zh-CN" dirty="0"/>
           </a:p>
           <a:p>
             <a:endParaRPr lang="en-US" dirty="0"/>
@@ -8034,6 +13231,64 @@
 </file>
 
 <file path=ppt/slides/slide8.xml><?xml version="1.0" encoding="utf-8"?>
+<p:sld xmlns:a="http://schemas.openxmlformats.org/drawingml/2006/main" xmlns:r="http://schemas.openxmlformats.org/officeDocument/2006/relationships" xmlns:p="http://schemas.openxmlformats.org/presentationml/2006/main">
+  <p:cSld>
+    <p:spTree>
+      <p:nvGrpSpPr>
+        <p:cNvPr id="1" name=""/>
+        <p:cNvGrpSpPr/>
+        <p:nvPr/>
+      </p:nvGrpSpPr>
+      <p:grpSpPr>
+        <a:xfrm>
+          <a:off x="0" y="0"/>
+          <a:ext cx="0" cy="0"/>
+          <a:chOff x="0" y="0"/>
+          <a:chExt cx="0" cy="0"/>
+        </a:xfrm>
+      </p:grpSpPr>
+      <p:pic>
+        <p:nvPicPr>
+          <p:cNvPr id="4" name="Image1"/>
+          <p:cNvPicPr/>
+          <p:nvPr/>
+        </p:nvPicPr>
+        <p:blipFill>
+          <a:blip r:embed="rId2">
+            <a:extLst>
+              <a:ext uri="{28A0092B-C50C-407E-A947-70E740481C1C}">
+                <a14:useLocalDpi xmlns:a14="http://schemas.microsoft.com/office/drawing/2010/main" val="0"/>
+              </a:ext>
+            </a:extLst>
+          </a:blip>
+          <a:stretch>
+            <a:fillRect/>
+          </a:stretch>
+        </p:blipFill>
+        <p:spPr bwMode="auto">
+          <a:xfrm>
+            <a:off x="3687098" y="899652"/>
+            <a:ext cx="5191431" cy="5102941"/>
+          </a:xfrm>
+          <a:prstGeom prst="rect">
+            <a:avLst/>
+          </a:prstGeom>
+        </p:spPr>
+      </p:pic>
+    </p:spTree>
+    <p:extLst>
+      <p:ext uri="{BB962C8B-B14F-4D97-AF65-F5344CB8AC3E}">
+        <p14:creationId xmlns:p14="http://schemas.microsoft.com/office/powerpoint/2010/main" val="2019463493"/>
+      </p:ext>
+    </p:extLst>
+  </p:cSld>
+  <p:clrMapOvr>
+    <a:masterClrMapping/>
+  </p:clrMapOvr>
+</p:sld>
+</file>
+
+<file path=ppt/slides/slide9.xml><?xml version="1.0" encoding="utf-8"?>
 <p:sld xmlns:a="http://schemas.openxmlformats.org/drawingml/2006/main" xmlns:r="http://schemas.openxmlformats.org/officeDocument/2006/relationships" xmlns:p="http://schemas.openxmlformats.org/presentationml/2006/main">
   <p:cSld>
     <p:spTree>
@@ -8217,8 +13472,8 @@
           </a:p>
         </p:txBody>
       </p:sp>
-      <mc:AlternateContent xmlns:mc="http://schemas.openxmlformats.org/markup-compatibility/2006">
-        <mc:Choice xmlns:a14="http://schemas.microsoft.com/office/drawing/2010/main" Requires="a14">
+      <mc:AlternateContent xmlns:mc="http://schemas.openxmlformats.org/markup-compatibility/2006" xmlns:a14="http://schemas.microsoft.com/office/drawing/2010/main">
+        <mc:Choice Requires="a14">
           <p:sp>
             <p:nvSpPr>
               <p:cNvPr id="5" name="Text Box 2">
@@ -8697,7 +13952,7 @@
             </p:txBody>
           </p:sp>
         </mc:Choice>
-        <mc:Fallback>
+        <mc:Fallback xmlns="">
           <p:sp>
             <p:nvSpPr>
               <p:cNvPr id="5" name="Text Box 2">
@@ -8754,282 +14009,6 @@
     <p:extLst>
       <p:ext uri="{BB962C8B-B14F-4D97-AF65-F5344CB8AC3E}">
         <p14:creationId xmlns:p14="http://schemas.microsoft.com/office/powerpoint/2010/main" val="2030101943"/>
-      </p:ext>
-    </p:extLst>
-  </p:cSld>
-  <p:clrMapOvr>
-    <a:masterClrMapping/>
-  </p:clrMapOvr>
-</p:sld>
-</file>
-
-<file path=ppt/slides/slide9.xml><?xml version="1.0" encoding="utf-8"?>
-<p:sld xmlns:a="http://schemas.openxmlformats.org/drawingml/2006/main" xmlns:r="http://schemas.openxmlformats.org/officeDocument/2006/relationships" xmlns:p="http://schemas.openxmlformats.org/presentationml/2006/main">
-  <p:cSld>
-    <p:spTree>
-      <p:nvGrpSpPr>
-        <p:cNvPr id="1" name=""/>
-        <p:cNvGrpSpPr/>
-        <p:nvPr/>
-      </p:nvGrpSpPr>
-      <p:grpSpPr>
-        <a:xfrm>
-          <a:off x="0" y="0"/>
-          <a:ext cx="0" cy="0"/>
-          <a:chOff x="0" y="0"/>
-          <a:chExt cx="0" cy="0"/>
-        </a:xfrm>
-      </p:grpSpPr>
-      <mc:AlternateContent xmlns:mc="http://schemas.openxmlformats.org/markup-compatibility/2006">
-        <mc:Choice xmlns:a14="http://schemas.microsoft.com/office/drawing/2010/main" Requires="a14">
-          <p:sp>
-            <p:nvSpPr>
-              <p:cNvPr id="3" name="Content Placeholder 2">
-                <a:extLst>
-                  <a:ext uri="{FF2B5EF4-FFF2-40B4-BE49-F238E27FC236}">
-                    <a16:creationId xmlns:a16="http://schemas.microsoft.com/office/drawing/2014/main" id="{F4185466-070D-4634-A8CB-F57FE4D1A462}"/>
-                  </a:ext>
-                </a:extLst>
-              </p:cNvPr>
-              <p:cNvSpPr>
-                <a:spLocks noGrp="1"/>
-              </p:cNvSpPr>
-              <p:nvPr>
-                <p:ph idx="1"/>
-              </p:nvPr>
-            </p:nvSpPr>
-            <p:spPr>
-              <a:xfrm>
-                <a:off x="1484310" y="1446247"/>
-                <a:ext cx="10018713" cy="4506684"/>
-              </a:xfrm>
-            </p:spPr>
-            <p:txBody>
-              <a:bodyPr>
-                <a:normAutofit/>
-              </a:bodyPr>
-              <a:lstStyle/>
-              <a:p>
-                <a:r>
-                  <a:rPr lang="en-US" dirty="0"/>
-                  <a:t>Running time:  includes the time used to construct the coresets and the time used to solve clustering problem on subsamples or full dataset using k-means or k-medoids algorithms.</a:t>
-                </a:r>
-              </a:p>
-              <a:p>
-                <a:endParaRPr lang="en-US" dirty="0"/>
-              </a:p>
-              <a:p>
-                <a:r>
-                  <a:rPr lang="en-US" dirty="0"/>
-                  <a:t>Relative error: </a:t>
-                </a:r>
-              </a:p>
-              <a:p>
-                <a:pPr marL="0" indent="0">
-                  <a:buNone/>
-                </a:pPr>
-                <a:r>
-                  <a:rPr lang="en-US" dirty="0"/>
-                  <a:t>      We solve clustering problem on subsample, compute the quantization error </a:t>
-                </a:r>
-                <a14:m>
-                  <m:oMath xmlns:m="http://schemas.openxmlformats.org/officeDocument/2006/math">
-                    <m:sSub>
-                      <m:sSubPr>
-                        <m:ctrlPr>
-                          <a:rPr lang="en-US" i="1"/>
-                        </m:ctrlPr>
-                      </m:sSubPr>
-                      <m:e>
-                        <m:r>
-                          <a:rPr lang="en-US" i="1"/>
-                          <m:t>𝜙</m:t>
-                        </m:r>
-                      </m:e>
-                      <m:sub>
-                        <m:r>
-                          <a:rPr lang="en-US" i="1"/>
-                          <m:t>𝜒</m:t>
-                        </m:r>
-                      </m:sub>
-                    </m:sSub>
-                    <m:d>
-                      <m:dPr>
-                        <m:ctrlPr>
-                          <a:rPr lang="en-US" i="1"/>
-                        </m:ctrlPr>
-                      </m:dPr>
-                      <m:e>
-                        <m:r>
-                          <a:rPr lang="en-US" i="1"/>
-                          <m:t>𝑄</m:t>
-                        </m:r>
-                      </m:e>
-                    </m:d>
-                    <m:r>
-                      <a:rPr lang="en-US" i="1"/>
-                      <m:t>=</m:t>
-                    </m:r>
-                    <m:nary>
-                      <m:naryPr>
-                        <m:chr m:val="∑"/>
-                        <m:limLoc m:val="undOvr"/>
-                        <m:supHide m:val="on"/>
-                        <m:ctrlPr>
-                          <a:rPr lang="en-US" i="1"/>
-                        </m:ctrlPr>
-                      </m:naryPr>
-                      <m:sub>
-                        <m:r>
-                          <a:rPr lang="en-US" i="1"/>
-                          <m:t>𝑥</m:t>
-                        </m:r>
-                        <m:r>
-                          <a:rPr lang="en-US" i="1"/>
-                          <m:t>∈</m:t>
-                        </m:r>
-                        <m:r>
-                          <a:rPr lang="en-US" i="1"/>
-                          <m:t>𝜒</m:t>
-                        </m:r>
-                      </m:sub>
-                      <m:sup/>
-                      <m:e>
-                        <m:sSup>
-                          <m:sSupPr>
-                            <m:ctrlPr>
-                              <a:rPr lang="en-US" i="1"/>
-                            </m:ctrlPr>
-                          </m:sSupPr>
-                          <m:e>
-                            <m:r>
-                              <a:rPr lang="en-US" i="1"/>
-                              <m:t>𝑑</m:t>
-                            </m:r>
-                            <m:r>
-                              <a:rPr lang="en-US" i="1"/>
-                              <m:t>(</m:t>
-                            </m:r>
-                            <m:r>
-                              <a:rPr lang="en-US" i="1"/>
-                              <m:t>𝑥</m:t>
-                            </m:r>
-                            <m:r>
-                              <a:rPr lang="en-US" i="1"/>
-                              <m:t>, </m:t>
-                            </m:r>
-                            <m:r>
-                              <a:rPr lang="en-US" i="1"/>
-                              <m:t>𝑄</m:t>
-                            </m:r>
-                            <m:r>
-                              <a:rPr lang="en-US" i="1"/>
-                              <m:t>)</m:t>
-                            </m:r>
-                          </m:e>
-                          <m:sup>
-                            <m:r>
-                              <a:rPr lang="en-US" i="1"/>
-                              <m:t>2</m:t>
-                            </m:r>
-                          </m:sup>
-                        </m:sSup>
-                      </m:e>
-                    </m:nary>
-                  </m:oMath>
-                </a14:m>
-                <a:r>
-                  <a:rPr lang="en-US" dirty="0"/>
-                  <a:t> on full dataset. We run algorithm on full dataset and measure the quantization error.</a:t>
-                </a:r>
-              </a:p>
-            </p:txBody>
-          </p:sp>
-        </mc:Choice>
-        <mc:Fallback>
-          <p:sp>
-            <p:nvSpPr>
-              <p:cNvPr id="3" name="Content Placeholder 2">
-                <a:extLst>
-                  <a:ext uri="{FF2B5EF4-FFF2-40B4-BE49-F238E27FC236}">
-                    <a16:creationId xmlns:a16="http://schemas.microsoft.com/office/drawing/2014/main" id="{F4185466-070D-4634-A8CB-F57FE4D1A462}"/>
-                  </a:ext>
-                </a:extLst>
-              </p:cNvPr>
-              <p:cNvSpPr>
-                <a:spLocks noGrp="1" noRot="1" noChangeAspect="1" noMove="1" noResize="1" noEditPoints="1" noAdjustHandles="1" noChangeArrowheads="1" noChangeShapeType="1" noTextEdit="1"/>
-              </p:cNvSpPr>
-              <p:nvPr>
-                <p:ph idx="1"/>
-              </p:nvPr>
-            </p:nvSpPr>
-            <p:spPr>
-              <a:xfrm>
-                <a:off x="1484310" y="1446247"/>
-                <a:ext cx="10018713" cy="4506684"/>
-              </a:xfrm>
-              <a:blipFill>
-                <a:blip r:embed="rId2"/>
-                <a:stretch>
-                  <a:fillRect l="-1521" r="-1399"/>
-                </a:stretch>
-              </a:blipFill>
-            </p:spPr>
-            <p:txBody>
-              <a:bodyPr/>
-              <a:lstStyle/>
-              <a:p>
-                <a:r>
-                  <a:rPr lang="en-US">
-                    <a:noFill/>
-                  </a:rPr>
-                  <a:t> </a:t>
-                </a:r>
-              </a:p>
-            </p:txBody>
-          </p:sp>
-        </mc:Fallback>
-      </mc:AlternateContent>
-      <p:sp>
-        <p:nvSpPr>
-          <p:cNvPr id="4" name="Title 1">
-            <a:extLst>
-              <a:ext uri="{FF2B5EF4-FFF2-40B4-BE49-F238E27FC236}">
-                <a16:creationId xmlns:a16="http://schemas.microsoft.com/office/drawing/2014/main" id="{EBC745D0-2DB8-45BF-B437-2C87FB9B9492}"/>
-              </a:ext>
-            </a:extLst>
-          </p:cNvPr>
-          <p:cNvSpPr>
-            <a:spLocks noGrp="1"/>
-          </p:cNvSpPr>
-          <p:nvPr>
-            <p:ph type="title"/>
-          </p:nvPr>
-        </p:nvSpPr>
-        <p:spPr>
-          <a:xfrm>
-            <a:off x="1484310" y="396552"/>
-            <a:ext cx="10018713" cy="1049694"/>
-          </a:xfrm>
-        </p:spPr>
-        <p:txBody>
-          <a:bodyPr>
-            <a:normAutofit/>
-          </a:bodyPr>
-          <a:lstStyle/>
-          <a:p>
-            <a:pPr algn="l"/>
-            <a:r>
-              <a:rPr lang="en-US" sz="3200" dirty="0"/>
-              <a:t>Performance analysis</a:t>
-            </a:r>
-          </a:p>
-        </p:txBody>
-      </p:sp>
-    </p:spTree>
-    <p:extLst>
-      <p:ext uri="{BB962C8B-B14F-4D97-AF65-F5344CB8AC3E}">
-        <p14:creationId xmlns:p14="http://schemas.microsoft.com/office/powerpoint/2010/main" val="3981443730"/>
       </p:ext>
     </p:extLst>
   </p:cSld>
